--- a/001_00_Install_Kubernetes.pptx
+++ b/001_00_Install_Kubernetes.pptx
@@ -5,7 +5,7 @@
     <p:sldMasterId id="2147483648" r:id="rId1"/>
   </p:sldMasterIdLst>
   <p:notesMasterIdLst>
-    <p:notesMasterId r:id="rId14"/>
+    <p:notesMasterId r:id="rId26"/>
   </p:notesMasterIdLst>
   <p:sldIdLst>
     <p:sldId id="256" r:id="rId2"/>
@@ -18,8 +18,20 @@
     <p:sldId id="266" r:id="rId9"/>
     <p:sldId id="268" r:id="rId10"/>
     <p:sldId id="269" r:id="rId11"/>
-    <p:sldId id="270" r:id="rId12"/>
-    <p:sldId id="259" r:id="rId13"/>
+    <p:sldId id="302" r:id="rId12"/>
+    <p:sldId id="297" r:id="rId13"/>
+    <p:sldId id="298" r:id="rId14"/>
+    <p:sldId id="299" r:id="rId15"/>
+    <p:sldId id="300" r:id="rId16"/>
+    <p:sldId id="305" r:id="rId17"/>
+    <p:sldId id="304" r:id="rId18"/>
+    <p:sldId id="306" r:id="rId19"/>
+    <p:sldId id="307" r:id="rId20"/>
+    <p:sldId id="308" r:id="rId21"/>
+    <p:sldId id="309" r:id="rId22"/>
+    <p:sldId id="311" r:id="rId23"/>
+    <p:sldId id="310" r:id="rId24"/>
+    <p:sldId id="259" r:id="rId25"/>
   </p:sldIdLst>
   <p:sldSz cx="9144000" cy="6858000" type="screen4x3"/>
   <p:notesSz cx="6858000" cy="9144000"/>
@@ -220,7 +232,7 @@
             <a:fld id="{6837EDA8-41C8-4B24-A206-13C08A65A6D7}" type="datetimeFigureOut">
               <a:rPr lang="zh-TW" altLang="en-US" smtClean="0"/>
               <a:pPr/>
-              <a:t>2022/11/17</a:t>
+              <a:t>2022/11/19</a:t>
             </a:fld>
             <a:endParaRPr lang="zh-TW" altLang="en-US"/>
           </a:p>
@@ -673,7 +685,7 @@
             <a:fld id="{8B85509C-BD4F-47BF-9B1E-FC2E949B3621}" type="datetime1">
               <a:rPr lang="zh-TW" altLang="en-US" smtClean="0"/>
               <a:pPr/>
-              <a:t>2022/11/17</a:t>
+              <a:t>2022/11/19</a:t>
             </a:fld>
             <a:endParaRPr lang="zh-TW" altLang="en-US"/>
           </a:p>
@@ -846,7 +858,7 @@
             <a:fld id="{42251B24-F787-4C15-8A0F-7AEC20C70069}" type="datetime1">
               <a:rPr lang="zh-TW" altLang="en-US" smtClean="0"/>
               <a:pPr/>
-              <a:t>2022/11/17</a:t>
+              <a:t>2022/11/19</a:t>
             </a:fld>
             <a:endParaRPr lang="zh-TW" altLang="en-US"/>
           </a:p>
@@ -1021,7 +1033,7 @@
             <a:fld id="{9CA0D33C-CE2B-45F1-B8D4-FFD1F131F331}" type="datetime1">
               <a:rPr lang="zh-TW" altLang="en-US" smtClean="0"/>
               <a:pPr/>
-              <a:t>2022/11/17</a:t>
+              <a:t>2022/11/19</a:t>
             </a:fld>
             <a:endParaRPr lang="zh-TW" altLang="en-US"/>
           </a:p>
@@ -1186,7 +1198,7 @@
             <a:fld id="{50B99440-D9EF-40CC-9B52-F6428D9B2C76}" type="datetime1">
               <a:rPr lang="zh-TW" altLang="en-US" smtClean="0"/>
               <a:pPr/>
-              <a:t>2022/11/17</a:t>
+              <a:t>2022/11/19</a:t>
             </a:fld>
             <a:endParaRPr lang="zh-TW" altLang="en-US"/>
           </a:p>
@@ -1428,7 +1440,7 @@
             <a:fld id="{0871BF52-5C6C-4959-8E27-CECB68D39FE4}" type="datetime1">
               <a:rPr lang="zh-TW" altLang="en-US" smtClean="0"/>
               <a:pPr/>
-              <a:t>2022/11/17</a:t>
+              <a:t>2022/11/19</a:t>
             </a:fld>
             <a:endParaRPr lang="zh-TW" altLang="en-US"/>
           </a:p>
@@ -1710,7 +1722,7 @@
             <a:fld id="{DF863F05-2DD9-4EB1-A827-12FD992DE9DC}" type="datetime1">
               <a:rPr lang="zh-TW" altLang="en-US" smtClean="0"/>
               <a:pPr/>
-              <a:t>2022/11/17</a:t>
+              <a:t>2022/11/19</a:t>
             </a:fld>
             <a:endParaRPr lang="zh-TW" altLang="en-US"/>
           </a:p>
@@ -2126,7 +2138,7 @@
             <a:fld id="{6339AF51-4491-4873-A096-75DB6CE47516}" type="datetime1">
               <a:rPr lang="zh-TW" altLang="en-US" smtClean="0"/>
               <a:pPr/>
-              <a:t>2022/11/17</a:t>
+              <a:t>2022/11/19</a:t>
             </a:fld>
             <a:endParaRPr lang="zh-TW" altLang="en-US"/>
           </a:p>
@@ -2240,7 +2252,7 @@
             <a:fld id="{EE4AD9C8-8B9E-40FF-ABE2-858AC2057BBB}" type="datetime1">
               <a:rPr lang="zh-TW" altLang="en-US" smtClean="0"/>
               <a:pPr/>
-              <a:t>2022/11/17</a:t>
+              <a:t>2022/11/19</a:t>
             </a:fld>
             <a:endParaRPr lang="zh-TW" altLang="en-US"/>
           </a:p>
@@ -2332,7 +2344,7 @@
             <a:fld id="{B4784999-BBBE-4BE4-A8D0-877E7D1D66CC}" type="datetime1">
               <a:rPr lang="zh-TW" altLang="en-US" smtClean="0"/>
               <a:pPr/>
-              <a:t>2022/11/17</a:t>
+              <a:t>2022/11/19</a:t>
             </a:fld>
             <a:endParaRPr lang="zh-TW" altLang="en-US"/>
           </a:p>
@@ -2604,7 +2616,7 @@
             <a:fld id="{E88D17E6-02BD-4944-B9FE-7BFCCBF83D48}" type="datetime1">
               <a:rPr lang="zh-TW" altLang="en-US" smtClean="0"/>
               <a:pPr/>
-              <a:t>2022/11/17</a:t>
+              <a:t>2022/11/19</a:t>
             </a:fld>
             <a:endParaRPr lang="zh-TW" altLang="en-US"/>
           </a:p>
@@ -2853,7 +2865,7 @@
             <a:fld id="{3C13E23D-1FEF-4D78-A3A3-3D6F2BB31954}" type="datetime1">
               <a:rPr lang="zh-TW" altLang="en-US" smtClean="0"/>
               <a:pPr/>
-              <a:t>2022/11/17</a:t>
+              <a:t>2022/11/19</a:t>
             </a:fld>
             <a:endParaRPr lang="zh-TW" altLang="en-US"/>
           </a:p>
@@ -3061,7 +3073,7 @@
             <a:fld id="{06197F35-AD6F-4594-8B50-334492D2E7E8}" type="datetime1">
               <a:rPr lang="zh-TW" altLang="en-US" smtClean="0"/>
               <a:pPr/>
-              <a:t>2022/11/17</a:t>
+              <a:t>2022/11/19</a:t>
             </a:fld>
             <a:endParaRPr lang="zh-TW" altLang="en-US"/>
           </a:p>
@@ -3522,7 +3534,7 @@
             <a:fld id="{C389EDC9-19E3-47AC-9C57-C6A24DEA81AD}" type="datetime1">
               <a:rPr lang="zh-TW" altLang="en-US" smtClean="0"/>
               <a:pPr/>
-              <a:t>2022/11/17</a:t>
+              <a:t>2022/11/19</a:t>
             </a:fld>
             <a:endParaRPr lang="zh-TW" altLang="en-US"/>
           </a:p>
@@ -3666,7 +3678,7 @@
             <a:fld id="{C389EDC9-19E3-47AC-9C57-C6A24DEA81AD}" type="datetime1">
               <a:rPr lang="zh-TW" altLang="en-US" smtClean="0"/>
               <a:pPr/>
-              <a:t>2022/11/17</a:t>
+              <a:t>2022/11/19</a:t>
             </a:fld>
             <a:endParaRPr lang="zh-TW" altLang="en-US"/>
           </a:p>
@@ -3833,8 +3845,8 @@
         </p:nvSpPr>
         <p:spPr>
           <a:xfrm>
-            <a:off x="316023" y="1224079"/>
-            <a:ext cx="8288426" cy="2348938"/>
+            <a:off x="316023" y="1224078"/>
+            <a:ext cx="8288426" cy="2600999"/>
           </a:xfrm>
           <a:ln>
             <a:solidFill>
@@ -3857,14 +3869,19 @@
               <a:buChar char="u"/>
             </a:pPr>
             <a:r>
-              <a:rPr lang="en-US" sz="1800" b="1" i="0" dirty="0">
+              <a:rPr lang="en-US" sz="1800" b="1" dirty="0">
                 <a:solidFill>
                   <a:srgbClr val="C00000"/>
                 </a:solidFill>
-                <a:effectLst/>
-              </a:rPr>
-              <a:t>1.1.1 Install for Both Master and Slave</a:t>
-            </a:r>
+              </a:rPr>
+              <a:t>Cluster with Two Networks</a:t>
+            </a:r>
+            <a:endParaRPr lang="en-US" sz="1800" b="1" i="0" dirty="0">
+              <a:solidFill>
+                <a:srgbClr val="C00000"/>
+              </a:solidFill>
+              <a:effectLst/>
+            </a:endParaRPr>
           </a:p>
           <a:p>
             <a:pPr marL="342900" indent="-342900" algn="l">
@@ -4034,6 +4051,30 @@
               </a:rPr>
               <a:t>: Netgear49, password: happyxxxx772.</a:t>
             </a:r>
+          </a:p>
+          <a:p>
+            <a:pPr marL="342900" indent="-342900" algn="l">
+              <a:buClr>
+                <a:srgbClr val="0070C0"/>
+              </a:buClr>
+              <a:buSzPct val="80000"/>
+              <a:buFont typeface="Wingdings" pitchFamily="2" charset="2"/>
+              <a:buChar char="u"/>
+            </a:pPr>
+            <a:r>
+              <a:rPr lang="en-US" sz="1800" dirty="0">
+                <a:solidFill>
+                  <a:srgbClr val="000000"/>
+                </a:solidFill>
+              </a:rPr>
+              <a:t>3. Need Access point for network computer without firewall. </a:t>
+            </a:r>
+            <a:endParaRPr lang="en-US" sz="1800" b="0" i="0" dirty="0">
+              <a:solidFill>
+                <a:srgbClr val="000000"/>
+              </a:solidFill>
+              <a:effectLst/>
+            </a:endParaRPr>
           </a:p>
         </p:txBody>
       </p:sp>
@@ -4130,7 +4171,7 @@
             <a:fld id="{A4F910E6-8D00-4BAF-8C48-9688E0B449D3}" type="datetime1">
               <a:rPr lang="zh-TW" altLang="en-US" smtClean="0"/>
               <a:pPr/>
-              <a:t>2022/11/17</a:t>
+              <a:t>2022/11/19</a:t>
             </a:fld>
             <a:endParaRPr lang="zh-TW" altLang="en-US"/>
           </a:p>
@@ -4175,7 +4216,7 @@
           <p:nvPr/>
         </p:nvPicPr>
         <p:blipFill>
-          <a:blip r:embed="rId3">
+          <a:blip r:embed="rId3" cstate="print">
             <a:extLst>
               <a:ext uri="{28A0092B-C50C-407E-A947-70E740481C1C}">
                 <a14:useLocalDpi xmlns:a14="http://schemas.microsoft.com/office/drawing/2010/main" val="0"/>
@@ -4189,8 +4230,8 @@
         </p:blipFill>
         <p:spPr bwMode="auto">
           <a:xfrm>
-            <a:off x="2839620" y="4068774"/>
-            <a:ext cx="1283890" cy="961678"/>
+            <a:off x="2935459" y="4196450"/>
+            <a:ext cx="927579" cy="694789"/>
           </a:xfrm>
           <a:prstGeom prst="rect">
             <a:avLst/>
@@ -4227,7 +4268,7 @@
           <p:nvPr/>
         </p:nvPicPr>
         <p:blipFill>
-          <a:blip r:embed="rId4">
+          <a:blip r:embed="rId4" cstate="print">
             <a:extLst>
               <a:ext uri="{28A0092B-C50C-407E-A947-70E740481C1C}">
                 <a14:useLocalDpi xmlns:a14="http://schemas.microsoft.com/office/drawing/2010/main" val="0"/>
@@ -4241,8 +4282,8 @@
         </p:blipFill>
         <p:spPr bwMode="auto">
           <a:xfrm>
-            <a:off x="5340160" y="4296758"/>
-            <a:ext cx="1401155" cy="961678"/>
+            <a:off x="5134182" y="4571190"/>
+            <a:ext cx="827805" cy="568161"/>
           </a:xfrm>
           <a:prstGeom prst="rect">
             <a:avLst/>
@@ -4469,9 +4510,9 @@
           <p:nvPr/>
         </p:nvCxnSpPr>
         <p:spPr>
-          <a:xfrm>
-            <a:off x="1791799" y="4549613"/>
-            <a:ext cx="1047821" cy="0"/>
+          <a:xfrm flipV="1">
+            <a:off x="1791799" y="4543845"/>
+            <a:ext cx="1143660" cy="5768"/>
           </a:xfrm>
           <a:prstGeom prst="line">
             <a:avLst/>
@@ -4510,7 +4551,7 @@
         </p:nvSpPr>
         <p:spPr>
           <a:xfrm>
-            <a:off x="2788000" y="3607324"/>
+            <a:off x="2788320" y="3801314"/>
             <a:ext cx="1401156" cy="400110"/>
           </a:xfrm>
           <a:prstGeom prst="rect">
@@ -4570,8 +4611,8 @@
         </p:nvSpPr>
         <p:spPr>
           <a:xfrm>
-            <a:off x="4307482" y="3999308"/>
-            <a:ext cx="877283" cy="400110"/>
+            <a:off x="4307483" y="3999308"/>
+            <a:ext cx="647364" cy="400110"/>
           </a:xfrm>
           <a:prstGeom prst="rect">
             <a:avLst/>
@@ -4633,7 +4674,7 @@
         </p:blipFill>
         <p:spPr bwMode="auto">
           <a:xfrm>
-            <a:off x="2638594" y="5549188"/>
+            <a:off x="2171158" y="5435673"/>
             <a:ext cx="963850" cy="963850"/>
           </a:xfrm>
           <a:prstGeom prst="rect">
@@ -4685,7 +4726,7 @@
         </p:blipFill>
         <p:spPr bwMode="auto">
           <a:xfrm>
-            <a:off x="4131553" y="5594904"/>
+            <a:off x="3883476" y="5406798"/>
             <a:ext cx="1012300" cy="694789"/>
           </a:xfrm>
           <a:prstGeom prst="rect">
@@ -4737,8 +4778,8 @@
         </p:blipFill>
         <p:spPr bwMode="auto">
           <a:xfrm>
-            <a:off x="4232870" y="5043061"/>
-            <a:ext cx="621717" cy="436130"/>
+            <a:off x="4571863" y="5028619"/>
+            <a:ext cx="459708" cy="322482"/>
           </a:xfrm>
           <a:prstGeom prst="rect">
             <a:avLst/>
@@ -4755,54 +4796,6 @@
           </a:extLst>
         </p:spPr>
       </p:pic>
-      <p:cxnSp>
-        <p:nvCxnSpPr>
-          <p:cNvPr id="38" name="Straight Connector 37">
-            <a:extLst>
-              <a:ext uri="{FF2B5EF4-FFF2-40B4-BE49-F238E27FC236}">
-                <a16:creationId xmlns:a16="http://schemas.microsoft.com/office/drawing/2014/main" id="{B4F8FE50-8C35-63A3-4DB4-050DCFE6AF33}"/>
-              </a:ext>
-            </a:extLst>
-          </p:cNvPr>
-          <p:cNvCxnSpPr>
-            <a:cxnSpLocks/>
-            <a:stCxn id="1028" idx="3"/>
-            <a:endCxn id="1042" idx="1"/>
-          </p:cNvCxnSpPr>
-          <p:nvPr/>
-        </p:nvCxnSpPr>
-        <p:spPr>
-          <a:xfrm flipV="1">
-            <a:off x="6741315" y="3573017"/>
-            <a:ext cx="810418" cy="1204580"/>
-          </a:xfrm>
-          <a:prstGeom prst="line">
-            <a:avLst/>
-          </a:prstGeom>
-          <a:ln w="57150">
-            <a:solidFill>
-              <a:schemeClr val="accent2"/>
-            </a:solidFill>
-            <a:prstDash val="sysDot"/>
-            <a:headEnd type="none" w="med" len="med"/>
-            <a:tailEnd type="none" w="med" len="med"/>
-          </a:ln>
-        </p:spPr>
-        <p:style>
-          <a:lnRef idx="1">
-            <a:schemeClr val="accent2"/>
-          </a:lnRef>
-          <a:fillRef idx="0">
-            <a:schemeClr val="accent2"/>
-          </a:fillRef>
-          <a:effectRef idx="0">
-            <a:schemeClr val="accent2"/>
-          </a:effectRef>
-          <a:fontRef idx="minor">
-            <a:schemeClr val="tx1"/>
-          </a:fontRef>
-        </p:style>
-      </p:cxnSp>
       <p:pic>
         <p:nvPicPr>
           <p:cNvPr id="43" name="Picture 14" descr="Computer | History, Parts, Networking, Operating Systems, &amp; Facts |  Britannica">
@@ -4832,7 +4825,7 @@
         </p:blipFill>
         <p:spPr bwMode="auto">
           <a:xfrm>
-            <a:off x="7572160" y="5131796"/>
+            <a:off x="7531962" y="5406228"/>
             <a:ext cx="1012300" cy="694789"/>
           </a:xfrm>
           <a:prstGeom prst="rect">
@@ -4884,7 +4877,7 @@
         </p:blipFill>
         <p:spPr bwMode="auto">
           <a:xfrm>
-            <a:off x="7551733" y="3114662"/>
+            <a:off x="7531962" y="3716515"/>
             <a:ext cx="1047669" cy="916710"/>
           </a:xfrm>
           <a:prstGeom prst="rect">
@@ -4921,7 +4914,7 @@
         </p:nvSpPr>
         <p:spPr>
           <a:xfrm>
-            <a:off x="4131553" y="6393974"/>
+            <a:off x="3883476" y="6205868"/>
             <a:ext cx="1119077" cy="246221"/>
           </a:xfrm>
           <a:prstGeom prst="rect">
@@ -4975,7 +4968,7 @@
         </p:nvSpPr>
         <p:spPr>
           <a:xfrm>
-            <a:off x="2413525" y="6420502"/>
+            <a:off x="1946089" y="6306987"/>
             <a:ext cx="1401948" cy="246221"/>
           </a:xfrm>
           <a:prstGeom prst="rect">
@@ -5017,7 +5010,7 @@
         </p:nvSpPr>
         <p:spPr>
           <a:xfrm>
-            <a:off x="2234394" y="5058381"/>
+            <a:off x="1888022" y="4953939"/>
             <a:ext cx="677459" cy="400110"/>
           </a:xfrm>
           <a:prstGeom prst="rect">
@@ -5074,8 +5067,8 @@
         </p:blipFill>
         <p:spPr bwMode="auto">
           <a:xfrm>
-            <a:off x="7006066" y="3784240"/>
-            <a:ext cx="570371" cy="400111"/>
+            <a:off x="6918463" y="4282487"/>
+            <a:ext cx="604483" cy="424040"/>
           </a:xfrm>
           <a:prstGeom prst="rect">
             <a:avLst/>
@@ -5092,53 +5085,6 @@
           </a:extLst>
         </p:spPr>
       </p:pic>
-      <p:cxnSp>
-        <p:nvCxnSpPr>
-          <p:cNvPr id="52" name="Straight Connector 51">
-            <a:extLst>
-              <a:ext uri="{FF2B5EF4-FFF2-40B4-BE49-F238E27FC236}">
-                <a16:creationId xmlns:a16="http://schemas.microsoft.com/office/drawing/2014/main" id="{7E527FDF-94A7-CBE4-A051-2504246AB650}"/>
-              </a:ext>
-            </a:extLst>
-          </p:cNvPr>
-          <p:cNvCxnSpPr>
-            <a:cxnSpLocks/>
-            <a:endCxn id="1038" idx="0"/>
-          </p:cNvCxnSpPr>
-          <p:nvPr/>
-        </p:nvCxnSpPr>
-        <p:spPr>
-          <a:xfrm>
-            <a:off x="3815473" y="5030452"/>
-            <a:ext cx="822230" cy="564452"/>
-          </a:xfrm>
-          <a:prstGeom prst="line">
-            <a:avLst/>
-          </a:prstGeom>
-          <a:ln w="57150">
-            <a:solidFill>
-              <a:schemeClr val="accent2"/>
-            </a:solidFill>
-            <a:prstDash val="sysDot"/>
-            <a:headEnd type="none" w="med" len="med"/>
-            <a:tailEnd type="none" w="med" len="med"/>
-          </a:ln>
-        </p:spPr>
-        <p:style>
-          <a:lnRef idx="1">
-            <a:schemeClr val="accent2"/>
-          </a:lnRef>
-          <a:fillRef idx="0">
-            <a:schemeClr val="accent2"/>
-          </a:fillRef>
-          <a:effectRef idx="0">
-            <a:schemeClr val="accent2"/>
-          </a:effectRef>
-          <a:fontRef idx="minor">
-            <a:schemeClr val="tx1"/>
-          </a:fontRef>
-        </p:style>
-      </p:cxnSp>
       <p:sp>
         <p:nvSpPr>
           <p:cNvPr id="1024" name="TextBox 1023">
@@ -5153,7 +5099,7 @@
         </p:nvSpPr>
         <p:spPr>
           <a:xfrm>
-            <a:off x="5590023" y="3769650"/>
+            <a:off x="5108622" y="3992270"/>
             <a:ext cx="877283" cy="400110"/>
           </a:xfrm>
           <a:prstGeom prst="rect">
@@ -5195,54 +5141,6 @@
           </a:p>
         </p:txBody>
       </p:sp>
-      <p:cxnSp>
-        <p:nvCxnSpPr>
-          <p:cNvPr id="1025" name="Straight Connector 1024">
-            <a:extLst>
-              <a:ext uri="{FF2B5EF4-FFF2-40B4-BE49-F238E27FC236}">
-                <a16:creationId xmlns:a16="http://schemas.microsoft.com/office/drawing/2014/main" id="{4184C8F4-D08F-E78D-BAB4-AAF1F99AEA72}"/>
-              </a:ext>
-            </a:extLst>
-          </p:cNvPr>
-          <p:cNvCxnSpPr>
-            <a:cxnSpLocks/>
-            <a:stCxn id="1028" idx="3"/>
-            <a:endCxn id="43" idx="1"/>
-          </p:cNvCxnSpPr>
-          <p:nvPr/>
-        </p:nvCxnSpPr>
-        <p:spPr>
-          <a:xfrm>
-            <a:off x="6741315" y="4777597"/>
-            <a:ext cx="830845" cy="701594"/>
-          </a:xfrm>
-          <a:prstGeom prst="line">
-            <a:avLst/>
-          </a:prstGeom>
-          <a:ln w="57150">
-            <a:solidFill>
-              <a:schemeClr val="accent2"/>
-            </a:solidFill>
-            <a:prstDash val="sysDot"/>
-            <a:headEnd type="none" w="med" len="med"/>
-            <a:tailEnd type="none" w="med" len="med"/>
-          </a:ln>
-        </p:spPr>
-        <p:style>
-          <a:lnRef idx="1">
-            <a:schemeClr val="accent2"/>
-          </a:lnRef>
-          <a:fillRef idx="0">
-            <a:schemeClr val="accent2"/>
-          </a:fillRef>
-          <a:effectRef idx="0">
-            <a:schemeClr val="accent2"/>
-          </a:effectRef>
-          <a:fontRef idx="minor">
-            <a:schemeClr val="tx1"/>
-          </a:fontRef>
-        </p:style>
-      </p:cxnSp>
       <p:sp>
         <p:nvSpPr>
           <p:cNvPr id="1033" name="TextBox 1032">
@@ -5257,7 +5155,7 @@
         </p:nvSpPr>
         <p:spPr>
           <a:xfrm>
-            <a:off x="7518771" y="5868354"/>
+            <a:off x="7478573" y="6142786"/>
             <a:ext cx="1119077" cy="246221"/>
           </a:xfrm>
           <a:prstGeom prst="rect">
@@ -5326,8 +5224,8 @@
         </p:blipFill>
         <p:spPr bwMode="auto">
           <a:xfrm>
-            <a:off x="6986777" y="5006319"/>
-            <a:ext cx="570371" cy="400111"/>
+            <a:off x="6958076" y="5305467"/>
+            <a:ext cx="520497" cy="365125"/>
           </a:xfrm>
           <a:prstGeom prst="rect">
             <a:avLst/>
@@ -5358,7 +5256,7 @@
         </p:nvSpPr>
         <p:spPr>
           <a:xfrm>
-            <a:off x="7653849" y="4137388"/>
+            <a:off x="7634078" y="4739241"/>
             <a:ext cx="916116" cy="400110"/>
           </a:xfrm>
           <a:prstGeom prst="rect">
@@ -5423,8 +5321,8 @@
         </p:nvCxnSpPr>
         <p:spPr>
           <a:xfrm rot="5400000">
-            <a:off x="3041674" y="5109297"/>
-            <a:ext cx="518736" cy="361046"/>
+            <a:off x="2753949" y="4790373"/>
+            <a:ext cx="544434" cy="746166"/>
           </a:xfrm>
           <a:prstGeom prst="bentConnector3">
             <a:avLst/>
@@ -5467,8 +5365,8 @@
         </p:nvCxnSpPr>
         <p:spPr>
           <a:xfrm>
-            <a:off x="4123510" y="4549613"/>
-            <a:ext cx="1216650" cy="227984"/>
+            <a:off x="3863038" y="4543845"/>
+            <a:ext cx="1271144" cy="311426"/>
           </a:xfrm>
           <a:prstGeom prst="bentConnector3">
             <a:avLst>
@@ -5498,10 +5396,259 @@
           </a:fontRef>
         </p:style>
       </p:cxnSp>
+      <p:cxnSp>
+        <p:nvCxnSpPr>
+          <p:cNvPr id="7" name="Connector: Elbow 6">
+            <a:extLst>
+              <a:ext uri="{FF2B5EF4-FFF2-40B4-BE49-F238E27FC236}">
+                <a16:creationId xmlns:a16="http://schemas.microsoft.com/office/drawing/2014/main" id="{9B738830-DA72-549D-D917-C5BD5519E5D2}"/>
+              </a:ext>
+            </a:extLst>
+          </p:cNvPr>
+          <p:cNvCxnSpPr>
+            <a:cxnSpLocks/>
+            <a:stCxn id="8" idx="3"/>
+            <a:endCxn id="1042" idx="1"/>
+          </p:cNvCxnSpPr>
+          <p:nvPr/>
+        </p:nvCxnSpPr>
+        <p:spPr>
+          <a:xfrm flipV="1">
+            <a:off x="6942381" y="4174870"/>
+            <a:ext cx="589581" cy="664788"/>
+          </a:xfrm>
+          <a:prstGeom prst="bentConnector3">
+            <a:avLst>
+              <a:gd name="adj1" fmla="val 50000"/>
+            </a:avLst>
+          </a:prstGeom>
+          <a:ln w="28575">
+            <a:solidFill>
+              <a:srgbClr val="FFC000"/>
+            </a:solidFill>
+            <a:prstDash val="sysDot"/>
+            <a:headEnd type="none" w="med" len="med"/>
+            <a:tailEnd type="none" w="med" len="med"/>
+          </a:ln>
+        </p:spPr>
+        <p:style>
+          <a:lnRef idx="1">
+            <a:schemeClr val="accent2"/>
+          </a:lnRef>
+          <a:fillRef idx="0">
+            <a:schemeClr val="accent2"/>
+          </a:fillRef>
+          <a:effectRef idx="0">
+            <a:schemeClr val="accent2"/>
+          </a:effectRef>
+          <a:fontRef idx="minor">
+            <a:schemeClr val="tx1"/>
+          </a:fontRef>
+        </p:style>
+      </p:cxnSp>
+      <p:cxnSp>
+        <p:nvCxnSpPr>
+          <p:cNvPr id="10" name="Connector: Elbow 9">
+            <a:extLst>
+              <a:ext uri="{FF2B5EF4-FFF2-40B4-BE49-F238E27FC236}">
+                <a16:creationId xmlns:a16="http://schemas.microsoft.com/office/drawing/2014/main" id="{610BAB75-6249-5788-40D1-3AC9CFEA38B8}"/>
+              </a:ext>
+            </a:extLst>
+          </p:cNvPr>
+          <p:cNvCxnSpPr>
+            <a:cxnSpLocks/>
+            <a:stCxn id="8" idx="3"/>
+            <a:endCxn id="43" idx="1"/>
+          </p:cNvCxnSpPr>
+          <p:nvPr/>
+        </p:nvCxnSpPr>
+        <p:spPr>
+          <a:xfrm>
+            <a:off x="6942381" y="4839658"/>
+            <a:ext cx="589581" cy="913965"/>
+          </a:xfrm>
+          <a:prstGeom prst="bentConnector3">
+            <a:avLst>
+              <a:gd name="adj1" fmla="val 50000"/>
+            </a:avLst>
+          </a:prstGeom>
+          <a:ln w="28575">
+            <a:solidFill>
+              <a:srgbClr val="FFC000"/>
+            </a:solidFill>
+            <a:prstDash val="sysDot"/>
+            <a:headEnd type="none" w="med" len="med"/>
+            <a:tailEnd type="none" w="med" len="med"/>
+          </a:ln>
+        </p:spPr>
+        <p:style>
+          <a:lnRef idx="1">
+            <a:schemeClr val="accent2"/>
+          </a:lnRef>
+          <a:fillRef idx="0">
+            <a:schemeClr val="accent2"/>
+          </a:fillRef>
+          <a:effectRef idx="0">
+            <a:schemeClr val="accent2"/>
+          </a:effectRef>
+          <a:fontRef idx="minor">
+            <a:schemeClr val="tx1"/>
+          </a:fontRef>
+        </p:style>
+      </p:cxnSp>
+      <p:cxnSp>
+        <p:nvCxnSpPr>
+          <p:cNvPr id="14" name="Connector: Elbow 13">
+            <a:extLst>
+              <a:ext uri="{FF2B5EF4-FFF2-40B4-BE49-F238E27FC236}">
+                <a16:creationId xmlns:a16="http://schemas.microsoft.com/office/drawing/2014/main" id="{A769E120-E5C1-43C7-7783-3965E3441FF0}"/>
+              </a:ext>
+            </a:extLst>
+          </p:cNvPr>
+          <p:cNvCxnSpPr>
+            <a:cxnSpLocks/>
+            <a:stCxn id="1026" idx="2"/>
+            <a:endCxn id="1038" idx="0"/>
+          </p:cNvCxnSpPr>
+          <p:nvPr/>
+        </p:nvCxnSpPr>
+        <p:spPr>
+          <a:xfrm rot="16200000" flipH="1">
+            <a:off x="3636658" y="4653829"/>
+            <a:ext cx="515559" cy="990377"/>
+          </a:xfrm>
+          <a:prstGeom prst="bentConnector3">
+            <a:avLst>
+              <a:gd name="adj1" fmla="val 50000"/>
+            </a:avLst>
+          </a:prstGeom>
+          <a:ln w="28575">
+            <a:solidFill>
+              <a:srgbClr val="FFC000"/>
+            </a:solidFill>
+            <a:prstDash val="sysDot"/>
+            <a:headEnd type="none" w="med" len="med"/>
+            <a:tailEnd type="none" w="med" len="med"/>
+          </a:ln>
+        </p:spPr>
+        <p:style>
+          <a:lnRef idx="1">
+            <a:schemeClr val="accent2"/>
+          </a:lnRef>
+          <a:fillRef idx="0">
+            <a:schemeClr val="accent2"/>
+          </a:fillRef>
+          <a:effectRef idx="0">
+            <a:schemeClr val="accent2"/>
+          </a:effectRef>
+          <a:fontRef idx="minor">
+            <a:schemeClr val="tx1"/>
+          </a:fontRef>
+        </p:style>
+      </p:cxnSp>
+      <p:pic>
+        <p:nvPicPr>
+          <p:cNvPr id="8" name="Picture 2" descr="The Advantages of Wireless Access Points | FiberPlus Inc">
+            <a:extLst>
+              <a:ext uri="{FF2B5EF4-FFF2-40B4-BE49-F238E27FC236}">
+                <a16:creationId xmlns:a16="http://schemas.microsoft.com/office/drawing/2014/main" id="{2B768EA6-5DA6-BFF9-3615-00FE64B91510}"/>
+              </a:ext>
+            </a:extLst>
+          </p:cNvPr>
+          <p:cNvPicPr>
+            <a:picLocks noChangeAspect="1" noChangeArrowheads="1"/>
+          </p:cNvPicPr>
+          <p:nvPr/>
+        </p:nvPicPr>
+        <p:blipFill>
+          <a:blip r:embed="rId11" cstate="print">
+            <a:extLst>
+              <a:ext uri="{28A0092B-C50C-407E-A947-70E740481C1C}">
+                <a14:useLocalDpi xmlns:a14="http://schemas.microsoft.com/office/drawing/2010/main" val="0"/>
+              </a:ext>
+            </a:extLst>
+          </a:blip>
+          <a:srcRect/>
+          <a:stretch>
+            <a:fillRect/>
+          </a:stretch>
+        </p:blipFill>
+        <p:spPr bwMode="auto">
+          <a:xfrm>
+            <a:off x="6181451" y="4555577"/>
+            <a:ext cx="760930" cy="568161"/>
+          </a:xfrm>
+          <a:prstGeom prst="rect">
+            <a:avLst/>
+          </a:prstGeom>
+          <a:noFill/>
+          <a:ln>
+            <a:solidFill>
+              <a:srgbClr val="C00000"/>
+            </a:solidFill>
+          </a:ln>
+          <a:extLst>
+            <a:ext uri="{909E8E84-426E-40DD-AFC4-6F175D3DCCD1}">
+              <a14:hiddenFill xmlns:a14="http://schemas.microsoft.com/office/drawing/2010/main">
+                <a:solidFill>
+                  <a:srgbClr val="FFFFFF"/>
+                </a:solidFill>
+              </a14:hiddenFill>
+            </a:ext>
+          </a:extLst>
+        </p:spPr>
+      </p:pic>
+      <p:sp>
+        <p:nvSpPr>
+          <p:cNvPr id="31" name="TextBox 30">
+            <a:extLst>
+              <a:ext uri="{FF2B5EF4-FFF2-40B4-BE49-F238E27FC236}">
+                <a16:creationId xmlns:a16="http://schemas.microsoft.com/office/drawing/2014/main" id="{4671B5CB-F82F-5142-F81D-6BB95E259E15}"/>
+              </a:ext>
+            </a:extLst>
+          </p:cNvPr>
+          <p:cNvSpPr txBox="1"/>
+          <p:nvPr/>
+        </p:nvSpPr>
+        <p:spPr>
+          <a:xfrm>
+            <a:off x="6103912" y="4036266"/>
+            <a:ext cx="877283" cy="246221"/>
+          </a:xfrm>
+          <a:prstGeom prst="rect">
+            <a:avLst/>
+          </a:prstGeom>
+          <a:solidFill>
+            <a:srgbClr val="FFFF00"/>
+          </a:solidFill>
+          <a:ln>
+            <a:solidFill>
+              <a:srgbClr val="C00000"/>
+            </a:solidFill>
+          </a:ln>
+        </p:spPr>
+        <p:txBody>
+          <a:bodyPr wrap="square" rtlCol="0">
+            <a:spAutoFit/>
+          </a:bodyPr>
+          <a:lstStyle/>
+          <a:p>
+            <a:r>
+              <a:rPr lang="en-US" sz="1000" b="1" dirty="0">
+                <a:solidFill>
+                  <a:srgbClr val="C00000"/>
+                </a:solidFill>
+              </a:rPr>
+              <a:t>Access Point</a:t>
+            </a:r>
+            <a:endParaRPr lang="en-US" sz="1000" dirty="0"/>
+          </a:p>
+        </p:txBody>
+      </p:sp>
     </p:spTree>
     <p:extLst>
       <p:ext uri="{BB962C8B-B14F-4D97-AF65-F5344CB8AC3E}">
-        <p14:creationId xmlns:p14="http://schemas.microsoft.com/office/powerpoint/2010/main" val="52022580"/>
+        <p14:creationId xmlns:p14="http://schemas.microsoft.com/office/powerpoint/2010/main" val="4093499978"/>
       </p:ext>
     </p:extLst>
   </p:cSld>
@@ -5512,143 +5659,6 @@
 </file>
 
 <file path=ppt/slides/slide12.xml><?xml version="1.0" encoding="utf-8"?>
-<p:sld xmlns:a="http://schemas.openxmlformats.org/drawingml/2006/main" xmlns:r="http://schemas.openxmlformats.org/officeDocument/2006/relationships" xmlns:p="http://schemas.openxmlformats.org/presentationml/2006/main">
-  <p:cSld>
-    <p:spTree>
-      <p:nvGrpSpPr>
-        <p:cNvPr id="1" name=""/>
-        <p:cNvGrpSpPr/>
-        <p:nvPr/>
-      </p:nvGrpSpPr>
-      <p:grpSpPr>
-        <a:xfrm>
-          <a:off x="0" y="0"/>
-          <a:ext cx="0" cy="0"/>
-          <a:chOff x="0" y="0"/>
-          <a:chExt cx="0" cy="0"/>
-        </a:xfrm>
-      </p:grpSpPr>
-      <p:sp>
-        <p:nvSpPr>
-          <p:cNvPr id="2" name="標題 1"/>
-          <p:cNvSpPr>
-            <a:spLocks noGrp="1"/>
-          </p:cNvSpPr>
-          <p:nvPr>
-            <p:ph type="ctrTitle"/>
-          </p:nvPr>
-        </p:nvSpPr>
-        <p:spPr>
-          <a:xfrm>
-            <a:off x="0" y="2130425"/>
-            <a:ext cx="9144000" cy="1470025"/>
-          </a:xfrm>
-          <a:gradFill flip="none" rotWithShape="1">
-            <a:gsLst>
-              <a:gs pos="0">
-                <a:srgbClr val="00B0F0">
-                  <a:shade val="30000"/>
-                  <a:satMod val="115000"/>
-                </a:srgbClr>
-              </a:gs>
-              <a:gs pos="50000">
-                <a:srgbClr val="00B0F0">
-                  <a:shade val="67500"/>
-                  <a:satMod val="115000"/>
-                </a:srgbClr>
-              </a:gs>
-              <a:gs pos="100000">
-                <a:srgbClr val="00B0F0">
-                  <a:shade val="100000"/>
-                  <a:satMod val="115000"/>
-                </a:srgbClr>
-              </a:gs>
-            </a:gsLst>
-            <a:path path="circle">
-              <a:fillToRect t="100000" r="100000"/>
-            </a:path>
-            <a:tileRect l="-100000" b="-100000"/>
-          </a:gradFill>
-        </p:spPr>
-        <p:txBody>
-          <a:bodyPr>
-            <a:normAutofit/>
-          </a:bodyPr>
-          <a:lstStyle/>
-          <a:p>
-            <a:r>
-              <a:rPr lang="en-US" altLang="zh-TW" sz="6000" b="1" dirty="0">
-                <a:solidFill>
-                  <a:srgbClr val="FFFF00"/>
-                </a:solidFill>
-              </a:rPr>
-              <a:t>End</a:t>
-            </a:r>
-            <a:endParaRPr lang="zh-TW" altLang="en-US" sz="6000" b="1" dirty="0">
-              <a:solidFill>
-                <a:srgbClr val="FFFF00"/>
-              </a:solidFill>
-            </a:endParaRPr>
-          </a:p>
-        </p:txBody>
-      </p:sp>
-      <p:sp>
-        <p:nvSpPr>
-          <p:cNvPr id="5" name="日期版面配置區 4"/>
-          <p:cNvSpPr>
-            <a:spLocks noGrp="1"/>
-          </p:cNvSpPr>
-          <p:nvPr>
-            <p:ph type="dt" sz="half" idx="10"/>
-          </p:nvPr>
-        </p:nvSpPr>
-        <p:spPr/>
-        <p:txBody>
-          <a:bodyPr/>
-          <a:lstStyle/>
-          <a:p>
-            <a:fld id="{4E46BE27-E923-4EC2-B046-3272AE2A3E5C}" type="datetime1">
-              <a:rPr lang="zh-TW" altLang="en-US" smtClean="0"/>
-              <a:pPr/>
-              <a:t>2022/11/17</a:t>
-            </a:fld>
-            <a:endParaRPr lang="zh-TW" altLang="en-US"/>
-          </a:p>
-        </p:txBody>
-      </p:sp>
-      <p:sp>
-        <p:nvSpPr>
-          <p:cNvPr id="6" name="投影片編號版面配置區 5"/>
-          <p:cNvSpPr>
-            <a:spLocks noGrp="1"/>
-          </p:cNvSpPr>
-          <p:nvPr>
-            <p:ph type="sldNum" sz="quarter" idx="12"/>
-          </p:nvPr>
-        </p:nvSpPr>
-        <p:spPr/>
-        <p:txBody>
-          <a:bodyPr/>
-          <a:lstStyle/>
-          <a:p>
-            <a:fld id="{E4D7E63D-91F2-4366-A2C4-1B00C9E2590E}" type="slidenum">
-              <a:rPr lang="zh-TW" altLang="en-US" smtClean="0"/>
-              <a:pPr/>
-              <a:t>12</a:t>
-            </a:fld>
-            <a:endParaRPr lang="zh-TW" altLang="en-US"/>
-          </a:p>
-        </p:txBody>
-      </p:sp>
-    </p:spTree>
-  </p:cSld>
-  <p:clrMapOvr>
-    <a:masterClrMapping/>
-  </p:clrMapOvr>
-</p:sld>
-</file>
-
-<file path=ppt/slides/slide2.xml><?xml version="1.0" encoding="utf-8"?>
 <p:sld xmlns:a="http://schemas.openxmlformats.org/drawingml/2006/main" xmlns:r="http://schemas.openxmlformats.org/officeDocument/2006/relationships" xmlns:p="http://schemas.openxmlformats.org/presentationml/2006/main">
   <p:cSld>
     <p:spTree>
@@ -5720,7 +5730,7 @@
                   <a:srgbClr val="FFFF00"/>
                 </a:solidFill>
               </a:rPr>
-              <a:t>0 Install Kubernetes: Introduction</a:t>
+              <a:t>0.1 Cluster</a:t>
             </a:r>
             <a:endParaRPr lang="zh-TW" altLang="en-US" b="1" dirty="0">
               <a:solidFill>
@@ -5742,8 +5752,8 @@
         </p:nvSpPr>
         <p:spPr>
           <a:xfrm>
-            <a:off x="491331" y="1224078"/>
-            <a:ext cx="5808861" cy="2204921"/>
+            <a:off x="299418" y="1353622"/>
+            <a:ext cx="4529805" cy="5002727"/>
           </a:xfrm>
           <a:ln>
             <a:solidFill>
@@ -5768,12 +5778,26 @@
             <a:r>
               <a:rPr lang="en-US" sz="1800" b="1" i="0" dirty="0">
                 <a:solidFill>
-                  <a:schemeClr val="tx1"/>
+                  <a:srgbClr val="C00000"/>
                 </a:solidFill>
                 <a:effectLst/>
               </a:rPr>
-              <a:t>Install Kubernetes: Introduction</a:t>
-            </a:r>
+              <a:t>Check </a:t>
+            </a:r>
+            <a:r>
+              <a:rPr lang="en-US" sz="1800" b="1" dirty="0">
+                <a:solidFill>
+                  <a:srgbClr val="C00000"/>
+                </a:solidFill>
+              </a:rPr>
+              <a:t>kmaster IP-Address: ifconfig</a:t>
+            </a:r>
+            <a:endParaRPr lang="en-US" sz="1800" b="1" i="0" dirty="0">
+              <a:solidFill>
+                <a:srgbClr val="C00000"/>
+              </a:solidFill>
+              <a:effectLst/>
+            </a:endParaRPr>
           </a:p>
           <a:p>
             <a:pPr marL="342900" indent="-342900" algn="l">
@@ -5785,28 +5809,13 @@
               <a:buChar char="u"/>
             </a:pPr>
             <a:r>
-              <a:rPr lang="en-US" sz="1800" b="0" i="0" dirty="0">
+              <a:rPr lang="en-US" sz="1800" dirty="0">
                 <a:solidFill>
                   <a:srgbClr val="000000"/>
                 </a:solidFill>
-                <a:effectLst/>
-              </a:rPr>
-              <a:t>The </a:t>
-            </a:r>
-            <a:r>
-              <a:rPr lang="en-US" sz="1800" dirty="0">
-                <a:solidFill>
-                  <a:srgbClr val="000000"/>
-                </a:solidFill>
-              </a:rPr>
-              <a:t>installation includes the followings:</a:t>
-            </a:r>
-            <a:endParaRPr lang="en-US" sz="1800" b="0" i="0" dirty="0">
-              <a:solidFill>
-                <a:srgbClr val="000000"/>
-              </a:solidFill>
-              <a:effectLst/>
-            </a:endParaRPr>
+              </a:rPr>
+              <a:t>ifconfig: Interface configuration for Linux. The ifconfig is used to find IP Address of My computer (kmaster).</a:t>
+            </a:r>
           </a:p>
           <a:p>
             <a:pPr marL="342900" indent="-342900" algn="l">
@@ -5823,22 +5832,8 @@
                   <a:srgbClr val="000000"/>
                 </a:solidFill>
               </a:rPr>
-              <a:t>1. At Both Master and Slave Nodes: </a:t>
-            </a:r>
-            <a:r>
-              <a:rPr lang="en-US" sz="1800" b="0" i="0" dirty="0">
-                <a:solidFill>
-                  <a:srgbClr val="000000"/>
-                </a:solidFill>
-                <a:effectLst/>
-              </a:rPr>
-              <a:t>five steps (1.1-1.5) to install Kubernetes</a:t>
-            </a:r>
-            <a:endParaRPr lang="en-US" sz="1800" dirty="0">
-              <a:solidFill>
-                <a:srgbClr val="000000"/>
-              </a:solidFill>
-            </a:endParaRPr>
+              <a:t>1. br-5828e5c01a: Bridge Networking Interface Bridge is used in Layer 2 (data frame). ethernet address is 02:42:9d:e6:7f:d0. IP address is 192.168.49.1 is assigned.</a:t>
+            </a:r>
           </a:p>
           <a:p>
             <a:pPr marL="342900" indent="-342900" algn="l">
@@ -5850,21 +5845,12 @@
               <a:buChar char="u"/>
             </a:pPr>
             <a:r>
-              <a:rPr lang="en-US" sz="1800" b="0" i="0" dirty="0">
+              <a:rPr lang="en-US" sz="1800" dirty="0">
                 <a:solidFill>
                   <a:srgbClr val="000000"/>
                 </a:solidFill>
-                <a:effectLst/>
-              </a:rPr>
-              <a:t>2. Master Node: </a:t>
-            </a:r>
-            <a:r>
-              <a:rPr lang="en-US" sz="1800" dirty="0">
-                <a:solidFill>
-                  <a:srgbClr val="000000"/>
-                </a:solidFill>
-              </a:rPr>
-              <a:t>three commands (2.1-2.3) to bring up the cluster.</a:t>
+              </a:rPr>
+              <a:t>2. enp4s0: Wired Ethernet Network PCI device. MAC address is 3c:52:82:36:e3:4d. No IP Address is assigned (since no Ethernet cable is connected).</a:t>
             </a:r>
           </a:p>
           <a:p>
@@ -5882,14 +5868,24 @@
                   <a:srgbClr val="000000"/>
                 </a:solidFill>
               </a:rPr>
-              <a:t>3. Slave Node:  one command (3.1) to join the cluster.</a:t>
-            </a:r>
-            <a:endParaRPr lang="en-US" sz="1800" b="0" i="0" dirty="0">
-              <a:solidFill>
-                <a:srgbClr val="000000"/>
-              </a:solidFill>
-              <a:effectLst/>
-            </a:endParaRPr>
+              <a:t>wlps20: Wireless network PCI device for layer 3 (Network Layer). Ethernet address is 3c:95:09:7f:5f:05. </a:t>
+            </a:r>
+            <a:r>
+              <a:rPr lang="en-US" sz="1800" b="1" dirty="0">
+                <a:solidFill>
+                  <a:srgbClr val="C00000"/>
+                </a:solidFill>
+              </a:rPr>
+              <a:t>kmaster IP Address IP address is : 192.168.1.3</a:t>
+            </a:r>
+            <a:r>
+              <a:rPr lang="en-US" sz="1800" dirty="0">
+                <a:solidFill>
+                  <a:srgbClr val="000000"/>
+                </a:solidFill>
+              </a:rPr>
+              <a:t>.</a:t>
+            </a:r>
           </a:p>
         </p:txBody>
       </p:sp>
@@ -5986,7 +5982,4217 @@
             <a:fld id="{A4F910E6-8D00-4BAF-8C48-9688E0B449D3}" type="datetime1">
               <a:rPr lang="zh-TW" altLang="en-US" smtClean="0"/>
               <a:pPr/>
-              <a:t>2022/11/17</a:t>
+              <a:t>2022/11/19</a:t>
+            </a:fld>
+            <a:endParaRPr lang="zh-TW" altLang="en-US"/>
+          </a:p>
+        </p:txBody>
+      </p:sp>
+      <p:sp>
+        <p:nvSpPr>
+          <p:cNvPr id="6" name="投影片編號版面配置區 5"/>
+          <p:cNvSpPr>
+            <a:spLocks noGrp="1"/>
+          </p:cNvSpPr>
+          <p:nvPr>
+            <p:ph type="sldNum" sz="quarter" idx="12"/>
+          </p:nvPr>
+        </p:nvSpPr>
+        <p:spPr/>
+        <p:txBody>
+          <a:bodyPr/>
+          <a:lstStyle/>
+          <a:p>
+            <a:fld id="{E4D7E63D-91F2-4366-A2C4-1B00C9E2590E}" type="slidenum">
+              <a:rPr lang="zh-TW" altLang="en-US" smtClean="0"/>
+              <a:pPr/>
+              <a:t>12</a:t>
+            </a:fld>
+            <a:endParaRPr lang="zh-TW" altLang="en-US"/>
+          </a:p>
+        </p:txBody>
+      </p:sp>
+      <p:pic>
+        <p:nvPicPr>
+          <p:cNvPr id="10" name="Picture 9">
+            <a:extLst>
+              <a:ext uri="{FF2B5EF4-FFF2-40B4-BE49-F238E27FC236}">
+                <a16:creationId xmlns:a16="http://schemas.microsoft.com/office/drawing/2014/main" id="{5DB4B475-D643-2C33-7240-3F43B3A8767D}"/>
+              </a:ext>
+            </a:extLst>
+          </p:cNvPr>
+          <p:cNvPicPr>
+            <a:picLocks noChangeAspect="1"/>
+          </p:cNvPicPr>
+          <p:nvPr/>
+        </p:nvPicPr>
+        <p:blipFill>
+          <a:blip r:embed="rId2"/>
+          <a:stretch>
+            <a:fillRect/>
+          </a:stretch>
+        </p:blipFill>
+        <p:spPr>
+          <a:xfrm>
+            <a:off x="4935015" y="957888"/>
+            <a:ext cx="4115296" cy="5398462"/>
+          </a:xfrm>
+          <a:prstGeom prst="rect">
+            <a:avLst/>
+          </a:prstGeom>
+          <a:ln>
+            <a:solidFill>
+              <a:srgbClr val="C00000"/>
+            </a:solidFill>
+          </a:ln>
+        </p:spPr>
+      </p:pic>
+      <p:sp>
+        <p:nvSpPr>
+          <p:cNvPr id="26" name="Rectangle 25">
+            <a:extLst>
+              <a:ext uri="{FF2B5EF4-FFF2-40B4-BE49-F238E27FC236}">
+                <a16:creationId xmlns:a16="http://schemas.microsoft.com/office/drawing/2014/main" id="{8F4427C4-85E9-49FB-6BF4-642695EBD16E}"/>
+              </a:ext>
+            </a:extLst>
+          </p:cNvPr>
+          <p:cNvSpPr/>
+          <p:nvPr/>
+        </p:nvSpPr>
+        <p:spPr>
+          <a:xfrm>
+            <a:off x="4935014" y="956556"/>
+            <a:ext cx="2013250" cy="397067"/>
+          </a:xfrm>
+          <a:prstGeom prst="rect">
+            <a:avLst/>
+          </a:prstGeom>
+          <a:noFill/>
+          <a:ln>
+            <a:solidFill>
+              <a:srgbClr val="C00000"/>
+            </a:solidFill>
+          </a:ln>
+        </p:spPr>
+        <p:style>
+          <a:lnRef idx="2">
+            <a:schemeClr val="accent1">
+              <a:shade val="50000"/>
+            </a:schemeClr>
+          </a:lnRef>
+          <a:fillRef idx="1">
+            <a:schemeClr val="accent1"/>
+          </a:fillRef>
+          <a:effectRef idx="0">
+            <a:schemeClr val="accent1"/>
+          </a:effectRef>
+          <a:fontRef idx="minor">
+            <a:schemeClr val="lt1"/>
+          </a:fontRef>
+        </p:style>
+        <p:txBody>
+          <a:bodyPr rtlCol="0" anchor="ctr"/>
+          <a:lstStyle/>
+          <a:p>
+            <a:pPr algn="ctr"/>
+            <a:endParaRPr lang="en-US"/>
+          </a:p>
+        </p:txBody>
+      </p:sp>
+      <p:sp>
+        <p:nvSpPr>
+          <p:cNvPr id="33" name="Rectangle 32">
+            <a:extLst>
+              <a:ext uri="{FF2B5EF4-FFF2-40B4-BE49-F238E27FC236}">
+                <a16:creationId xmlns:a16="http://schemas.microsoft.com/office/drawing/2014/main" id="{508B24CB-A20B-3DE2-9F4A-2E2E164DC8C6}"/>
+              </a:ext>
+            </a:extLst>
+          </p:cNvPr>
+          <p:cNvSpPr/>
+          <p:nvPr/>
+        </p:nvSpPr>
+        <p:spPr>
+          <a:xfrm>
+            <a:off x="4935014" y="3622311"/>
+            <a:ext cx="1725217" cy="360040"/>
+          </a:xfrm>
+          <a:prstGeom prst="rect">
+            <a:avLst/>
+          </a:prstGeom>
+          <a:noFill/>
+          <a:ln>
+            <a:solidFill>
+              <a:srgbClr val="C00000"/>
+            </a:solidFill>
+          </a:ln>
+        </p:spPr>
+        <p:style>
+          <a:lnRef idx="2">
+            <a:schemeClr val="accent1">
+              <a:shade val="50000"/>
+            </a:schemeClr>
+          </a:lnRef>
+          <a:fillRef idx="1">
+            <a:schemeClr val="accent1"/>
+          </a:fillRef>
+          <a:effectRef idx="0">
+            <a:schemeClr val="accent1"/>
+          </a:effectRef>
+          <a:fontRef idx="minor">
+            <a:schemeClr val="lt1"/>
+          </a:fontRef>
+        </p:style>
+        <p:txBody>
+          <a:bodyPr rtlCol="0" anchor="ctr"/>
+          <a:lstStyle/>
+          <a:p>
+            <a:pPr algn="ctr"/>
+            <a:endParaRPr lang="en-US"/>
+          </a:p>
+        </p:txBody>
+      </p:sp>
+      <p:sp>
+        <p:nvSpPr>
+          <p:cNvPr id="27" name="Rectangle 26">
+            <a:extLst>
+              <a:ext uri="{FF2B5EF4-FFF2-40B4-BE49-F238E27FC236}">
+                <a16:creationId xmlns:a16="http://schemas.microsoft.com/office/drawing/2014/main" id="{1AE0F7B5-2891-1B9D-F25F-C40CF79E2F7D}"/>
+              </a:ext>
+            </a:extLst>
+          </p:cNvPr>
+          <p:cNvSpPr/>
+          <p:nvPr/>
+        </p:nvSpPr>
+        <p:spPr>
+          <a:xfrm>
+            <a:off x="4922912" y="5352612"/>
+            <a:ext cx="1809328" cy="547500"/>
+          </a:xfrm>
+          <a:prstGeom prst="rect">
+            <a:avLst/>
+          </a:prstGeom>
+          <a:noFill/>
+          <a:ln>
+            <a:solidFill>
+              <a:srgbClr val="C00000"/>
+            </a:solidFill>
+          </a:ln>
+        </p:spPr>
+        <p:style>
+          <a:lnRef idx="2">
+            <a:schemeClr val="accent1">
+              <a:shade val="50000"/>
+            </a:schemeClr>
+          </a:lnRef>
+          <a:fillRef idx="1">
+            <a:schemeClr val="accent1"/>
+          </a:fillRef>
+          <a:effectRef idx="0">
+            <a:schemeClr val="accent1"/>
+          </a:effectRef>
+          <a:fontRef idx="minor">
+            <a:schemeClr val="lt1"/>
+          </a:fontRef>
+        </p:style>
+        <p:txBody>
+          <a:bodyPr rtlCol="0" anchor="ctr"/>
+          <a:lstStyle/>
+          <a:p>
+            <a:pPr algn="ctr"/>
+            <a:endParaRPr lang="en-US"/>
+          </a:p>
+        </p:txBody>
+      </p:sp>
+      <p:sp>
+        <p:nvSpPr>
+          <p:cNvPr id="69" name="Oval 68">
+            <a:extLst>
+              <a:ext uri="{FF2B5EF4-FFF2-40B4-BE49-F238E27FC236}">
+                <a16:creationId xmlns:a16="http://schemas.microsoft.com/office/drawing/2014/main" id="{70CEF9C1-D74B-BE1C-413E-BA15762F90AD}"/>
+              </a:ext>
+            </a:extLst>
+          </p:cNvPr>
+          <p:cNvSpPr/>
+          <p:nvPr/>
+        </p:nvSpPr>
+        <p:spPr>
+          <a:xfrm>
+            <a:off x="4943623" y="734196"/>
+            <a:ext cx="269326" cy="251537"/>
+          </a:xfrm>
+          <a:prstGeom prst="ellipse">
+            <a:avLst/>
+          </a:prstGeom>
+          <a:solidFill>
+            <a:srgbClr val="FFFF00"/>
+          </a:solidFill>
+          <a:ln>
+            <a:solidFill>
+              <a:srgbClr val="C00000"/>
+            </a:solidFill>
+          </a:ln>
+        </p:spPr>
+        <p:style>
+          <a:lnRef idx="2">
+            <a:schemeClr val="accent1">
+              <a:shade val="50000"/>
+            </a:schemeClr>
+          </a:lnRef>
+          <a:fillRef idx="1">
+            <a:schemeClr val="accent1"/>
+          </a:fillRef>
+          <a:effectRef idx="0">
+            <a:schemeClr val="accent1"/>
+          </a:effectRef>
+          <a:fontRef idx="minor">
+            <a:schemeClr val="lt1"/>
+          </a:fontRef>
+        </p:style>
+        <p:txBody>
+          <a:bodyPr rtlCol="0" anchor="ctr"/>
+          <a:lstStyle/>
+          <a:p>
+            <a:pPr algn="ctr"/>
+            <a:r>
+              <a:rPr lang="en-US" dirty="0">
+                <a:solidFill>
+                  <a:schemeClr val="tx1"/>
+                </a:solidFill>
+              </a:rPr>
+              <a:t>1</a:t>
+            </a:r>
+          </a:p>
+        </p:txBody>
+      </p:sp>
+      <p:sp>
+        <p:nvSpPr>
+          <p:cNvPr id="70" name="Oval 69">
+            <a:extLst>
+              <a:ext uri="{FF2B5EF4-FFF2-40B4-BE49-F238E27FC236}">
+                <a16:creationId xmlns:a16="http://schemas.microsoft.com/office/drawing/2014/main" id="{165573FD-454C-5137-D306-C7DE413AFB82}"/>
+              </a:ext>
+            </a:extLst>
+          </p:cNvPr>
+          <p:cNvSpPr/>
+          <p:nvPr/>
+        </p:nvSpPr>
+        <p:spPr>
+          <a:xfrm>
+            <a:off x="4964156" y="3381444"/>
+            <a:ext cx="269326" cy="251537"/>
+          </a:xfrm>
+          <a:prstGeom prst="ellipse">
+            <a:avLst/>
+          </a:prstGeom>
+          <a:solidFill>
+            <a:srgbClr val="FFFF00"/>
+          </a:solidFill>
+          <a:ln>
+            <a:solidFill>
+              <a:srgbClr val="C00000"/>
+            </a:solidFill>
+          </a:ln>
+        </p:spPr>
+        <p:style>
+          <a:lnRef idx="2">
+            <a:schemeClr val="accent1">
+              <a:shade val="50000"/>
+            </a:schemeClr>
+          </a:lnRef>
+          <a:fillRef idx="1">
+            <a:schemeClr val="accent1"/>
+          </a:fillRef>
+          <a:effectRef idx="0">
+            <a:schemeClr val="accent1"/>
+          </a:effectRef>
+          <a:fontRef idx="minor">
+            <a:schemeClr val="lt1"/>
+          </a:fontRef>
+        </p:style>
+        <p:txBody>
+          <a:bodyPr rtlCol="0" anchor="ctr"/>
+          <a:lstStyle/>
+          <a:p>
+            <a:pPr algn="ctr"/>
+            <a:r>
+              <a:rPr lang="en-US" dirty="0">
+                <a:solidFill>
+                  <a:schemeClr val="tx1"/>
+                </a:solidFill>
+              </a:rPr>
+              <a:t>2</a:t>
+            </a:r>
+          </a:p>
+        </p:txBody>
+      </p:sp>
+      <p:sp>
+        <p:nvSpPr>
+          <p:cNvPr id="71" name="Oval 70">
+            <a:extLst>
+              <a:ext uri="{FF2B5EF4-FFF2-40B4-BE49-F238E27FC236}">
+                <a16:creationId xmlns:a16="http://schemas.microsoft.com/office/drawing/2014/main" id="{DE1732A7-1A04-41B9-AF1D-58F23BD7F16B}"/>
+              </a:ext>
+            </a:extLst>
+          </p:cNvPr>
+          <p:cNvSpPr/>
+          <p:nvPr/>
+        </p:nvSpPr>
+        <p:spPr>
+          <a:xfrm>
+            <a:off x="4935014" y="5100409"/>
+            <a:ext cx="269326" cy="251537"/>
+          </a:xfrm>
+          <a:prstGeom prst="ellipse">
+            <a:avLst/>
+          </a:prstGeom>
+          <a:solidFill>
+            <a:srgbClr val="FFFF00"/>
+          </a:solidFill>
+          <a:ln>
+            <a:solidFill>
+              <a:srgbClr val="C00000"/>
+            </a:solidFill>
+          </a:ln>
+        </p:spPr>
+        <p:style>
+          <a:lnRef idx="2">
+            <a:schemeClr val="accent1">
+              <a:shade val="50000"/>
+            </a:schemeClr>
+          </a:lnRef>
+          <a:fillRef idx="1">
+            <a:schemeClr val="accent1"/>
+          </a:fillRef>
+          <a:effectRef idx="0">
+            <a:schemeClr val="accent1"/>
+          </a:effectRef>
+          <a:fontRef idx="minor">
+            <a:schemeClr val="lt1"/>
+          </a:fontRef>
+        </p:style>
+        <p:txBody>
+          <a:bodyPr rtlCol="0" anchor="ctr"/>
+          <a:lstStyle/>
+          <a:p>
+            <a:pPr algn="ctr"/>
+            <a:r>
+              <a:rPr lang="en-US" dirty="0">
+                <a:solidFill>
+                  <a:schemeClr val="tx1"/>
+                </a:solidFill>
+              </a:rPr>
+              <a:t>3</a:t>
+            </a:r>
+          </a:p>
+        </p:txBody>
+      </p:sp>
+    </p:spTree>
+    <p:extLst>
+      <p:ext uri="{BB962C8B-B14F-4D97-AF65-F5344CB8AC3E}">
+        <p14:creationId xmlns:p14="http://schemas.microsoft.com/office/powerpoint/2010/main" val="4257044849"/>
+      </p:ext>
+    </p:extLst>
+  </p:cSld>
+  <p:clrMapOvr>
+    <a:masterClrMapping/>
+  </p:clrMapOvr>
+</p:sld>
+</file>
+
+<file path=ppt/slides/slide13.xml><?xml version="1.0" encoding="utf-8"?>
+<p:sld xmlns:a="http://schemas.openxmlformats.org/drawingml/2006/main" xmlns:r="http://schemas.openxmlformats.org/officeDocument/2006/relationships" xmlns:p="http://schemas.openxmlformats.org/presentationml/2006/main">
+  <p:cSld>
+    <p:spTree>
+      <p:nvGrpSpPr>
+        <p:cNvPr id="1" name=""/>
+        <p:cNvGrpSpPr/>
+        <p:nvPr/>
+      </p:nvGrpSpPr>
+      <p:grpSpPr>
+        <a:xfrm>
+          <a:off x="0" y="0"/>
+          <a:ext cx="0" cy="0"/>
+          <a:chOff x="0" y="0"/>
+          <a:chExt cx="0" cy="0"/>
+        </a:xfrm>
+      </p:grpSpPr>
+      <p:sp>
+        <p:nvSpPr>
+          <p:cNvPr id="2" name="標題 1"/>
+          <p:cNvSpPr>
+            <a:spLocks noGrp="1"/>
+          </p:cNvSpPr>
+          <p:nvPr>
+            <p:ph type="ctrTitle"/>
+          </p:nvPr>
+        </p:nvSpPr>
+        <p:spPr>
+          <a:xfrm>
+            <a:off x="0" y="1"/>
+            <a:ext cx="9144000" cy="764704"/>
+          </a:xfrm>
+          <a:gradFill flip="none" rotWithShape="1">
+            <a:gsLst>
+              <a:gs pos="0">
+                <a:srgbClr val="C00000">
+                  <a:shade val="30000"/>
+                  <a:satMod val="115000"/>
+                </a:srgbClr>
+              </a:gs>
+              <a:gs pos="50000">
+                <a:srgbClr val="C00000">
+                  <a:shade val="67500"/>
+                  <a:satMod val="115000"/>
+                </a:srgbClr>
+              </a:gs>
+              <a:gs pos="100000">
+                <a:srgbClr val="C00000">
+                  <a:shade val="100000"/>
+                  <a:satMod val="115000"/>
+                </a:srgbClr>
+              </a:gs>
+            </a:gsLst>
+            <a:path path="circle">
+              <a:fillToRect t="100000" r="100000"/>
+            </a:path>
+            <a:tileRect l="-100000" b="-100000"/>
+          </a:gradFill>
+        </p:spPr>
+        <p:txBody>
+          <a:bodyPr>
+            <a:normAutofit/>
+          </a:bodyPr>
+          <a:lstStyle/>
+          <a:p>
+            <a:pPr algn="l"/>
+            <a:r>
+              <a:rPr lang="en-US" altLang="zh-TW" sz="4400" b="1" dirty="0">
+                <a:solidFill>
+                  <a:srgbClr val="FFFF00"/>
+                </a:solidFill>
+              </a:rPr>
+              <a:t>0.1 Cluster</a:t>
+            </a:r>
+            <a:endParaRPr lang="zh-TW" altLang="en-US" b="1" dirty="0">
+              <a:solidFill>
+                <a:srgbClr val="FFFF00"/>
+              </a:solidFill>
+            </a:endParaRPr>
+          </a:p>
+        </p:txBody>
+      </p:sp>
+      <p:sp>
+        <p:nvSpPr>
+          <p:cNvPr id="3" name="副標題 2"/>
+          <p:cNvSpPr>
+            <a:spLocks noGrp="1"/>
+          </p:cNvSpPr>
+          <p:nvPr>
+            <p:ph type="subTitle" idx="1"/>
+          </p:nvPr>
+        </p:nvSpPr>
+        <p:spPr>
+          <a:xfrm>
+            <a:off x="299418" y="1353624"/>
+            <a:ext cx="8387381" cy="3083488"/>
+          </a:xfrm>
+          <a:ln>
+            <a:solidFill>
+              <a:srgbClr val="C00000"/>
+            </a:solidFill>
+          </a:ln>
+        </p:spPr>
+        <p:txBody>
+          <a:bodyPr>
+            <a:noAutofit/>
+          </a:bodyPr>
+          <a:lstStyle/>
+          <a:p>
+            <a:pPr marL="342900" indent="-342900" algn="l">
+              <a:buClr>
+                <a:srgbClr val="0070C0"/>
+              </a:buClr>
+              <a:buSzPct val="80000"/>
+              <a:buFont typeface="Wingdings" pitchFamily="2" charset="2"/>
+              <a:buChar char="u"/>
+            </a:pPr>
+            <a:r>
+              <a:rPr lang="en-US" sz="1800" b="1" dirty="0">
+                <a:solidFill>
+                  <a:srgbClr val="C00000"/>
+                </a:solidFill>
+              </a:rPr>
+              <a:t>Check Who is Connected to My Computer (Kmaster): a</a:t>
+            </a:r>
+            <a:r>
+              <a:rPr lang="en-US" sz="1800" b="1" i="0" dirty="0">
+                <a:solidFill>
+                  <a:srgbClr val="C00000"/>
+                </a:solidFill>
+                <a:effectLst/>
+              </a:rPr>
+              <a:t>rp -a </a:t>
+            </a:r>
+          </a:p>
+          <a:p>
+            <a:pPr marL="342900" indent="-342900" algn="l">
+              <a:buClr>
+                <a:srgbClr val="0070C0"/>
+              </a:buClr>
+              <a:buSzPct val="80000"/>
+              <a:buFont typeface="Wingdings" pitchFamily="2" charset="2"/>
+              <a:buChar char="u"/>
+            </a:pPr>
+            <a:r>
+              <a:rPr lang="en-US" sz="1800" dirty="0">
+                <a:solidFill>
+                  <a:srgbClr val="000000"/>
+                </a:solidFill>
+              </a:rPr>
+              <a:t>arp (Address Resolution Protocol): arp is a layer 2 protocol map MAC address to IP Address. The arp is to find IP Address of other computers). </a:t>
+            </a:r>
+          </a:p>
+          <a:p>
+            <a:pPr marL="342900" indent="-342900" algn="l">
+              <a:buClr>
+                <a:srgbClr val="0070C0"/>
+              </a:buClr>
+              <a:buSzPct val="80000"/>
+              <a:buFont typeface="Wingdings" pitchFamily="2" charset="2"/>
+              <a:buChar char="u"/>
+            </a:pPr>
+            <a:r>
+              <a:rPr lang="en-US" sz="1800" dirty="0">
+                <a:solidFill>
+                  <a:srgbClr val="000000"/>
+                </a:solidFill>
+              </a:rPr>
+              <a:t>We have:</a:t>
+            </a:r>
+          </a:p>
+          <a:p>
+            <a:pPr marL="342900" indent="-342900" algn="l">
+              <a:buClr>
+                <a:srgbClr val="0070C0"/>
+              </a:buClr>
+              <a:buSzPct val="80000"/>
+              <a:buFont typeface="Wingdings" pitchFamily="2" charset="2"/>
+              <a:buChar char="u"/>
+            </a:pPr>
+            <a:r>
+              <a:rPr lang="en-US" sz="1800" b="1" dirty="0">
+                <a:solidFill>
+                  <a:srgbClr val="C00000"/>
+                </a:solidFill>
+              </a:rPr>
+              <a:t>3. 192.168.1.2: Knode 1 Machine</a:t>
+            </a:r>
+          </a:p>
+          <a:p>
+            <a:pPr marL="342900" indent="-342900" algn="l">
+              <a:buClr>
+                <a:srgbClr val="0070C0"/>
+              </a:buClr>
+              <a:buSzPct val="80000"/>
+              <a:buFont typeface="Wingdings" pitchFamily="2" charset="2"/>
+              <a:buChar char="u"/>
+            </a:pPr>
+            <a:r>
+              <a:rPr lang="en-US" sz="1800" b="1" i="0" dirty="0">
+                <a:solidFill>
+                  <a:srgbClr val="C00000"/>
+                </a:solidFill>
+                <a:effectLst/>
+              </a:rPr>
+              <a:t>Knode 2 IP Address: 192.168.0.17.</a:t>
+            </a:r>
+            <a:endParaRPr lang="en-US" sz="1800" b="1" dirty="0">
+              <a:solidFill>
+                <a:srgbClr val="C00000"/>
+              </a:solidFill>
+            </a:endParaRPr>
+          </a:p>
+          <a:p>
+            <a:pPr marL="342900" indent="-342900" algn="l">
+              <a:buClr>
+                <a:srgbClr val="0070C0"/>
+              </a:buClr>
+              <a:buSzPct val="80000"/>
+              <a:buFont typeface="Wingdings" pitchFamily="2" charset="2"/>
+              <a:buChar char="u"/>
+            </a:pPr>
+            <a:r>
+              <a:rPr lang="en-US" sz="1800" dirty="0">
+                <a:solidFill>
+                  <a:srgbClr val="000000"/>
+                </a:solidFill>
+              </a:rPr>
+              <a:t>11. calib31feb6b616: Wired Ethernet address a2:62:8b:96:67:66. IP address is 10.1.189.0.</a:t>
+            </a:r>
+          </a:p>
+          <a:p>
+            <a:pPr marL="342900" indent="-342900" algn="l">
+              <a:buClr>
+                <a:srgbClr val="0070C0"/>
+              </a:buClr>
+              <a:buSzPct val="80000"/>
+              <a:buFont typeface="Wingdings" pitchFamily="2" charset="2"/>
+              <a:buChar char="u"/>
+            </a:pPr>
+            <a:r>
+              <a:rPr lang="en-US" sz="1800" dirty="0">
+                <a:solidFill>
+                  <a:srgbClr val="000000"/>
+                </a:solidFill>
+              </a:rPr>
+              <a:t>14.Gateway: Ethernet address is a0:04:60:3d:a1:d2. Wireless IP address is </a:t>
+            </a:r>
+            <a:r>
+              <a:rPr lang="en-US" sz="1800" dirty="0">
+                <a:solidFill>
+                  <a:srgbClr val="C00000"/>
+                </a:solidFill>
+              </a:rPr>
+              <a:t>192.168.1.1</a:t>
+            </a:r>
+            <a:r>
+              <a:rPr lang="en-US" sz="1800" dirty="0">
+                <a:solidFill>
+                  <a:srgbClr val="000000"/>
+                </a:solidFill>
+              </a:rPr>
+              <a:t>.</a:t>
+            </a:r>
+          </a:p>
+        </p:txBody>
+      </p:sp>
+      <p:sp>
+        <p:nvSpPr>
+          <p:cNvPr id="4" name="標題 1"/>
+          <p:cNvSpPr txBox="1">
+            <a:spLocks/>
+          </p:cNvSpPr>
+          <p:nvPr/>
+        </p:nvSpPr>
+        <p:spPr>
+          <a:xfrm>
+            <a:off x="0" y="764704"/>
+            <a:ext cx="9144000" cy="360040"/>
+          </a:xfrm>
+          <a:prstGeom prst="rect">
+            <a:avLst/>
+          </a:prstGeom>
+          <a:gradFill flip="none" rotWithShape="1">
+            <a:gsLst>
+              <a:gs pos="0">
+                <a:srgbClr val="00B0F0">
+                  <a:shade val="30000"/>
+                  <a:satMod val="115000"/>
+                </a:srgbClr>
+              </a:gs>
+              <a:gs pos="50000">
+                <a:srgbClr val="00B0F0">
+                  <a:shade val="67500"/>
+                  <a:satMod val="115000"/>
+                </a:srgbClr>
+              </a:gs>
+              <a:gs pos="100000">
+                <a:srgbClr val="00B0F0">
+                  <a:shade val="100000"/>
+                  <a:satMod val="115000"/>
+                </a:srgbClr>
+              </a:gs>
+            </a:gsLst>
+            <a:path path="circle">
+              <a:fillToRect t="100000" r="100000"/>
+            </a:path>
+            <a:tileRect l="-100000" b="-100000"/>
+          </a:gradFill>
+        </p:spPr>
+        <p:txBody>
+          <a:bodyPr vert="horz" lIns="91440" tIns="45720" rIns="91440" bIns="45720" rtlCol="0" anchor="ctr">
+            <a:normAutofit/>
+          </a:bodyPr>
+          <a:lstStyle/>
+          <a:p>
+            <a:pPr lvl="0">
+              <a:spcBef>
+                <a:spcPct val="0"/>
+              </a:spcBef>
+            </a:pPr>
+            <a:r>
+              <a:rPr lang="en-US" sz="1600" dirty="0"/>
+              <a:t>https://www.youtube.com/watch?v=UWg3ORRRF60</a:t>
+            </a:r>
+            <a:endParaRPr kumimoji="0" lang="zh-TW" altLang="en-US" sz="1600" b="0" i="0" u="none" strike="noStrike" kern="1200" cap="none" spc="0" normalizeH="0" baseline="0" noProof="0" dirty="0">
+              <a:ln>
+                <a:noFill/>
+              </a:ln>
+              <a:solidFill>
+                <a:schemeClr val="tx1"/>
+              </a:solidFill>
+              <a:effectLst/>
+              <a:uLnTx/>
+              <a:uFillTx/>
+              <a:latin typeface="+mj-lt"/>
+              <a:ea typeface="+mj-ea"/>
+              <a:cs typeface="+mj-cs"/>
+            </a:endParaRPr>
+          </a:p>
+        </p:txBody>
+      </p:sp>
+      <p:sp>
+        <p:nvSpPr>
+          <p:cNvPr id="5" name="日期版面配置區 4"/>
+          <p:cNvSpPr>
+            <a:spLocks noGrp="1"/>
+          </p:cNvSpPr>
+          <p:nvPr>
+            <p:ph type="dt" sz="half" idx="10"/>
+          </p:nvPr>
+        </p:nvSpPr>
+        <p:spPr/>
+        <p:txBody>
+          <a:bodyPr/>
+          <a:lstStyle/>
+          <a:p>
+            <a:fld id="{A4F910E6-8D00-4BAF-8C48-9688E0B449D3}" type="datetime1">
+              <a:rPr lang="zh-TW" altLang="en-US" smtClean="0"/>
+              <a:pPr/>
+              <a:t>2022/11/19</a:t>
+            </a:fld>
+            <a:endParaRPr lang="zh-TW" altLang="en-US"/>
+          </a:p>
+        </p:txBody>
+      </p:sp>
+      <p:sp>
+        <p:nvSpPr>
+          <p:cNvPr id="6" name="投影片編號版面配置區 5"/>
+          <p:cNvSpPr>
+            <a:spLocks noGrp="1"/>
+          </p:cNvSpPr>
+          <p:nvPr>
+            <p:ph type="sldNum" sz="quarter" idx="12"/>
+          </p:nvPr>
+        </p:nvSpPr>
+        <p:spPr/>
+        <p:txBody>
+          <a:bodyPr/>
+          <a:lstStyle/>
+          <a:p>
+            <a:fld id="{E4D7E63D-91F2-4366-A2C4-1B00C9E2590E}" type="slidenum">
+              <a:rPr lang="zh-TW" altLang="en-US" smtClean="0"/>
+              <a:pPr/>
+              <a:t>13</a:t>
+            </a:fld>
+            <a:endParaRPr lang="zh-TW" altLang="en-US"/>
+          </a:p>
+        </p:txBody>
+      </p:sp>
+      <p:pic>
+        <p:nvPicPr>
+          <p:cNvPr id="8" name="Picture 7">
+            <a:extLst>
+              <a:ext uri="{FF2B5EF4-FFF2-40B4-BE49-F238E27FC236}">
+                <a16:creationId xmlns:a16="http://schemas.microsoft.com/office/drawing/2014/main" id="{FD6AD6A1-5CE4-B9C8-F087-5097FCC7D652}"/>
+              </a:ext>
+            </a:extLst>
+          </p:cNvPr>
+          <p:cNvPicPr>
+            <a:picLocks noChangeAspect="1"/>
+          </p:cNvPicPr>
+          <p:nvPr/>
+        </p:nvPicPr>
+        <p:blipFill>
+          <a:blip r:embed="rId2"/>
+          <a:stretch>
+            <a:fillRect/>
+          </a:stretch>
+        </p:blipFill>
+        <p:spPr>
+          <a:xfrm>
+            <a:off x="3059832" y="4341232"/>
+            <a:ext cx="4933528" cy="2326288"/>
+          </a:xfrm>
+          <a:prstGeom prst="rect">
+            <a:avLst/>
+          </a:prstGeom>
+          <a:ln>
+            <a:solidFill>
+              <a:srgbClr val="C00000"/>
+            </a:solidFill>
+          </a:ln>
+        </p:spPr>
+      </p:pic>
+    </p:spTree>
+    <p:extLst>
+      <p:ext uri="{BB962C8B-B14F-4D97-AF65-F5344CB8AC3E}">
+        <p14:creationId xmlns:p14="http://schemas.microsoft.com/office/powerpoint/2010/main" val="2488877243"/>
+      </p:ext>
+    </p:extLst>
+  </p:cSld>
+  <p:clrMapOvr>
+    <a:masterClrMapping/>
+  </p:clrMapOvr>
+</p:sld>
+</file>
+
+<file path=ppt/slides/slide14.xml><?xml version="1.0" encoding="utf-8"?>
+<p:sld xmlns:a="http://schemas.openxmlformats.org/drawingml/2006/main" xmlns:r="http://schemas.openxmlformats.org/officeDocument/2006/relationships" xmlns:p="http://schemas.openxmlformats.org/presentationml/2006/main">
+  <p:cSld>
+    <p:spTree>
+      <p:nvGrpSpPr>
+        <p:cNvPr id="1" name=""/>
+        <p:cNvGrpSpPr/>
+        <p:nvPr/>
+      </p:nvGrpSpPr>
+      <p:grpSpPr>
+        <a:xfrm>
+          <a:off x="0" y="0"/>
+          <a:ext cx="0" cy="0"/>
+          <a:chOff x="0" y="0"/>
+          <a:chExt cx="0" cy="0"/>
+        </a:xfrm>
+      </p:grpSpPr>
+      <p:sp>
+        <p:nvSpPr>
+          <p:cNvPr id="2" name="標題 1"/>
+          <p:cNvSpPr>
+            <a:spLocks noGrp="1"/>
+          </p:cNvSpPr>
+          <p:nvPr>
+            <p:ph type="ctrTitle"/>
+          </p:nvPr>
+        </p:nvSpPr>
+        <p:spPr>
+          <a:xfrm>
+            <a:off x="0" y="1"/>
+            <a:ext cx="9144000" cy="764704"/>
+          </a:xfrm>
+          <a:gradFill flip="none" rotWithShape="1">
+            <a:gsLst>
+              <a:gs pos="0">
+                <a:srgbClr val="C00000">
+                  <a:shade val="30000"/>
+                  <a:satMod val="115000"/>
+                </a:srgbClr>
+              </a:gs>
+              <a:gs pos="50000">
+                <a:srgbClr val="C00000">
+                  <a:shade val="67500"/>
+                  <a:satMod val="115000"/>
+                </a:srgbClr>
+              </a:gs>
+              <a:gs pos="100000">
+                <a:srgbClr val="C00000">
+                  <a:shade val="100000"/>
+                  <a:satMod val="115000"/>
+                </a:srgbClr>
+              </a:gs>
+            </a:gsLst>
+            <a:path path="circle">
+              <a:fillToRect t="100000" r="100000"/>
+            </a:path>
+            <a:tileRect l="-100000" b="-100000"/>
+          </a:gradFill>
+        </p:spPr>
+        <p:txBody>
+          <a:bodyPr>
+            <a:normAutofit/>
+          </a:bodyPr>
+          <a:lstStyle/>
+          <a:p>
+            <a:pPr algn="l"/>
+            <a:r>
+              <a:rPr lang="en-US" altLang="zh-TW" sz="4400" b="1" dirty="0">
+                <a:solidFill>
+                  <a:srgbClr val="FFFF00"/>
+                </a:solidFill>
+              </a:rPr>
+              <a:t>0.1 Cluster</a:t>
+            </a:r>
+            <a:endParaRPr lang="zh-TW" altLang="en-US" b="1" dirty="0">
+              <a:solidFill>
+                <a:srgbClr val="FFFF00"/>
+              </a:solidFill>
+            </a:endParaRPr>
+          </a:p>
+        </p:txBody>
+      </p:sp>
+      <p:sp>
+        <p:nvSpPr>
+          <p:cNvPr id="3" name="副標題 2"/>
+          <p:cNvSpPr>
+            <a:spLocks noGrp="1"/>
+          </p:cNvSpPr>
+          <p:nvPr>
+            <p:ph type="subTitle" idx="1"/>
+          </p:nvPr>
+        </p:nvSpPr>
+        <p:spPr>
+          <a:xfrm>
+            <a:off x="299418" y="1353624"/>
+            <a:ext cx="4056557" cy="2075376"/>
+          </a:xfrm>
+          <a:ln>
+            <a:solidFill>
+              <a:srgbClr val="C00000"/>
+            </a:solidFill>
+          </a:ln>
+        </p:spPr>
+        <p:txBody>
+          <a:bodyPr>
+            <a:noAutofit/>
+          </a:bodyPr>
+          <a:lstStyle/>
+          <a:p>
+            <a:pPr marL="342900" indent="-342900" algn="l">
+              <a:buClr>
+                <a:srgbClr val="0070C0"/>
+              </a:buClr>
+              <a:buSzPct val="80000"/>
+              <a:buFont typeface="Wingdings" pitchFamily="2" charset="2"/>
+              <a:buChar char="u"/>
+            </a:pPr>
+            <a:r>
+              <a:rPr lang="en-US" sz="1800" b="1" dirty="0">
+                <a:solidFill>
+                  <a:srgbClr val="C00000"/>
+                </a:solidFill>
+              </a:rPr>
+              <a:t>Knode 1 (Window Machine): ipconfig</a:t>
+            </a:r>
+          </a:p>
+          <a:p>
+            <a:pPr marL="342900" indent="-342900" algn="l">
+              <a:buClr>
+                <a:srgbClr val="0070C0"/>
+              </a:buClr>
+              <a:buSzPct val="80000"/>
+              <a:buFont typeface="Wingdings" pitchFamily="2" charset="2"/>
+              <a:buChar char="u"/>
+            </a:pPr>
+            <a:r>
+              <a:rPr lang="en-US" sz="1800" i="0" dirty="0">
+                <a:solidFill>
+                  <a:schemeClr val="tx1"/>
+                </a:solidFill>
+                <a:effectLst/>
+              </a:rPr>
+              <a:t>Since Windows and Oracle VirtualBox connected by PCI, we check windows IP Address only. </a:t>
+            </a:r>
+          </a:p>
+          <a:p>
+            <a:pPr marL="342900" indent="-342900" algn="l">
+              <a:buClr>
+                <a:srgbClr val="0070C0"/>
+              </a:buClr>
+              <a:buSzPct val="80000"/>
+              <a:buFont typeface="Wingdings" pitchFamily="2" charset="2"/>
+              <a:buChar char="u"/>
+            </a:pPr>
+            <a:r>
+              <a:rPr lang="en-US" sz="1800" dirty="0">
+                <a:solidFill>
+                  <a:schemeClr val="tx1"/>
+                </a:solidFill>
+              </a:rPr>
+              <a:t>Kmaster and Knode 2 can only see the Gate way of </a:t>
+            </a:r>
+            <a:r>
+              <a:rPr lang="en-US" sz="1800" b="1" i="0" dirty="0">
+                <a:solidFill>
+                  <a:srgbClr val="C00000"/>
+                </a:solidFill>
+                <a:effectLst/>
+              </a:rPr>
+              <a:t>Knode 1 IP Address: 192.168.1.1.</a:t>
+            </a:r>
+          </a:p>
+          <a:p>
+            <a:pPr marL="342900" indent="-342900" algn="l">
+              <a:buClr>
+                <a:srgbClr val="0070C0"/>
+              </a:buClr>
+              <a:buSzPct val="80000"/>
+              <a:buFont typeface="Wingdings" pitchFamily="2" charset="2"/>
+              <a:buChar char="u"/>
+            </a:pPr>
+            <a:endParaRPr lang="en-US" sz="1800" b="1" i="0" dirty="0">
+              <a:solidFill>
+                <a:srgbClr val="C00000"/>
+              </a:solidFill>
+              <a:effectLst/>
+            </a:endParaRPr>
+          </a:p>
+        </p:txBody>
+      </p:sp>
+      <p:sp>
+        <p:nvSpPr>
+          <p:cNvPr id="4" name="標題 1"/>
+          <p:cNvSpPr txBox="1">
+            <a:spLocks/>
+          </p:cNvSpPr>
+          <p:nvPr/>
+        </p:nvSpPr>
+        <p:spPr>
+          <a:xfrm>
+            <a:off x="0" y="764704"/>
+            <a:ext cx="9144000" cy="360040"/>
+          </a:xfrm>
+          <a:prstGeom prst="rect">
+            <a:avLst/>
+          </a:prstGeom>
+          <a:gradFill flip="none" rotWithShape="1">
+            <a:gsLst>
+              <a:gs pos="0">
+                <a:srgbClr val="00B0F0">
+                  <a:shade val="30000"/>
+                  <a:satMod val="115000"/>
+                </a:srgbClr>
+              </a:gs>
+              <a:gs pos="50000">
+                <a:srgbClr val="00B0F0">
+                  <a:shade val="67500"/>
+                  <a:satMod val="115000"/>
+                </a:srgbClr>
+              </a:gs>
+              <a:gs pos="100000">
+                <a:srgbClr val="00B0F0">
+                  <a:shade val="100000"/>
+                  <a:satMod val="115000"/>
+                </a:srgbClr>
+              </a:gs>
+            </a:gsLst>
+            <a:path path="circle">
+              <a:fillToRect t="100000" r="100000"/>
+            </a:path>
+            <a:tileRect l="-100000" b="-100000"/>
+          </a:gradFill>
+        </p:spPr>
+        <p:txBody>
+          <a:bodyPr vert="horz" lIns="91440" tIns="45720" rIns="91440" bIns="45720" rtlCol="0" anchor="ctr">
+            <a:normAutofit/>
+          </a:bodyPr>
+          <a:lstStyle/>
+          <a:p>
+            <a:pPr lvl="0">
+              <a:spcBef>
+                <a:spcPct val="0"/>
+              </a:spcBef>
+            </a:pPr>
+            <a:r>
+              <a:rPr lang="en-US" sz="1600" dirty="0"/>
+              <a:t>https://www.youtube.com/watch?v=UWg3ORRRF60</a:t>
+            </a:r>
+            <a:endParaRPr kumimoji="0" lang="zh-TW" altLang="en-US" sz="1600" b="0" i="0" u="none" strike="noStrike" kern="1200" cap="none" spc="0" normalizeH="0" baseline="0" noProof="0" dirty="0">
+              <a:ln>
+                <a:noFill/>
+              </a:ln>
+              <a:solidFill>
+                <a:schemeClr val="tx1"/>
+              </a:solidFill>
+              <a:effectLst/>
+              <a:uLnTx/>
+              <a:uFillTx/>
+              <a:latin typeface="+mj-lt"/>
+              <a:ea typeface="+mj-ea"/>
+              <a:cs typeface="+mj-cs"/>
+            </a:endParaRPr>
+          </a:p>
+        </p:txBody>
+      </p:sp>
+      <p:sp>
+        <p:nvSpPr>
+          <p:cNvPr id="5" name="日期版面配置區 4"/>
+          <p:cNvSpPr>
+            <a:spLocks noGrp="1"/>
+          </p:cNvSpPr>
+          <p:nvPr>
+            <p:ph type="dt" sz="half" idx="10"/>
+          </p:nvPr>
+        </p:nvSpPr>
+        <p:spPr/>
+        <p:txBody>
+          <a:bodyPr/>
+          <a:lstStyle/>
+          <a:p>
+            <a:fld id="{A4F910E6-8D00-4BAF-8C48-9688E0B449D3}" type="datetime1">
+              <a:rPr lang="zh-TW" altLang="en-US" smtClean="0"/>
+              <a:pPr/>
+              <a:t>2022/11/19</a:t>
+            </a:fld>
+            <a:endParaRPr lang="zh-TW" altLang="en-US"/>
+          </a:p>
+        </p:txBody>
+      </p:sp>
+      <p:sp>
+        <p:nvSpPr>
+          <p:cNvPr id="6" name="投影片編號版面配置區 5"/>
+          <p:cNvSpPr>
+            <a:spLocks noGrp="1"/>
+          </p:cNvSpPr>
+          <p:nvPr>
+            <p:ph type="sldNum" sz="quarter" idx="12"/>
+          </p:nvPr>
+        </p:nvSpPr>
+        <p:spPr/>
+        <p:txBody>
+          <a:bodyPr/>
+          <a:lstStyle/>
+          <a:p>
+            <a:fld id="{E4D7E63D-91F2-4366-A2C4-1B00C9E2590E}" type="slidenum">
+              <a:rPr lang="zh-TW" altLang="en-US" smtClean="0"/>
+              <a:pPr/>
+              <a:t>14</a:t>
+            </a:fld>
+            <a:endParaRPr lang="zh-TW" altLang="en-US"/>
+          </a:p>
+        </p:txBody>
+      </p:sp>
+      <p:pic>
+        <p:nvPicPr>
+          <p:cNvPr id="9" name="Picture 8">
+            <a:extLst>
+              <a:ext uri="{FF2B5EF4-FFF2-40B4-BE49-F238E27FC236}">
+                <a16:creationId xmlns:a16="http://schemas.microsoft.com/office/drawing/2014/main" id="{C98485F3-668F-FB52-9135-3E3EAD337532}"/>
+              </a:ext>
+            </a:extLst>
+          </p:cNvPr>
+          <p:cNvPicPr>
+            <a:picLocks noChangeAspect="1"/>
+          </p:cNvPicPr>
+          <p:nvPr/>
+        </p:nvPicPr>
+        <p:blipFill>
+          <a:blip r:embed="rId2"/>
+          <a:stretch>
+            <a:fillRect/>
+          </a:stretch>
+        </p:blipFill>
+        <p:spPr>
+          <a:xfrm>
+            <a:off x="4468802" y="552229"/>
+            <a:ext cx="4437599" cy="5804121"/>
+          </a:xfrm>
+          <a:prstGeom prst="rect">
+            <a:avLst/>
+          </a:prstGeom>
+          <a:ln>
+            <a:solidFill>
+              <a:srgbClr val="C00000"/>
+            </a:solidFill>
+          </a:ln>
+        </p:spPr>
+      </p:pic>
+      <p:sp>
+        <p:nvSpPr>
+          <p:cNvPr id="10" name="Rectangle 9">
+            <a:extLst>
+              <a:ext uri="{FF2B5EF4-FFF2-40B4-BE49-F238E27FC236}">
+                <a16:creationId xmlns:a16="http://schemas.microsoft.com/office/drawing/2014/main" id="{F7C907B7-5A76-47F6-AD56-C6CAF63DDE6A}"/>
+              </a:ext>
+            </a:extLst>
+          </p:cNvPr>
+          <p:cNvSpPr/>
+          <p:nvPr/>
+        </p:nvSpPr>
+        <p:spPr>
+          <a:xfrm>
+            <a:off x="4571999" y="5445224"/>
+            <a:ext cx="3312369" cy="216024"/>
+          </a:xfrm>
+          <a:prstGeom prst="rect">
+            <a:avLst/>
+          </a:prstGeom>
+          <a:noFill/>
+          <a:ln>
+            <a:solidFill>
+              <a:srgbClr val="C00000"/>
+            </a:solidFill>
+          </a:ln>
+        </p:spPr>
+        <p:style>
+          <a:lnRef idx="2">
+            <a:schemeClr val="accent1">
+              <a:shade val="50000"/>
+            </a:schemeClr>
+          </a:lnRef>
+          <a:fillRef idx="1">
+            <a:schemeClr val="accent1"/>
+          </a:fillRef>
+          <a:effectRef idx="0">
+            <a:schemeClr val="accent1"/>
+          </a:effectRef>
+          <a:fontRef idx="minor">
+            <a:schemeClr val="lt1"/>
+          </a:fontRef>
+        </p:style>
+        <p:txBody>
+          <a:bodyPr rtlCol="0" anchor="ctr"/>
+          <a:lstStyle/>
+          <a:p>
+            <a:pPr algn="ctr"/>
+            <a:endParaRPr lang="en-US"/>
+          </a:p>
+        </p:txBody>
+      </p:sp>
+      <p:sp>
+        <p:nvSpPr>
+          <p:cNvPr id="11" name="Rectangle 10">
+            <a:extLst>
+              <a:ext uri="{FF2B5EF4-FFF2-40B4-BE49-F238E27FC236}">
+                <a16:creationId xmlns:a16="http://schemas.microsoft.com/office/drawing/2014/main" id="{EB95669A-4DB3-BFF8-58D1-41739AF50546}"/>
+              </a:ext>
+            </a:extLst>
+          </p:cNvPr>
+          <p:cNvSpPr/>
+          <p:nvPr/>
+        </p:nvSpPr>
+        <p:spPr>
+          <a:xfrm>
+            <a:off x="611560" y="2564904"/>
+            <a:ext cx="3528392" cy="864096"/>
+          </a:xfrm>
+          <a:prstGeom prst="rect">
+            <a:avLst/>
+          </a:prstGeom>
+          <a:noFill/>
+          <a:ln>
+            <a:solidFill>
+              <a:srgbClr val="C00000"/>
+            </a:solidFill>
+          </a:ln>
+        </p:spPr>
+        <p:style>
+          <a:lnRef idx="2">
+            <a:schemeClr val="accent1">
+              <a:shade val="50000"/>
+            </a:schemeClr>
+          </a:lnRef>
+          <a:fillRef idx="1">
+            <a:schemeClr val="accent1"/>
+          </a:fillRef>
+          <a:effectRef idx="0">
+            <a:schemeClr val="accent1"/>
+          </a:effectRef>
+          <a:fontRef idx="minor">
+            <a:schemeClr val="lt1"/>
+          </a:fontRef>
+        </p:style>
+        <p:txBody>
+          <a:bodyPr rtlCol="0" anchor="ctr"/>
+          <a:lstStyle/>
+          <a:p>
+            <a:pPr algn="ctr"/>
+            <a:endParaRPr lang="en-US"/>
+          </a:p>
+        </p:txBody>
+      </p:sp>
+      <p:cxnSp>
+        <p:nvCxnSpPr>
+          <p:cNvPr id="13" name="Straight Arrow Connector 12">
+            <a:extLst>
+              <a:ext uri="{FF2B5EF4-FFF2-40B4-BE49-F238E27FC236}">
+                <a16:creationId xmlns:a16="http://schemas.microsoft.com/office/drawing/2014/main" id="{1688BFA3-E318-83E1-D52E-52E1BBEC154D}"/>
+              </a:ext>
+            </a:extLst>
+          </p:cNvPr>
+          <p:cNvCxnSpPr>
+            <a:cxnSpLocks/>
+            <a:stCxn id="11" idx="2"/>
+            <a:endCxn id="10" idx="1"/>
+          </p:cNvCxnSpPr>
+          <p:nvPr/>
+        </p:nvCxnSpPr>
+        <p:spPr>
+          <a:xfrm>
+            <a:off x="2375756" y="3429000"/>
+            <a:ext cx="2196243" cy="2124236"/>
+          </a:xfrm>
+          <a:prstGeom prst="straightConnector1">
+            <a:avLst/>
+          </a:prstGeom>
+          <a:ln>
+            <a:tailEnd type="triangle"/>
+          </a:ln>
+        </p:spPr>
+        <p:style>
+          <a:lnRef idx="1">
+            <a:schemeClr val="accent2"/>
+          </a:lnRef>
+          <a:fillRef idx="0">
+            <a:schemeClr val="accent2"/>
+          </a:fillRef>
+          <a:effectRef idx="0">
+            <a:schemeClr val="accent2"/>
+          </a:effectRef>
+          <a:fontRef idx="minor">
+            <a:schemeClr val="tx1"/>
+          </a:fontRef>
+        </p:style>
+      </p:cxnSp>
+    </p:spTree>
+    <p:extLst>
+      <p:ext uri="{BB962C8B-B14F-4D97-AF65-F5344CB8AC3E}">
+        <p14:creationId xmlns:p14="http://schemas.microsoft.com/office/powerpoint/2010/main" val="2176090043"/>
+      </p:ext>
+    </p:extLst>
+  </p:cSld>
+  <p:clrMapOvr>
+    <a:masterClrMapping/>
+  </p:clrMapOvr>
+</p:sld>
+</file>
+
+<file path=ppt/slides/slide15.xml><?xml version="1.0" encoding="utf-8"?>
+<p:sld xmlns:a="http://schemas.openxmlformats.org/drawingml/2006/main" xmlns:r="http://schemas.openxmlformats.org/officeDocument/2006/relationships" xmlns:p="http://schemas.openxmlformats.org/presentationml/2006/main">
+  <p:cSld>
+    <p:spTree>
+      <p:nvGrpSpPr>
+        <p:cNvPr id="1" name=""/>
+        <p:cNvGrpSpPr/>
+        <p:nvPr/>
+      </p:nvGrpSpPr>
+      <p:grpSpPr>
+        <a:xfrm>
+          <a:off x="0" y="0"/>
+          <a:ext cx="0" cy="0"/>
+          <a:chOff x="0" y="0"/>
+          <a:chExt cx="0" cy="0"/>
+        </a:xfrm>
+      </p:grpSpPr>
+      <p:sp>
+        <p:nvSpPr>
+          <p:cNvPr id="2" name="標題 1"/>
+          <p:cNvSpPr>
+            <a:spLocks noGrp="1"/>
+          </p:cNvSpPr>
+          <p:nvPr>
+            <p:ph type="ctrTitle"/>
+          </p:nvPr>
+        </p:nvSpPr>
+        <p:spPr>
+          <a:xfrm>
+            <a:off x="0" y="1"/>
+            <a:ext cx="9144000" cy="764704"/>
+          </a:xfrm>
+          <a:gradFill flip="none" rotWithShape="1">
+            <a:gsLst>
+              <a:gs pos="0">
+                <a:srgbClr val="C00000">
+                  <a:shade val="30000"/>
+                  <a:satMod val="115000"/>
+                </a:srgbClr>
+              </a:gs>
+              <a:gs pos="50000">
+                <a:srgbClr val="C00000">
+                  <a:shade val="67500"/>
+                  <a:satMod val="115000"/>
+                </a:srgbClr>
+              </a:gs>
+              <a:gs pos="100000">
+                <a:srgbClr val="C00000">
+                  <a:shade val="100000"/>
+                  <a:satMod val="115000"/>
+                </a:srgbClr>
+              </a:gs>
+            </a:gsLst>
+            <a:path path="circle">
+              <a:fillToRect t="100000" r="100000"/>
+            </a:path>
+            <a:tileRect l="-100000" b="-100000"/>
+          </a:gradFill>
+        </p:spPr>
+        <p:txBody>
+          <a:bodyPr>
+            <a:normAutofit/>
+          </a:bodyPr>
+          <a:lstStyle/>
+          <a:p>
+            <a:pPr algn="l"/>
+            <a:r>
+              <a:rPr lang="en-US" altLang="zh-TW" sz="4400" b="1" dirty="0">
+                <a:solidFill>
+                  <a:srgbClr val="FFFF00"/>
+                </a:solidFill>
+              </a:rPr>
+              <a:t>0.1 Cluster</a:t>
+            </a:r>
+            <a:endParaRPr lang="zh-TW" altLang="en-US" b="1" dirty="0">
+              <a:solidFill>
+                <a:srgbClr val="FFFF00"/>
+              </a:solidFill>
+            </a:endParaRPr>
+          </a:p>
+        </p:txBody>
+      </p:sp>
+      <p:sp>
+        <p:nvSpPr>
+          <p:cNvPr id="3" name="副標題 2"/>
+          <p:cNvSpPr>
+            <a:spLocks noGrp="1"/>
+          </p:cNvSpPr>
+          <p:nvPr>
+            <p:ph type="subTitle" idx="1"/>
+          </p:nvPr>
+        </p:nvSpPr>
+        <p:spPr>
+          <a:xfrm>
+            <a:off x="299419" y="1353624"/>
+            <a:ext cx="3408486" cy="2723448"/>
+          </a:xfrm>
+          <a:ln>
+            <a:solidFill>
+              <a:srgbClr val="C00000"/>
+            </a:solidFill>
+          </a:ln>
+        </p:spPr>
+        <p:txBody>
+          <a:bodyPr>
+            <a:noAutofit/>
+          </a:bodyPr>
+          <a:lstStyle/>
+          <a:p>
+            <a:pPr marL="342900" indent="-342900" algn="l">
+              <a:buClr>
+                <a:srgbClr val="0070C0"/>
+              </a:buClr>
+              <a:buSzPct val="80000"/>
+              <a:buFont typeface="Wingdings" pitchFamily="2" charset="2"/>
+              <a:buChar char="u"/>
+            </a:pPr>
+            <a:r>
+              <a:rPr lang="en-US" sz="1800" b="1" dirty="0">
+                <a:solidFill>
+                  <a:srgbClr val="C00000"/>
+                </a:solidFill>
+              </a:rPr>
+              <a:t>Knode 2 (Window Machine): ipconfig</a:t>
+            </a:r>
+          </a:p>
+          <a:p>
+            <a:pPr marL="342900" indent="-342900" algn="l">
+              <a:buClr>
+                <a:srgbClr val="0070C0"/>
+              </a:buClr>
+              <a:buSzPct val="80000"/>
+              <a:buFont typeface="Wingdings" pitchFamily="2" charset="2"/>
+              <a:buChar char="u"/>
+            </a:pPr>
+            <a:r>
+              <a:rPr lang="en-US" sz="1800" i="0" dirty="0">
+                <a:solidFill>
+                  <a:schemeClr val="tx1"/>
+                </a:solidFill>
+                <a:effectLst/>
+              </a:rPr>
+              <a:t>Since Windows and Oracle VirtualBox connected by PCI, we check windows IP Address only. </a:t>
+            </a:r>
+          </a:p>
+          <a:p>
+            <a:pPr marL="342900" indent="-342900" algn="l">
+              <a:buClr>
+                <a:srgbClr val="0070C0"/>
+              </a:buClr>
+              <a:buSzPct val="80000"/>
+              <a:buFont typeface="Wingdings" pitchFamily="2" charset="2"/>
+              <a:buChar char="u"/>
+            </a:pPr>
+            <a:r>
+              <a:rPr lang="en-US" sz="1800" i="0" dirty="0">
+                <a:solidFill>
+                  <a:schemeClr val="tx1"/>
+                </a:solidFill>
+                <a:effectLst/>
+              </a:rPr>
+              <a:t>Kmaster and Knode 1 can only see</a:t>
+            </a:r>
+            <a:r>
+              <a:rPr lang="en-US" sz="1800" b="1" i="0" dirty="0">
+                <a:solidFill>
+                  <a:srgbClr val="C00000"/>
+                </a:solidFill>
+                <a:effectLst/>
+              </a:rPr>
+              <a:t> Knode 2 IP Address: 192.168.0.1.</a:t>
+            </a:r>
+          </a:p>
+          <a:p>
+            <a:pPr marL="342900" indent="-342900" algn="l">
+              <a:buClr>
+                <a:srgbClr val="0070C0"/>
+              </a:buClr>
+              <a:buSzPct val="80000"/>
+              <a:buFont typeface="Wingdings" pitchFamily="2" charset="2"/>
+              <a:buChar char="u"/>
+            </a:pPr>
+            <a:endParaRPr lang="en-US" sz="1800" b="1" i="0" dirty="0">
+              <a:solidFill>
+                <a:srgbClr val="C00000"/>
+              </a:solidFill>
+              <a:effectLst/>
+            </a:endParaRPr>
+          </a:p>
+        </p:txBody>
+      </p:sp>
+      <p:sp>
+        <p:nvSpPr>
+          <p:cNvPr id="4" name="標題 1"/>
+          <p:cNvSpPr txBox="1">
+            <a:spLocks/>
+          </p:cNvSpPr>
+          <p:nvPr/>
+        </p:nvSpPr>
+        <p:spPr>
+          <a:xfrm>
+            <a:off x="0" y="764704"/>
+            <a:ext cx="9144000" cy="360040"/>
+          </a:xfrm>
+          <a:prstGeom prst="rect">
+            <a:avLst/>
+          </a:prstGeom>
+          <a:gradFill flip="none" rotWithShape="1">
+            <a:gsLst>
+              <a:gs pos="0">
+                <a:srgbClr val="00B0F0">
+                  <a:shade val="30000"/>
+                  <a:satMod val="115000"/>
+                </a:srgbClr>
+              </a:gs>
+              <a:gs pos="50000">
+                <a:srgbClr val="00B0F0">
+                  <a:shade val="67500"/>
+                  <a:satMod val="115000"/>
+                </a:srgbClr>
+              </a:gs>
+              <a:gs pos="100000">
+                <a:srgbClr val="00B0F0">
+                  <a:shade val="100000"/>
+                  <a:satMod val="115000"/>
+                </a:srgbClr>
+              </a:gs>
+            </a:gsLst>
+            <a:path path="circle">
+              <a:fillToRect t="100000" r="100000"/>
+            </a:path>
+            <a:tileRect l="-100000" b="-100000"/>
+          </a:gradFill>
+        </p:spPr>
+        <p:txBody>
+          <a:bodyPr vert="horz" lIns="91440" tIns="45720" rIns="91440" bIns="45720" rtlCol="0" anchor="ctr">
+            <a:normAutofit/>
+          </a:bodyPr>
+          <a:lstStyle/>
+          <a:p>
+            <a:pPr lvl="0">
+              <a:spcBef>
+                <a:spcPct val="0"/>
+              </a:spcBef>
+            </a:pPr>
+            <a:r>
+              <a:rPr lang="en-US" sz="1600" dirty="0"/>
+              <a:t>https://www.youtube.com/watch?v=UWg3ORRRF60</a:t>
+            </a:r>
+            <a:endParaRPr kumimoji="0" lang="zh-TW" altLang="en-US" sz="1600" b="0" i="0" u="none" strike="noStrike" kern="1200" cap="none" spc="0" normalizeH="0" baseline="0" noProof="0" dirty="0">
+              <a:ln>
+                <a:noFill/>
+              </a:ln>
+              <a:solidFill>
+                <a:schemeClr val="tx1"/>
+              </a:solidFill>
+              <a:effectLst/>
+              <a:uLnTx/>
+              <a:uFillTx/>
+              <a:latin typeface="+mj-lt"/>
+              <a:ea typeface="+mj-ea"/>
+              <a:cs typeface="+mj-cs"/>
+            </a:endParaRPr>
+          </a:p>
+        </p:txBody>
+      </p:sp>
+      <p:sp>
+        <p:nvSpPr>
+          <p:cNvPr id="5" name="日期版面配置區 4"/>
+          <p:cNvSpPr>
+            <a:spLocks noGrp="1"/>
+          </p:cNvSpPr>
+          <p:nvPr>
+            <p:ph type="dt" sz="half" idx="10"/>
+          </p:nvPr>
+        </p:nvSpPr>
+        <p:spPr/>
+        <p:txBody>
+          <a:bodyPr/>
+          <a:lstStyle/>
+          <a:p>
+            <a:fld id="{A4F910E6-8D00-4BAF-8C48-9688E0B449D3}" type="datetime1">
+              <a:rPr lang="zh-TW" altLang="en-US" smtClean="0"/>
+              <a:pPr/>
+              <a:t>2022/11/19</a:t>
+            </a:fld>
+            <a:endParaRPr lang="zh-TW" altLang="en-US"/>
+          </a:p>
+        </p:txBody>
+      </p:sp>
+      <p:sp>
+        <p:nvSpPr>
+          <p:cNvPr id="6" name="投影片編號版面配置區 5"/>
+          <p:cNvSpPr>
+            <a:spLocks noGrp="1"/>
+          </p:cNvSpPr>
+          <p:nvPr>
+            <p:ph type="sldNum" sz="quarter" idx="12"/>
+          </p:nvPr>
+        </p:nvSpPr>
+        <p:spPr/>
+        <p:txBody>
+          <a:bodyPr/>
+          <a:lstStyle/>
+          <a:p>
+            <a:fld id="{E4D7E63D-91F2-4366-A2C4-1B00C9E2590E}" type="slidenum">
+              <a:rPr lang="zh-TW" altLang="en-US" smtClean="0"/>
+              <a:pPr/>
+              <a:t>15</a:t>
+            </a:fld>
+            <a:endParaRPr lang="zh-TW" altLang="en-US"/>
+          </a:p>
+        </p:txBody>
+      </p:sp>
+      <p:pic>
+        <p:nvPicPr>
+          <p:cNvPr id="8" name="Picture 7">
+            <a:extLst>
+              <a:ext uri="{FF2B5EF4-FFF2-40B4-BE49-F238E27FC236}">
+                <a16:creationId xmlns:a16="http://schemas.microsoft.com/office/drawing/2014/main" id="{A062EA42-ED58-A956-3817-A955D52DA5E8}"/>
+              </a:ext>
+            </a:extLst>
+          </p:cNvPr>
+          <p:cNvPicPr>
+            <a:picLocks noChangeAspect="1"/>
+          </p:cNvPicPr>
+          <p:nvPr/>
+        </p:nvPicPr>
+        <p:blipFill>
+          <a:blip r:embed="rId2"/>
+          <a:stretch>
+            <a:fillRect/>
+          </a:stretch>
+        </p:blipFill>
+        <p:spPr>
+          <a:xfrm>
+            <a:off x="4175310" y="400174"/>
+            <a:ext cx="4968690" cy="5939202"/>
+          </a:xfrm>
+          <a:prstGeom prst="rect">
+            <a:avLst/>
+          </a:prstGeom>
+          <a:ln>
+            <a:solidFill>
+              <a:srgbClr val="C00000"/>
+            </a:solidFill>
+          </a:ln>
+        </p:spPr>
+      </p:pic>
+      <p:sp>
+        <p:nvSpPr>
+          <p:cNvPr id="10" name="Rectangle 9">
+            <a:extLst>
+              <a:ext uri="{FF2B5EF4-FFF2-40B4-BE49-F238E27FC236}">
+                <a16:creationId xmlns:a16="http://schemas.microsoft.com/office/drawing/2014/main" id="{F7C907B7-5A76-47F6-AD56-C6CAF63DDE6A}"/>
+              </a:ext>
+            </a:extLst>
+          </p:cNvPr>
+          <p:cNvSpPr/>
+          <p:nvPr/>
+        </p:nvSpPr>
+        <p:spPr>
+          <a:xfrm>
+            <a:off x="4355976" y="6093296"/>
+            <a:ext cx="4176464" cy="263053"/>
+          </a:xfrm>
+          <a:prstGeom prst="rect">
+            <a:avLst/>
+          </a:prstGeom>
+          <a:noFill/>
+          <a:ln>
+            <a:solidFill>
+              <a:srgbClr val="C00000"/>
+            </a:solidFill>
+          </a:ln>
+        </p:spPr>
+        <p:style>
+          <a:lnRef idx="2">
+            <a:schemeClr val="accent1">
+              <a:shade val="50000"/>
+            </a:schemeClr>
+          </a:lnRef>
+          <a:fillRef idx="1">
+            <a:schemeClr val="accent1"/>
+          </a:fillRef>
+          <a:effectRef idx="0">
+            <a:schemeClr val="accent1"/>
+          </a:effectRef>
+          <a:fontRef idx="minor">
+            <a:schemeClr val="lt1"/>
+          </a:fontRef>
+        </p:style>
+        <p:txBody>
+          <a:bodyPr rtlCol="0" anchor="ctr"/>
+          <a:lstStyle/>
+          <a:p>
+            <a:pPr algn="ctr"/>
+            <a:endParaRPr lang="en-US"/>
+          </a:p>
+        </p:txBody>
+      </p:sp>
+      <p:sp>
+        <p:nvSpPr>
+          <p:cNvPr id="11" name="Rectangle 10">
+            <a:extLst>
+              <a:ext uri="{FF2B5EF4-FFF2-40B4-BE49-F238E27FC236}">
+                <a16:creationId xmlns:a16="http://schemas.microsoft.com/office/drawing/2014/main" id="{AE75A48F-8A23-F1A1-DA68-AD7164AF27F0}"/>
+              </a:ext>
+            </a:extLst>
+          </p:cNvPr>
+          <p:cNvSpPr/>
+          <p:nvPr/>
+        </p:nvSpPr>
+        <p:spPr>
+          <a:xfrm>
+            <a:off x="611560" y="3140968"/>
+            <a:ext cx="2952328" cy="936104"/>
+          </a:xfrm>
+          <a:prstGeom prst="rect">
+            <a:avLst/>
+          </a:prstGeom>
+          <a:noFill/>
+          <a:ln>
+            <a:solidFill>
+              <a:srgbClr val="C00000"/>
+            </a:solidFill>
+          </a:ln>
+        </p:spPr>
+        <p:style>
+          <a:lnRef idx="2">
+            <a:schemeClr val="accent1">
+              <a:shade val="50000"/>
+            </a:schemeClr>
+          </a:lnRef>
+          <a:fillRef idx="1">
+            <a:schemeClr val="accent1"/>
+          </a:fillRef>
+          <a:effectRef idx="0">
+            <a:schemeClr val="accent1"/>
+          </a:effectRef>
+          <a:fontRef idx="minor">
+            <a:schemeClr val="lt1"/>
+          </a:fontRef>
+        </p:style>
+        <p:txBody>
+          <a:bodyPr rtlCol="0" anchor="ctr"/>
+          <a:lstStyle/>
+          <a:p>
+            <a:pPr algn="ctr"/>
+            <a:endParaRPr lang="en-US"/>
+          </a:p>
+        </p:txBody>
+      </p:sp>
+      <p:cxnSp>
+        <p:nvCxnSpPr>
+          <p:cNvPr id="13" name="Straight Arrow Connector 12">
+            <a:extLst>
+              <a:ext uri="{FF2B5EF4-FFF2-40B4-BE49-F238E27FC236}">
+                <a16:creationId xmlns:a16="http://schemas.microsoft.com/office/drawing/2014/main" id="{8C7CA898-CF99-42A6-49AF-96E05C4956B7}"/>
+              </a:ext>
+            </a:extLst>
+          </p:cNvPr>
+          <p:cNvCxnSpPr>
+            <a:cxnSpLocks/>
+            <a:stCxn id="11" idx="2"/>
+            <a:endCxn id="10" idx="1"/>
+          </p:cNvCxnSpPr>
+          <p:nvPr/>
+        </p:nvCxnSpPr>
+        <p:spPr>
+          <a:xfrm>
+            <a:off x="2087724" y="4077072"/>
+            <a:ext cx="2268252" cy="2147751"/>
+          </a:xfrm>
+          <a:prstGeom prst="straightConnector1">
+            <a:avLst/>
+          </a:prstGeom>
+          <a:ln>
+            <a:tailEnd type="triangle"/>
+          </a:ln>
+        </p:spPr>
+        <p:style>
+          <a:lnRef idx="1">
+            <a:schemeClr val="accent2"/>
+          </a:lnRef>
+          <a:fillRef idx="0">
+            <a:schemeClr val="accent2"/>
+          </a:fillRef>
+          <a:effectRef idx="0">
+            <a:schemeClr val="accent2"/>
+          </a:effectRef>
+          <a:fontRef idx="minor">
+            <a:schemeClr val="tx1"/>
+          </a:fontRef>
+        </p:style>
+      </p:cxnSp>
+    </p:spTree>
+    <p:extLst>
+      <p:ext uri="{BB962C8B-B14F-4D97-AF65-F5344CB8AC3E}">
+        <p14:creationId xmlns:p14="http://schemas.microsoft.com/office/powerpoint/2010/main" val="3879225375"/>
+      </p:ext>
+    </p:extLst>
+  </p:cSld>
+  <p:clrMapOvr>
+    <a:masterClrMapping/>
+  </p:clrMapOvr>
+</p:sld>
+</file>
+
+<file path=ppt/slides/slide16.xml><?xml version="1.0" encoding="utf-8"?>
+<p:sld xmlns:a="http://schemas.openxmlformats.org/drawingml/2006/main" xmlns:r="http://schemas.openxmlformats.org/officeDocument/2006/relationships" xmlns:p="http://schemas.openxmlformats.org/presentationml/2006/main">
+  <p:cSld>
+    <p:spTree>
+      <p:nvGrpSpPr>
+        <p:cNvPr id="1" name=""/>
+        <p:cNvGrpSpPr/>
+        <p:nvPr/>
+      </p:nvGrpSpPr>
+      <p:grpSpPr>
+        <a:xfrm>
+          <a:off x="0" y="0"/>
+          <a:ext cx="0" cy="0"/>
+          <a:chOff x="0" y="0"/>
+          <a:chExt cx="0" cy="0"/>
+        </a:xfrm>
+      </p:grpSpPr>
+      <p:sp>
+        <p:nvSpPr>
+          <p:cNvPr id="2" name="標題 1"/>
+          <p:cNvSpPr>
+            <a:spLocks noGrp="1"/>
+          </p:cNvSpPr>
+          <p:nvPr>
+            <p:ph type="ctrTitle"/>
+          </p:nvPr>
+        </p:nvSpPr>
+        <p:spPr>
+          <a:xfrm>
+            <a:off x="0" y="2130425"/>
+            <a:ext cx="9144000" cy="1470025"/>
+          </a:xfrm>
+          <a:solidFill>
+            <a:srgbClr val="00B0F0"/>
+          </a:solidFill>
+        </p:spPr>
+        <p:txBody>
+          <a:bodyPr>
+            <a:normAutofit fontScale="90000"/>
+          </a:bodyPr>
+          <a:lstStyle/>
+          <a:p>
+            <a:r>
+              <a:rPr lang="en-US" altLang="zh-TW" sz="4800" b="1" dirty="0">
+                <a:solidFill>
+                  <a:srgbClr val="FFFF00"/>
+                </a:solidFill>
+              </a:rPr>
+              <a:t>0.2 Communication between Routers</a:t>
+            </a:r>
+            <a:endParaRPr lang="zh-TW" altLang="en-US" sz="4800" b="1" dirty="0">
+              <a:solidFill>
+                <a:srgbClr val="FFFF00"/>
+              </a:solidFill>
+            </a:endParaRPr>
+          </a:p>
+        </p:txBody>
+      </p:sp>
+      <p:sp>
+        <p:nvSpPr>
+          <p:cNvPr id="5" name="日期版面配置區 4"/>
+          <p:cNvSpPr>
+            <a:spLocks noGrp="1"/>
+          </p:cNvSpPr>
+          <p:nvPr>
+            <p:ph type="dt" sz="half" idx="10"/>
+          </p:nvPr>
+        </p:nvSpPr>
+        <p:spPr/>
+        <p:txBody>
+          <a:bodyPr/>
+          <a:lstStyle/>
+          <a:p>
+            <a:fld id="{C389EDC9-19E3-47AC-9C57-C6A24DEA81AD}" type="datetime1">
+              <a:rPr lang="zh-TW" altLang="en-US" smtClean="0"/>
+              <a:pPr/>
+              <a:t>2022/11/19</a:t>
+            </a:fld>
+            <a:endParaRPr lang="zh-TW" altLang="en-US"/>
+          </a:p>
+        </p:txBody>
+      </p:sp>
+      <p:sp>
+        <p:nvSpPr>
+          <p:cNvPr id="6" name="投影片編號版面配置區 5"/>
+          <p:cNvSpPr>
+            <a:spLocks noGrp="1"/>
+          </p:cNvSpPr>
+          <p:nvPr>
+            <p:ph type="sldNum" sz="quarter" idx="12"/>
+          </p:nvPr>
+        </p:nvSpPr>
+        <p:spPr/>
+        <p:txBody>
+          <a:bodyPr/>
+          <a:lstStyle/>
+          <a:p>
+            <a:fld id="{E4D7E63D-91F2-4366-A2C4-1B00C9E2590E}" type="slidenum">
+              <a:rPr lang="zh-TW" altLang="en-US" smtClean="0"/>
+              <a:pPr/>
+              <a:t>16</a:t>
+            </a:fld>
+            <a:endParaRPr lang="zh-TW" altLang="en-US"/>
+          </a:p>
+        </p:txBody>
+      </p:sp>
+      <p:pic>
+        <p:nvPicPr>
+          <p:cNvPr id="7" name="Picture 6">
+            <a:extLst>
+              <a:ext uri="{FF2B5EF4-FFF2-40B4-BE49-F238E27FC236}">
+                <a16:creationId xmlns:a16="http://schemas.microsoft.com/office/drawing/2014/main" id="{6BAFC81C-41D2-47DC-8418-60D9E99180AB}"/>
+              </a:ext>
+            </a:extLst>
+          </p:cNvPr>
+          <p:cNvPicPr>
+            <a:picLocks noChangeAspect="1"/>
+          </p:cNvPicPr>
+          <p:nvPr/>
+        </p:nvPicPr>
+        <p:blipFill>
+          <a:blip r:embed="rId2"/>
+          <a:stretch>
+            <a:fillRect/>
+          </a:stretch>
+        </p:blipFill>
+        <p:spPr>
+          <a:xfrm>
+            <a:off x="3923928" y="3640095"/>
+            <a:ext cx="992526" cy="944885"/>
+          </a:xfrm>
+          <a:prstGeom prst="rect">
+            <a:avLst/>
+          </a:prstGeom>
+        </p:spPr>
+      </p:pic>
+    </p:spTree>
+    <p:extLst>
+      <p:ext uri="{BB962C8B-B14F-4D97-AF65-F5344CB8AC3E}">
+        <p14:creationId xmlns:p14="http://schemas.microsoft.com/office/powerpoint/2010/main" val="2278155985"/>
+      </p:ext>
+    </p:extLst>
+  </p:cSld>
+  <p:clrMapOvr>
+    <a:masterClrMapping/>
+  </p:clrMapOvr>
+</p:sld>
+</file>
+
+<file path=ppt/slides/slide17.xml><?xml version="1.0" encoding="utf-8"?>
+<p:sld xmlns:a="http://schemas.openxmlformats.org/drawingml/2006/main" xmlns:r="http://schemas.openxmlformats.org/officeDocument/2006/relationships" xmlns:p="http://schemas.openxmlformats.org/presentationml/2006/main">
+  <p:cSld>
+    <p:spTree>
+      <p:nvGrpSpPr>
+        <p:cNvPr id="1" name=""/>
+        <p:cNvGrpSpPr/>
+        <p:nvPr/>
+      </p:nvGrpSpPr>
+      <p:grpSpPr>
+        <a:xfrm>
+          <a:off x="0" y="0"/>
+          <a:ext cx="0" cy="0"/>
+          <a:chOff x="0" y="0"/>
+          <a:chExt cx="0" cy="0"/>
+        </a:xfrm>
+      </p:grpSpPr>
+      <p:sp>
+        <p:nvSpPr>
+          <p:cNvPr id="2" name="標題 1"/>
+          <p:cNvSpPr>
+            <a:spLocks noGrp="1"/>
+          </p:cNvSpPr>
+          <p:nvPr>
+            <p:ph type="ctrTitle"/>
+          </p:nvPr>
+        </p:nvSpPr>
+        <p:spPr>
+          <a:xfrm>
+            <a:off x="0" y="1"/>
+            <a:ext cx="9144000" cy="764704"/>
+          </a:xfrm>
+          <a:gradFill flip="none" rotWithShape="1">
+            <a:gsLst>
+              <a:gs pos="0">
+                <a:srgbClr val="C00000">
+                  <a:shade val="30000"/>
+                  <a:satMod val="115000"/>
+                </a:srgbClr>
+              </a:gs>
+              <a:gs pos="50000">
+                <a:srgbClr val="C00000">
+                  <a:shade val="67500"/>
+                  <a:satMod val="115000"/>
+                </a:srgbClr>
+              </a:gs>
+              <a:gs pos="100000">
+                <a:srgbClr val="C00000">
+                  <a:shade val="100000"/>
+                  <a:satMod val="115000"/>
+                </a:srgbClr>
+              </a:gs>
+            </a:gsLst>
+            <a:path path="circle">
+              <a:fillToRect t="100000" r="100000"/>
+            </a:path>
+            <a:tileRect l="-100000" b="-100000"/>
+          </a:gradFill>
+        </p:spPr>
+        <p:txBody>
+          <a:bodyPr>
+            <a:normAutofit/>
+          </a:bodyPr>
+          <a:lstStyle/>
+          <a:p>
+            <a:pPr algn="l"/>
+            <a:r>
+              <a:rPr lang="en-US" altLang="zh-TW" sz="4400" b="1" dirty="0">
+                <a:solidFill>
+                  <a:srgbClr val="FFFF00"/>
+                </a:solidFill>
+              </a:rPr>
+              <a:t>0.2 Communication between Routers</a:t>
+            </a:r>
+            <a:endParaRPr lang="zh-TW" altLang="en-US" b="1" dirty="0">
+              <a:solidFill>
+                <a:srgbClr val="FFFF00"/>
+              </a:solidFill>
+            </a:endParaRPr>
+          </a:p>
+        </p:txBody>
+      </p:sp>
+      <p:sp>
+        <p:nvSpPr>
+          <p:cNvPr id="3" name="副標題 2"/>
+          <p:cNvSpPr>
+            <a:spLocks noGrp="1"/>
+          </p:cNvSpPr>
+          <p:nvPr>
+            <p:ph type="subTitle" idx="1"/>
+          </p:nvPr>
+        </p:nvSpPr>
+        <p:spPr>
+          <a:xfrm>
+            <a:off x="299418" y="1353624"/>
+            <a:ext cx="8593061" cy="2106898"/>
+          </a:xfrm>
+          <a:ln>
+            <a:solidFill>
+              <a:srgbClr val="C00000"/>
+            </a:solidFill>
+          </a:ln>
+        </p:spPr>
+        <p:txBody>
+          <a:bodyPr>
+            <a:noAutofit/>
+          </a:bodyPr>
+          <a:lstStyle/>
+          <a:p>
+            <a:pPr marL="342900" indent="-342900" algn="l">
+              <a:buClr>
+                <a:srgbClr val="0070C0"/>
+              </a:buClr>
+              <a:buSzPct val="80000"/>
+              <a:buFont typeface="Wingdings" pitchFamily="2" charset="2"/>
+              <a:buChar char="u"/>
+            </a:pPr>
+            <a:r>
+              <a:rPr lang="en-US" sz="1800" b="1" dirty="0">
+                <a:solidFill>
+                  <a:srgbClr val="C00000"/>
+                </a:solidFill>
+              </a:rPr>
+              <a:t>Route add: Create a Route between Two Routers</a:t>
+            </a:r>
+          </a:p>
+          <a:p>
+            <a:pPr marL="342900" indent="-342900" algn="l">
+              <a:buClr>
+                <a:srgbClr val="0070C0"/>
+              </a:buClr>
+              <a:buSzPct val="80000"/>
+              <a:buFont typeface="Wingdings" pitchFamily="2" charset="2"/>
+              <a:buChar char="u"/>
+            </a:pPr>
+            <a:r>
+              <a:rPr lang="en-US" sz="1800" dirty="0">
+                <a:solidFill>
+                  <a:srgbClr val="C00000"/>
+                </a:solidFill>
+                <a:hlinkClick r:id="rId2"/>
+              </a:rPr>
+              <a:t>https://linuxhint.com/route-add-command-linux/#:~:text=The%20command%20you%20are%20looking,chosen%20routing%20method%20explained%20below</a:t>
+            </a:r>
+            <a:r>
+              <a:rPr lang="en-US" sz="1800" dirty="0">
+                <a:solidFill>
+                  <a:srgbClr val="C00000"/>
+                </a:solidFill>
+              </a:rPr>
+              <a:t>.</a:t>
+            </a:r>
+          </a:p>
+          <a:p>
+            <a:pPr marL="342900" indent="-342900" algn="l">
+              <a:buClr>
+                <a:srgbClr val="0070C0"/>
+              </a:buClr>
+              <a:buSzPct val="80000"/>
+              <a:buFont typeface="Wingdings" pitchFamily="2" charset="2"/>
+              <a:buChar char="u"/>
+            </a:pPr>
+            <a:r>
+              <a:rPr lang="en-US" sz="1800" b="0" i="0" dirty="0">
+                <a:solidFill>
+                  <a:srgbClr val="444444"/>
+                </a:solidFill>
+                <a:effectLst/>
+              </a:rPr>
+              <a:t>The command (“route add”) is to add proper routes to reach the destination or multiple destinations. </a:t>
+            </a:r>
+          </a:p>
+          <a:p>
+            <a:pPr marL="342900" indent="-342900" algn="l">
+              <a:buClr>
+                <a:srgbClr val="0070C0"/>
+              </a:buClr>
+              <a:buSzPct val="80000"/>
+              <a:buFont typeface="Wingdings" pitchFamily="2" charset="2"/>
+              <a:buChar char="u"/>
+            </a:pPr>
+            <a:r>
+              <a:rPr lang="en-US" sz="1800" dirty="0">
+                <a:solidFill>
+                  <a:srgbClr val="444444"/>
+                </a:solidFill>
+              </a:rPr>
+              <a:t>We</a:t>
+            </a:r>
+            <a:r>
+              <a:rPr lang="en-US" sz="1800" b="0" i="0" dirty="0">
+                <a:solidFill>
+                  <a:srgbClr val="444444"/>
+                </a:solidFill>
+                <a:effectLst/>
+              </a:rPr>
+              <a:t> can add more than one gateway to access different networks.</a:t>
+            </a:r>
+          </a:p>
+          <a:p>
+            <a:pPr algn="l">
+              <a:buClr>
+                <a:srgbClr val="0070C0"/>
+              </a:buClr>
+              <a:buSzPct val="80000"/>
+            </a:pPr>
+            <a:endParaRPr lang="en-US" sz="1800" b="0" i="0" dirty="0">
+              <a:solidFill>
+                <a:srgbClr val="444444"/>
+              </a:solidFill>
+              <a:effectLst/>
+            </a:endParaRPr>
+          </a:p>
+        </p:txBody>
+      </p:sp>
+      <p:sp>
+        <p:nvSpPr>
+          <p:cNvPr id="4" name="標題 1"/>
+          <p:cNvSpPr txBox="1">
+            <a:spLocks/>
+          </p:cNvSpPr>
+          <p:nvPr/>
+        </p:nvSpPr>
+        <p:spPr>
+          <a:xfrm>
+            <a:off x="0" y="764704"/>
+            <a:ext cx="9144000" cy="360040"/>
+          </a:xfrm>
+          <a:prstGeom prst="rect">
+            <a:avLst/>
+          </a:prstGeom>
+          <a:gradFill flip="none" rotWithShape="1">
+            <a:gsLst>
+              <a:gs pos="0">
+                <a:srgbClr val="00B0F0">
+                  <a:shade val="30000"/>
+                  <a:satMod val="115000"/>
+                </a:srgbClr>
+              </a:gs>
+              <a:gs pos="50000">
+                <a:srgbClr val="00B0F0">
+                  <a:shade val="67500"/>
+                  <a:satMod val="115000"/>
+                </a:srgbClr>
+              </a:gs>
+              <a:gs pos="100000">
+                <a:srgbClr val="00B0F0">
+                  <a:shade val="100000"/>
+                  <a:satMod val="115000"/>
+                </a:srgbClr>
+              </a:gs>
+            </a:gsLst>
+            <a:path path="circle">
+              <a:fillToRect t="100000" r="100000"/>
+            </a:path>
+            <a:tileRect l="-100000" b="-100000"/>
+          </a:gradFill>
+        </p:spPr>
+        <p:txBody>
+          <a:bodyPr vert="horz" lIns="91440" tIns="45720" rIns="91440" bIns="45720" rtlCol="0" anchor="ctr">
+            <a:normAutofit/>
+          </a:bodyPr>
+          <a:lstStyle/>
+          <a:p>
+            <a:pPr lvl="0">
+              <a:spcBef>
+                <a:spcPct val="0"/>
+              </a:spcBef>
+            </a:pPr>
+            <a:r>
+              <a:rPr lang="en-US" sz="1600" dirty="0"/>
+              <a:t>https://www.youtube.com/watch?v=UWg3ORRRF60</a:t>
+            </a:r>
+            <a:endParaRPr kumimoji="0" lang="zh-TW" altLang="en-US" sz="1600" b="0" i="0" u="none" strike="noStrike" kern="1200" cap="none" spc="0" normalizeH="0" baseline="0" noProof="0" dirty="0">
+              <a:ln>
+                <a:noFill/>
+              </a:ln>
+              <a:solidFill>
+                <a:schemeClr val="tx1"/>
+              </a:solidFill>
+              <a:effectLst/>
+              <a:uLnTx/>
+              <a:uFillTx/>
+              <a:latin typeface="+mj-lt"/>
+              <a:ea typeface="+mj-ea"/>
+              <a:cs typeface="+mj-cs"/>
+            </a:endParaRPr>
+          </a:p>
+        </p:txBody>
+      </p:sp>
+      <p:sp>
+        <p:nvSpPr>
+          <p:cNvPr id="5" name="日期版面配置區 4"/>
+          <p:cNvSpPr>
+            <a:spLocks noGrp="1"/>
+          </p:cNvSpPr>
+          <p:nvPr>
+            <p:ph type="dt" sz="half" idx="10"/>
+          </p:nvPr>
+        </p:nvSpPr>
+        <p:spPr/>
+        <p:txBody>
+          <a:bodyPr/>
+          <a:lstStyle/>
+          <a:p>
+            <a:fld id="{A4F910E6-8D00-4BAF-8C48-9688E0B449D3}" type="datetime1">
+              <a:rPr lang="zh-TW" altLang="en-US" smtClean="0"/>
+              <a:pPr/>
+              <a:t>2022/11/19</a:t>
+            </a:fld>
+            <a:endParaRPr lang="zh-TW" altLang="en-US"/>
+          </a:p>
+        </p:txBody>
+      </p:sp>
+      <p:sp>
+        <p:nvSpPr>
+          <p:cNvPr id="6" name="投影片編號版面配置區 5"/>
+          <p:cNvSpPr>
+            <a:spLocks noGrp="1"/>
+          </p:cNvSpPr>
+          <p:nvPr>
+            <p:ph type="sldNum" sz="quarter" idx="12"/>
+          </p:nvPr>
+        </p:nvSpPr>
+        <p:spPr/>
+        <p:txBody>
+          <a:bodyPr/>
+          <a:lstStyle/>
+          <a:p>
+            <a:fld id="{E4D7E63D-91F2-4366-A2C4-1B00C9E2590E}" type="slidenum">
+              <a:rPr lang="zh-TW" altLang="en-US" smtClean="0"/>
+              <a:pPr/>
+              <a:t>17</a:t>
+            </a:fld>
+            <a:endParaRPr lang="zh-TW" altLang="en-US"/>
+          </a:p>
+        </p:txBody>
+      </p:sp>
+      <p:pic>
+        <p:nvPicPr>
+          <p:cNvPr id="1026" name="Picture 2">
+            <a:extLst>
+              <a:ext uri="{FF2B5EF4-FFF2-40B4-BE49-F238E27FC236}">
+                <a16:creationId xmlns:a16="http://schemas.microsoft.com/office/drawing/2014/main" id="{D72EB7DB-8631-F2B8-A771-B60385F33AFD}"/>
+              </a:ext>
+            </a:extLst>
+          </p:cNvPr>
+          <p:cNvPicPr>
+            <a:picLocks noChangeAspect="1" noChangeArrowheads="1"/>
+          </p:cNvPicPr>
+          <p:nvPr/>
+        </p:nvPicPr>
+        <p:blipFill>
+          <a:blip r:embed="rId3">
+            <a:extLst>
+              <a:ext uri="{28A0092B-C50C-407E-A947-70E740481C1C}">
+                <a14:useLocalDpi xmlns:a14="http://schemas.microsoft.com/office/drawing/2010/main" val="0"/>
+              </a:ext>
+            </a:extLst>
+          </a:blip>
+          <a:srcRect/>
+          <a:stretch>
+            <a:fillRect/>
+          </a:stretch>
+        </p:blipFill>
+        <p:spPr bwMode="auto">
+          <a:xfrm>
+            <a:off x="2987824" y="3577382"/>
+            <a:ext cx="4516621" cy="3078454"/>
+          </a:xfrm>
+          <a:prstGeom prst="rect">
+            <a:avLst/>
+          </a:prstGeom>
+          <a:noFill/>
+          <a:ln>
+            <a:solidFill>
+              <a:srgbClr val="C00000"/>
+            </a:solidFill>
+          </a:ln>
+          <a:extLst>
+            <a:ext uri="{909E8E84-426E-40DD-AFC4-6F175D3DCCD1}">
+              <a14:hiddenFill xmlns:a14="http://schemas.microsoft.com/office/drawing/2010/main">
+                <a:solidFill>
+                  <a:srgbClr val="FFFFFF"/>
+                </a:solidFill>
+              </a14:hiddenFill>
+            </a:ext>
+          </a:extLst>
+        </p:spPr>
+      </p:pic>
+    </p:spTree>
+    <p:extLst>
+      <p:ext uri="{BB962C8B-B14F-4D97-AF65-F5344CB8AC3E}">
+        <p14:creationId xmlns:p14="http://schemas.microsoft.com/office/powerpoint/2010/main" val="1692181287"/>
+      </p:ext>
+    </p:extLst>
+  </p:cSld>
+  <p:clrMapOvr>
+    <a:masterClrMapping/>
+  </p:clrMapOvr>
+</p:sld>
+</file>
+
+<file path=ppt/slides/slide18.xml><?xml version="1.0" encoding="utf-8"?>
+<p:sld xmlns:a="http://schemas.openxmlformats.org/drawingml/2006/main" xmlns:r="http://schemas.openxmlformats.org/officeDocument/2006/relationships" xmlns:p="http://schemas.openxmlformats.org/presentationml/2006/main">
+  <p:cSld>
+    <p:spTree>
+      <p:nvGrpSpPr>
+        <p:cNvPr id="1" name=""/>
+        <p:cNvGrpSpPr/>
+        <p:nvPr/>
+      </p:nvGrpSpPr>
+      <p:grpSpPr>
+        <a:xfrm>
+          <a:off x="0" y="0"/>
+          <a:ext cx="0" cy="0"/>
+          <a:chOff x="0" y="0"/>
+          <a:chExt cx="0" cy="0"/>
+        </a:xfrm>
+      </p:grpSpPr>
+      <p:sp>
+        <p:nvSpPr>
+          <p:cNvPr id="2" name="標題 1"/>
+          <p:cNvSpPr>
+            <a:spLocks noGrp="1"/>
+          </p:cNvSpPr>
+          <p:nvPr>
+            <p:ph type="ctrTitle"/>
+          </p:nvPr>
+        </p:nvSpPr>
+        <p:spPr>
+          <a:xfrm>
+            <a:off x="0" y="1"/>
+            <a:ext cx="9144000" cy="764704"/>
+          </a:xfrm>
+          <a:gradFill flip="none" rotWithShape="1">
+            <a:gsLst>
+              <a:gs pos="0">
+                <a:srgbClr val="C00000">
+                  <a:shade val="30000"/>
+                  <a:satMod val="115000"/>
+                </a:srgbClr>
+              </a:gs>
+              <a:gs pos="50000">
+                <a:srgbClr val="C00000">
+                  <a:shade val="67500"/>
+                  <a:satMod val="115000"/>
+                </a:srgbClr>
+              </a:gs>
+              <a:gs pos="100000">
+                <a:srgbClr val="C00000">
+                  <a:shade val="100000"/>
+                  <a:satMod val="115000"/>
+                </a:srgbClr>
+              </a:gs>
+            </a:gsLst>
+            <a:path path="circle">
+              <a:fillToRect t="100000" r="100000"/>
+            </a:path>
+            <a:tileRect l="-100000" b="-100000"/>
+          </a:gradFill>
+        </p:spPr>
+        <p:txBody>
+          <a:bodyPr>
+            <a:normAutofit/>
+          </a:bodyPr>
+          <a:lstStyle/>
+          <a:p>
+            <a:pPr algn="l"/>
+            <a:r>
+              <a:rPr lang="en-US" altLang="zh-TW" sz="4400" b="1" dirty="0">
+                <a:solidFill>
+                  <a:srgbClr val="FFFF00"/>
+                </a:solidFill>
+              </a:rPr>
+              <a:t>0.2 Communication between Routers</a:t>
+            </a:r>
+            <a:endParaRPr lang="zh-TW" altLang="en-US" b="1" dirty="0">
+              <a:solidFill>
+                <a:srgbClr val="FFFF00"/>
+              </a:solidFill>
+            </a:endParaRPr>
+          </a:p>
+        </p:txBody>
+      </p:sp>
+      <p:sp>
+        <p:nvSpPr>
+          <p:cNvPr id="3" name="副標題 2"/>
+          <p:cNvSpPr>
+            <a:spLocks noGrp="1"/>
+          </p:cNvSpPr>
+          <p:nvPr>
+            <p:ph type="subTitle" idx="1"/>
+          </p:nvPr>
+        </p:nvSpPr>
+        <p:spPr>
+          <a:xfrm>
+            <a:off x="299418" y="1353624"/>
+            <a:ext cx="8593061" cy="2612893"/>
+          </a:xfrm>
+          <a:ln>
+            <a:solidFill>
+              <a:srgbClr val="C00000"/>
+            </a:solidFill>
+          </a:ln>
+        </p:spPr>
+        <p:txBody>
+          <a:bodyPr>
+            <a:noAutofit/>
+          </a:bodyPr>
+          <a:lstStyle/>
+          <a:p>
+            <a:pPr marL="342900" indent="-342900" algn="l">
+              <a:buClr>
+                <a:srgbClr val="0070C0"/>
+              </a:buClr>
+              <a:buSzPct val="80000"/>
+              <a:buFont typeface="Wingdings" pitchFamily="2" charset="2"/>
+              <a:buChar char="u"/>
+            </a:pPr>
+            <a:r>
+              <a:rPr lang="en-US" sz="1800" b="1" dirty="0">
+                <a:solidFill>
+                  <a:srgbClr val="C00000"/>
+                </a:solidFill>
+              </a:rPr>
+              <a:t>Route add: Create a Route between Two Routers</a:t>
+            </a:r>
+          </a:p>
+          <a:p>
+            <a:pPr marL="342900" indent="-342900" algn="l">
+              <a:buClr>
+                <a:srgbClr val="0070C0"/>
+              </a:buClr>
+              <a:buSzPct val="80000"/>
+              <a:buFont typeface="Wingdings" pitchFamily="2" charset="2"/>
+              <a:buChar char="u"/>
+            </a:pPr>
+            <a:r>
+              <a:rPr lang="en-US" sz="1800" dirty="0">
+                <a:solidFill>
+                  <a:srgbClr val="C00000"/>
+                </a:solidFill>
+                <a:hlinkClick r:id="rId2"/>
+              </a:rPr>
+              <a:t>https://linuxhint.com/route-add-command-linux/#:~:text=The%20command%20you%20are%20looking,chosen%20routing%20method%20explained%20below</a:t>
+            </a:r>
+            <a:r>
+              <a:rPr lang="en-US" sz="1800" dirty="0">
+                <a:solidFill>
+                  <a:srgbClr val="C00000"/>
+                </a:solidFill>
+              </a:rPr>
+              <a:t>.</a:t>
+            </a:r>
+          </a:p>
+          <a:p>
+            <a:pPr marL="342900" indent="-342900" algn="l">
+              <a:buClr>
+                <a:srgbClr val="0070C0"/>
+              </a:buClr>
+              <a:buSzPct val="80000"/>
+              <a:buFont typeface="Wingdings" pitchFamily="2" charset="2"/>
+              <a:buChar char="u"/>
+            </a:pPr>
+            <a:r>
+              <a:rPr lang="en-US" sz="1800" b="0" i="0" dirty="0">
+                <a:solidFill>
+                  <a:srgbClr val="444444"/>
+                </a:solidFill>
+                <a:effectLst/>
+              </a:rPr>
+              <a:t>For example, </a:t>
+            </a:r>
+            <a:r>
+              <a:rPr lang="en-US" sz="1800" dirty="0">
+                <a:solidFill>
+                  <a:srgbClr val="444444"/>
+                </a:solidFill>
+              </a:rPr>
+              <a:t>i</a:t>
+            </a:r>
+            <a:r>
+              <a:rPr lang="en-US" sz="1800" b="0" i="0" dirty="0">
+                <a:solidFill>
+                  <a:srgbClr val="444444"/>
+                </a:solidFill>
+                <a:effectLst/>
+              </a:rPr>
+              <a:t>f a computer from the </a:t>
+            </a:r>
+            <a:r>
+              <a:rPr lang="en-US" sz="1800" b="1" i="0" dirty="0">
+                <a:solidFill>
+                  <a:srgbClr val="444444"/>
+                </a:solidFill>
+                <a:effectLst/>
+              </a:rPr>
+              <a:t>NETWORK 1</a:t>
+            </a:r>
+            <a:r>
+              <a:rPr lang="en-US" sz="1800" b="0" i="0" dirty="0">
+                <a:solidFill>
+                  <a:srgbClr val="444444"/>
+                </a:solidFill>
+                <a:effectLst/>
+              </a:rPr>
+              <a:t> wants to connect to a computer from </a:t>
+            </a:r>
+            <a:r>
+              <a:rPr lang="en-US" sz="1800" b="1" i="0" dirty="0">
+                <a:solidFill>
+                  <a:srgbClr val="444444"/>
+                </a:solidFill>
+                <a:effectLst/>
+              </a:rPr>
+              <a:t>NETWORK 2</a:t>
+            </a:r>
+            <a:r>
+              <a:rPr lang="en-US" sz="1800" b="0" i="0" dirty="0">
+                <a:solidFill>
+                  <a:srgbClr val="444444"/>
+                </a:solidFill>
+                <a:effectLst/>
+              </a:rPr>
+              <a:t> using static routing, the computer from the </a:t>
+            </a:r>
+            <a:r>
+              <a:rPr lang="en-US" sz="1800" b="1" i="0" dirty="0">
+                <a:solidFill>
+                  <a:srgbClr val="444444"/>
+                </a:solidFill>
+                <a:effectLst/>
+              </a:rPr>
+              <a:t>NETWORK 1</a:t>
+            </a:r>
+            <a:r>
+              <a:rPr lang="en-US" sz="1800" b="0" i="0" dirty="0">
+                <a:solidFill>
+                  <a:srgbClr val="444444"/>
+                </a:solidFill>
+                <a:effectLst/>
+              </a:rPr>
+              <a:t> must define in the routing table that both exit interfaces, </a:t>
+            </a:r>
+            <a:r>
+              <a:rPr lang="en-US" sz="1800" b="1" i="0" dirty="0">
+                <a:solidFill>
+                  <a:srgbClr val="444444"/>
+                </a:solidFill>
+                <a:effectLst/>
+              </a:rPr>
+              <a:t>ROUTER 1</a:t>
+            </a:r>
+            <a:r>
+              <a:rPr lang="en-US" sz="1800" b="0" i="0" dirty="0">
+                <a:solidFill>
+                  <a:srgbClr val="444444"/>
+                </a:solidFill>
+                <a:effectLst/>
+              </a:rPr>
+              <a:t> and </a:t>
+            </a:r>
+            <a:r>
+              <a:rPr lang="en-US" sz="1800" b="1" i="0" dirty="0">
+                <a:solidFill>
+                  <a:srgbClr val="444444"/>
+                </a:solidFill>
+                <a:effectLst/>
+              </a:rPr>
+              <a:t>Intermediating router,</a:t>
+            </a:r>
+            <a:r>
+              <a:rPr lang="en-US" sz="1800" b="0" i="0" dirty="0">
+                <a:solidFill>
+                  <a:srgbClr val="444444"/>
+                </a:solidFill>
+                <a:effectLst/>
+              </a:rPr>
+              <a:t> need to be used to connect to the next router until reaching the final destination.</a:t>
+            </a:r>
+          </a:p>
+          <a:p>
+            <a:pPr algn="l">
+              <a:buClr>
+                <a:srgbClr val="0070C0"/>
+              </a:buClr>
+              <a:buSzPct val="80000"/>
+            </a:pPr>
+            <a:endParaRPr lang="en-US" sz="1800" b="0" i="0" dirty="0">
+              <a:solidFill>
+                <a:srgbClr val="444444"/>
+              </a:solidFill>
+              <a:effectLst/>
+            </a:endParaRPr>
+          </a:p>
+        </p:txBody>
+      </p:sp>
+      <p:sp>
+        <p:nvSpPr>
+          <p:cNvPr id="4" name="標題 1"/>
+          <p:cNvSpPr txBox="1">
+            <a:spLocks/>
+          </p:cNvSpPr>
+          <p:nvPr/>
+        </p:nvSpPr>
+        <p:spPr>
+          <a:xfrm>
+            <a:off x="0" y="764704"/>
+            <a:ext cx="9144000" cy="360040"/>
+          </a:xfrm>
+          <a:prstGeom prst="rect">
+            <a:avLst/>
+          </a:prstGeom>
+          <a:gradFill flip="none" rotWithShape="1">
+            <a:gsLst>
+              <a:gs pos="0">
+                <a:srgbClr val="00B0F0">
+                  <a:shade val="30000"/>
+                  <a:satMod val="115000"/>
+                </a:srgbClr>
+              </a:gs>
+              <a:gs pos="50000">
+                <a:srgbClr val="00B0F0">
+                  <a:shade val="67500"/>
+                  <a:satMod val="115000"/>
+                </a:srgbClr>
+              </a:gs>
+              <a:gs pos="100000">
+                <a:srgbClr val="00B0F0">
+                  <a:shade val="100000"/>
+                  <a:satMod val="115000"/>
+                </a:srgbClr>
+              </a:gs>
+            </a:gsLst>
+            <a:path path="circle">
+              <a:fillToRect t="100000" r="100000"/>
+            </a:path>
+            <a:tileRect l="-100000" b="-100000"/>
+          </a:gradFill>
+        </p:spPr>
+        <p:txBody>
+          <a:bodyPr vert="horz" lIns="91440" tIns="45720" rIns="91440" bIns="45720" rtlCol="0" anchor="ctr">
+            <a:normAutofit/>
+          </a:bodyPr>
+          <a:lstStyle/>
+          <a:p>
+            <a:pPr lvl="0">
+              <a:spcBef>
+                <a:spcPct val="0"/>
+              </a:spcBef>
+            </a:pPr>
+            <a:r>
+              <a:rPr lang="en-US" sz="1600" dirty="0"/>
+              <a:t>https://www.youtube.com/watch?v=UWg3ORRRF60</a:t>
+            </a:r>
+            <a:endParaRPr kumimoji="0" lang="zh-TW" altLang="en-US" sz="1600" b="0" i="0" u="none" strike="noStrike" kern="1200" cap="none" spc="0" normalizeH="0" baseline="0" noProof="0" dirty="0">
+              <a:ln>
+                <a:noFill/>
+              </a:ln>
+              <a:solidFill>
+                <a:schemeClr val="tx1"/>
+              </a:solidFill>
+              <a:effectLst/>
+              <a:uLnTx/>
+              <a:uFillTx/>
+              <a:latin typeface="+mj-lt"/>
+              <a:ea typeface="+mj-ea"/>
+              <a:cs typeface="+mj-cs"/>
+            </a:endParaRPr>
+          </a:p>
+        </p:txBody>
+      </p:sp>
+      <p:sp>
+        <p:nvSpPr>
+          <p:cNvPr id="5" name="日期版面配置區 4"/>
+          <p:cNvSpPr>
+            <a:spLocks noGrp="1"/>
+          </p:cNvSpPr>
+          <p:nvPr>
+            <p:ph type="dt" sz="half" idx="10"/>
+          </p:nvPr>
+        </p:nvSpPr>
+        <p:spPr/>
+        <p:txBody>
+          <a:bodyPr/>
+          <a:lstStyle/>
+          <a:p>
+            <a:fld id="{A4F910E6-8D00-4BAF-8C48-9688E0B449D3}" type="datetime1">
+              <a:rPr lang="zh-TW" altLang="en-US" smtClean="0"/>
+              <a:pPr/>
+              <a:t>2022/11/19</a:t>
+            </a:fld>
+            <a:endParaRPr lang="zh-TW" altLang="en-US"/>
+          </a:p>
+        </p:txBody>
+      </p:sp>
+      <p:sp>
+        <p:nvSpPr>
+          <p:cNvPr id="6" name="投影片編號版面配置區 5"/>
+          <p:cNvSpPr>
+            <a:spLocks noGrp="1"/>
+          </p:cNvSpPr>
+          <p:nvPr>
+            <p:ph type="sldNum" sz="quarter" idx="12"/>
+          </p:nvPr>
+        </p:nvSpPr>
+        <p:spPr/>
+        <p:txBody>
+          <a:bodyPr/>
+          <a:lstStyle/>
+          <a:p>
+            <a:fld id="{E4D7E63D-91F2-4366-A2C4-1B00C9E2590E}" type="slidenum">
+              <a:rPr lang="zh-TW" altLang="en-US" smtClean="0"/>
+              <a:pPr/>
+              <a:t>18</a:t>
+            </a:fld>
+            <a:endParaRPr lang="zh-TW" altLang="en-US"/>
+          </a:p>
+        </p:txBody>
+      </p:sp>
+      <p:pic>
+        <p:nvPicPr>
+          <p:cNvPr id="1026" name="Picture 2">
+            <a:extLst>
+              <a:ext uri="{FF2B5EF4-FFF2-40B4-BE49-F238E27FC236}">
+                <a16:creationId xmlns:a16="http://schemas.microsoft.com/office/drawing/2014/main" id="{D72EB7DB-8631-F2B8-A771-B60385F33AFD}"/>
+              </a:ext>
+            </a:extLst>
+          </p:cNvPr>
+          <p:cNvPicPr>
+            <a:picLocks noChangeAspect="1" noChangeArrowheads="1"/>
+          </p:cNvPicPr>
+          <p:nvPr/>
+        </p:nvPicPr>
+        <p:blipFill>
+          <a:blip r:embed="rId3">
+            <a:extLst>
+              <a:ext uri="{28A0092B-C50C-407E-A947-70E740481C1C}">
+                <a14:useLocalDpi xmlns:a14="http://schemas.microsoft.com/office/drawing/2010/main" val="0"/>
+              </a:ext>
+            </a:extLst>
+          </a:blip>
+          <a:srcRect/>
+          <a:stretch>
+            <a:fillRect/>
+          </a:stretch>
+        </p:blipFill>
+        <p:spPr bwMode="auto">
+          <a:xfrm>
+            <a:off x="5572391" y="4149080"/>
+            <a:ext cx="3506295" cy="2389832"/>
+          </a:xfrm>
+          <a:prstGeom prst="rect">
+            <a:avLst/>
+          </a:prstGeom>
+          <a:noFill/>
+          <a:ln>
+            <a:solidFill>
+              <a:srgbClr val="C00000"/>
+            </a:solidFill>
+          </a:ln>
+          <a:extLst>
+            <a:ext uri="{909E8E84-426E-40DD-AFC4-6F175D3DCCD1}">
+              <a14:hiddenFill xmlns:a14="http://schemas.microsoft.com/office/drawing/2010/main">
+                <a:solidFill>
+                  <a:srgbClr val="FFFFFF"/>
+                </a:solidFill>
+              </a14:hiddenFill>
+            </a:ext>
+          </a:extLst>
+        </p:spPr>
+      </p:pic>
+      <p:sp>
+        <p:nvSpPr>
+          <p:cNvPr id="7" name="副標題 2">
+            <a:extLst>
+              <a:ext uri="{FF2B5EF4-FFF2-40B4-BE49-F238E27FC236}">
+                <a16:creationId xmlns:a16="http://schemas.microsoft.com/office/drawing/2014/main" id="{2AF33080-967F-07E5-A921-BB3E490366BA}"/>
+              </a:ext>
+            </a:extLst>
+          </p:cNvPr>
+          <p:cNvSpPr txBox="1">
+            <a:spLocks/>
+          </p:cNvSpPr>
+          <p:nvPr/>
+        </p:nvSpPr>
+        <p:spPr>
+          <a:xfrm>
+            <a:off x="273360" y="3994914"/>
+            <a:ext cx="5299031" cy="2361435"/>
+          </a:xfrm>
+          <a:prstGeom prst="rect">
+            <a:avLst/>
+          </a:prstGeom>
+          <a:ln>
+            <a:solidFill>
+              <a:srgbClr val="C00000"/>
+            </a:solidFill>
+          </a:ln>
+        </p:spPr>
+        <p:txBody>
+          <a:bodyPr vert="horz" lIns="91440" tIns="45720" rIns="91440" bIns="45720" rtlCol="0">
+            <a:noAutofit/>
+          </a:bodyPr>
+          <a:lstStyle>
+            <a:lvl1pPr marL="0" indent="0" algn="ctr" defTabSz="914400" rtl="0" eaLnBrk="1" latinLnBrk="0" hangingPunct="1">
+              <a:spcBef>
+                <a:spcPct val="20000"/>
+              </a:spcBef>
+              <a:buFont typeface="Arial" pitchFamily="34" charset="0"/>
+              <a:buNone/>
+              <a:defRPr sz="3200" kern="1200">
+                <a:solidFill>
+                  <a:schemeClr val="tx1">
+                    <a:tint val="75000"/>
+                  </a:schemeClr>
+                </a:solidFill>
+                <a:latin typeface="+mn-lt"/>
+                <a:ea typeface="+mn-ea"/>
+                <a:cs typeface="+mn-cs"/>
+              </a:defRPr>
+            </a:lvl1pPr>
+            <a:lvl2pPr marL="457200" indent="0" algn="ctr" defTabSz="914400" rtl="0" eaLnBrk="1" latinLnBrk="0" hangingPunct="1">
+              <a:spcBef>
+                <a:spcPct val="20000"/>
+              </a:spcBef>
+              <a:buFont typeface="Arial" pitchFamily="34" charset="0"/>
+              <a:buNone/>
+              <a:defRPr sz="2800" kern="1200">
+                <a:solidFill>
+                  <a:schemeClr val="tx1">
+                    <a:tint val="75000"/>
+                  </a:schemeClr>
+                </a:solidFill>
+                <a:latin typeface="+mn-lt"/>
+                <a:ea typeface="+mn-ea"/>
+                <a:cs typeface="+mn-cs"/>
+              </a:defRPr>
+            </a:lvl2pPr>
+            <a:lvl3pPr marL="914400" indent="0" algn="ctr" defTabSz="914400" rtl="0" eaLnBrk="1" latinLnBrk="0" hangingPunct="1">
+              <a:spcBef>
+                <a:spcPct val="20000"/>
+              </a:spcBef>
+              <a:buFont typeface="Arial" pitchFamily="34" charset="0"/>
+              <a:buNone/>
+              <a:defRPr sz="2400" kern="1200">
+                <a:solidFill>
+                  <a:schemeClr val="tx1">
+                    <a:tint val="75000"/>
+                  </a:schemeClr>
+                </a:solidFill>
+                <a:latin typeface="+mn-lt"/>
+                <a:ea typeface="+mn-ea"/>
+                <a:cs typeface="+mn-cs"/>
+              </a:defRPr>
+            </a:lvl3pPr>
+            <a:lvl4pPr marL="1371600" indent="0" algn="ctr" defTabSz="914400" rtl="0" eaLnBrk="1" latinLnBrk="0" hangingPunct="1">
+              <a:spcBef>
+                <a:spcPct val="20000"/>
+              </a:spcBef>
+              <a:buFont typeface="Arial" pitchFamily="34" charset="0"/>
+              <a:buNone/>
+              <a:defRPr sz="2000" kern="1200">
+                <a:solidFill>
+                  <a:schemeClr val="tx1">
+                    <a:tint val="75000"/>
+                  </a:schemeClr>
+                </a:solidFill>
+                <a:latin typeface="+mn-lt"/>
+                <a:ea typeface="+mn-ea"/>
+                <a:cs typeface="+mn-cs"/>
+              </a:defRPr>
+            </a:lvl4pPr>
+            <a:lvl5pPr marL="1828800" indent="0" algn="ctr" defTabSz="914400" rtl="0" eaLnBrk="1" latinLnBrk="0" hangingPunct="1">
+              <a:spcBef>
+                <a:spcPct val="20000"/>
+              </a:spcBef>
+              <a:buFont typeface="Arial" pitchFamily="34" charset="0"/>
+              <a:buNone/>
+              <a:defRPr sz="2000" kern="1200">
+                <a:solidFill>
+                  <a:schemeClr val="tx1">
+                    <a:tint val="75000"/>
+                  </a:schemeClr>
+                </a:solidFill>
+                <a:latin typeface="+mn-lt"/>
+                <a:ea typeface="+mn-ea"/>
+                <a:cs typeface="+mn-cs"/>
+              </a:defRPr>
+            </a:lvl5pPr>
+            <a:lvl6pPr marL="2286000" indent="0" algn="ctr" defTabSz="914400" rtl="0" eaLnBrk="1" latinLnBrk="0" hangingPunct="1">
+              <a:spcBef>
+                <a:spcPct val="20000"/>
+              </a:spcBef>
+              <a:buFont typeface="Arial" pitchFamily="34" charset="0"/>
+              <a:buNone/>
+              <a:defRPr sz="2000" kern="1200">
+                <a:solidFill>
+                  <a:schemeClr val="tx1">
+                    <a:tint val="75000"/>
+                  </a:schemeClr>
+                </a:solidFill>
+                <a:latin typeface="+mn-lt"/>
+                <a:ea typeface="+mn-ea"/>
+                <a:cs typeface="+mn-cs"/>
+              </a:defRPr>
+            </a:lvl6pPr>
+            <a:lvl7pPr marL="2743200" indent="0" algn="ctr" defTabSz="914400" rtl="0" eaLnBrk="1" latinLnBrk="0" hangingPunct="1">
+              <a:spcBef>
+                <a:spcPct val="20000"/>
+              </a:spcBef>
+              <a:buFont typeface="Arial" pitchFamily="34" charset="0"/>
+              <a:buNone/>
+              <a:defRPr sz="2000" kern="1200">
+                <a:solidFill>
+                  <a:schemeClr val="tx1">
+                    <a:tint val="75000"/>
+                  </a:schemeClr>
+                </a:solidFill>
+                <a:latin typeface="+mn-lt"/>
+                <a:ea typeface="+mn-ea"/>
+                <a:cs typeface="+mn-cs"/>
+              </a:defRPr>
+            </a:lvl7pPr>
+            <a:lvl8pPr marL="3200400" indent="0" algn="ctr" defTabSz="914400" rtl="0" eaLnBrk="1" latinLnBrk="0" hangingPunct="1">
+              <a:spcBef>
+                <a:spcPct val="20000"/>
+              </a:spcBef>
+              <a:buFont typeface="Arial" pitchFamily="34" charset="0"/>
+              <a:buNone/>
+              <a:defRPr sz="2000" kern="1200">
+                <a:solidFill>
+                  <a:schemeClr val="tx1">
+                    <a:tint val="75000"/>
+                  </a:schemeClr>
+                </a:solidFill>
+                <a:latin typeface="+mn-lt"/>
+                <a:ea typeface="+mn-ea"/>
+                <a:cs typeface="+mn-cs"/>
+              </a:defRPr>
+            </a:lvl8pPr>
+            <a:lvl9pPr marL="3657600" indent="0" algn="ctr" defTabSz="914400" rtl="0" eaLnBrk="1" latinLnBrk="0" hangingPunct="1">
+              <a:spcBef>
+                <a:spcPct val="20000"/>
+              </a:spcBef>
+              <a:buFont typeface="Arial" pitchFamily="34" charset="0"/>
+              <a:buNone/>
+              <a:defRPr sz="2000" kern="1200">
+                <a:solidFill>
+                  <a:schemeClr val="tx1">
+                    <a:tint val="75000"/>
+                  </a:schemeClr>
+                </a:solidFill>
+                <a:latin typeface="+mn-lt"/>
+                <a:ea typeface="+mn-ea"/>
+                <a:cs typeface="+mn-cs"/>
+              </a:defRPr>
+            </a:lvl9pPr>
+          </a:lstStyle>
+          <a:p>
+            <a:pPr marL="342900" indent="-342900" algn="l">
+              <a:buClr>
+                <a:srgbClr val="0070C0"/>
+              </a:buClr>
+              <a:buSzPct val="80000"/>
+              <a:buFont typeface="Wingdings" pitchFamily="2" charset="2"/>
+              <a:buChar char="u"/>
+            </a:pPr>
+            <a:r>
+              <a:rPr lang="en-US" sz="1800" b="0" i="0" dirty="0">
+                <a:solidFill>
+                  <a:srgbClr val="444444"/>
+                </a:solidFill>
+                <a:effectLst/>
+              </a:rPr>
+              <a:t>When using static routing, the computer must also define the outgoing interface to connect to the intermediating router and the interface the intermediating router needs to use to connect to the router belonging to </a:t>
+            </a:r>
+            <a:r>
+              <a:rPr lang="en-US" sz="1800" b="1" i="0" dirty="0">
+                <a:solidFill>
+                  <a:srgbClr val="444444"/>
+                </a:solidFill>
+                <a:effectLst/>
+              </a:rPr>
+              <a:t>NETWORK 2</a:t>
+            </a:r>
+            <a:r>
+              <a:rPr lang="en-US" sz="1800" b="0" i="0" dirty="0">
+                <a:solidFill>
+                  <a:srgbClr val="444444"/>
+                </a:solidFill>
+                <a:effectLst/>
+              </a:rPr>
+              <a:t>. </a:t>
+            </a:r>
+          </a:p>
+          <a:p>
+            <a:pPr marL="342900" indent="-342900" algn="l">
+              <a:buClr>
+                <a:srgbClr val="0070C0"/>
+              </a:buClr>
+              <a:buSzPct val="80000"/>
+              <a:buFont typeface="Wingdings" pitchFamily="2" charset="2"/>
+              <a:buChar char="u"/>
+            </a:pPr>
+            <a:r>
+              <a:rPr lang="en-US" sz="1800" b="0" i="0" dirty="0">
+                <a:solidFill>
+                  <a:srgbClr val="444444"/>
+                </a:solidFill>
+                <a:effectLst/>
+              </a:rPr>
+              <a:t>However, the </a:t>
+            </a:r>
+            <a:r>
+              <a:rPr lang="en-US" sz="1800" b="1" i="0" dirty="0">
+                <a:solidFill>
+                  <a:srgbClr val="444444"/>
+                </a:solidFill>
+                <a:effectLst/>
+              </a:rPr>
+              <a:t>NETWORK 2</a:t>
+            </a:r>
+            <a:r>
+              <a:rPr lang="en-US" sz="1800" b="0" i="0" dirty="0">
+                <a:solidFill>
+                  <a:srgbClr val="444444"/>
+                </a:solidFill>
+                <a:effectLst/>
+              </a:rPr>
+              <a:t> router does not need to be specified in the routing table because it is already connected directly to the destination.</a:t>
+            </a:r>
+            <a:endParaRPr lang="en-US" sz="1800" dirty="0">
+              <a:solidFill>
+                <a:srgbClr val="444444"/>
+              </a:solidFill>
+            </a:endParaRPr>
+          </a:p>
+        </p:txBody>
+      </p:sp>
+    </p:spTree>
+    <p:extLst>
+      <p:ext uri="{BB962C8B-B14F-4D97-AF65-F5344CB8AC3E}">
+        <p14:creationId xmlns:p14="http://schemas.microsoft.com/office/powerpoint/2010/main" val="780223594"/>
+      </p:ext>
+    </p:extLst>
+  </p:cSld>
+  <p:clrMapOvr>
+    <a:masterClrMapping/>
+  </p:clrMapOvr>
+</p:sld>
+</file>
+
+<file path=ppt/slides/slide19.xml><?xml version="1.0" encoding="utf-8"?>
+<p:sld xmlns:a="http://schemas.openxmlformats.org/drawingml/2006/main" xmlns:r="http://schemas.openxmlformats.org/officeDocument/2006/relationships" xmlns:p="http://schemas.openxmlformats.org/presentationml/2006/main">
+  <p:cSld>
+    <p:spTree>
+      <p:nvGrpSpPr>
+        <p:cNvPr id="1" name=""/>
+        <p:cNvGrpSpPr/>
+        <p:nvPr/>
+      </p:nvGrpSpPr>
+      <p:grpSpPr>
+        <a:xfrm>
+          <a:off x="0" y="0"/>
+          <a:ext cx="0" cy="0"/>
+          <a:chOff x="0" y="0"/>
+          <a:chExt cx="0" cy="0"/>
+        </a:xfrm>
+      </p:grpSpPr>
+      <p:sp>
+        <p:nvSpPr>
+          <p:cNvPr id="2" name="標題 1"/>
+          <p:cNvSpPr>
+            <a:spLocks noGrp="1"/>
+          </p:cNvSpPr>
+          <p:nvPr>
+            <p:ph type="ctrTitle"/>
+          </p:nvPr>
+        </p:nvSpPr>
+        <p:spPr>
+          <a:xfrm>
+            <a:off x="0" y="1"/>
+            <a:ext cx="9144000" cy="764704"/>
+          </a:xfrm>
+          <a:gradFill flip="none" rotWithShape="1">
+            <a:gsLst>
+              <a:gs pos="0">
+                <a:srgbClr val="C00000">
+                  <a:shade val="30000"/>
+                  <a:satMod val="115000"/>
+                </a:srgbClr>
+              </a:gs>
+              <a:gs pos="50000">
+                <a:srgbClr val="C00000">
+                  <a:shade val="67500"/>
+                  <a:satMod val="115000"/>
+                </a:srgbClr>
+              </a:gs>
+              <a:gs pos="100000">
+                <a:srgbClr val="C00000">
+                  <a:shade val="100000"/>
+                  <a:satMod val="115000"/>
+                </a:srgbClr>
+              </a:gs>
+            </a:gsLst>
+            <a:path path="circle">
+              <a:fillToRect t="100000" r="100000"/>
+            </a:path>
+            <a:tileRect l="-100000" b="-100000"/>
+          </a:gradFill>
+        </p:spPr>
+        <p:txBody>
+          <a:bodyPr>
+            <a:normAutofit/>
+          </a:bodyPr>
+          <a:lstStyle/>
+          <a:p>
+            <a:pPr algn="l"/>
+            <a:r>
+              <a:rPr lang="en-US" altLang="zh-TW" sz="4400" b="1" dirty="0">
+                <a:solidFill>
+                  <a:srgbClr val="FFFF00"/>
+                </a:solidFill>
+              </a:rPr>
+              <a:t>0.2 Communication between Routers</a:t>
+            </a:r>
+            <a:endParaRPr lang="zh-TW" altLang="en-US" b="1" dirty="0">
+              <a:solidFill>
+                <a:srgbClr val="FFFF00"/>
+              </a:solidFill>
+            </a:endParaRPr>
+          </a:p>
+        </p:txBody>
+      </p:sp>
+      <p:sp>
+        <p:nvSpPr>
+          <p:cNvPr id="3" name="副標題 2"/>
+          <p:cNvSpPr>
+            <a:spLocks noGrp="1"/>
+          </p:cNvSpPr>
+          <p:nvPr>
+            <p:ph type="subTitle" idx="1"/>
+          </p:nvPr>
+        </p:nvSpPr>
+        <p:spPr>
+          <a:xfrm>
+            <a:off x="299418" y="1353624"/>
+            <a:ext cx="8593061" cy="3099446"/>
+          </a:xfrm>
+          <a:ln>
+            <a:solidFill>
+              <a:srgbClr val="C00000"/>
+            </a:solidFill>
+          </a:ln>
+        </p:spPr>
+        <p:txBody>
+          <a:bodyPr>
+            <a:noAutofit/>
+          </a:bodyPr>
+          <a:lstStyle/>
+          <a:p>
+            <a:pPr marL="342900" indent="-342900" algn="l">
+              <a:buClr>
+                <a:srgbClr val="0070C0"/>
+              </a:buClr>
+              <a:buSzPct val="80000"/>
+              <a:buFont typeface="Wingdings" pitchFamily="2" charset="2"/>
+              <a:buChar char="u"/>
+            </a:pPr>
+            <a:r>
+              <a:rPr lang="en-US" sz="1800" b="1" dirty="0">
+                <a:solidFill>
+                  <a:srgbClr val="C00000"/>
+                </a:solidFill>
+              </a:rPr>
+              <a:t>Route add: Create a Route between Two Routers</a:t>
+            </a:r>
+          </a:p>
+          <a:p>
+            <a:pPr marL="342900" indent="-342900" algn="l">
+              <a:buClr>
+                <a:srgbClr val="0070C0"/>
+              </a:buClr>
+              <a:buSzPct val="80000"/>
+              <a:buFont typeface="Wingdings" pitchFamily="2" charset="2"/>
+              <a:buChar char="u"/>
+            </a:pPr>
+            <a:r>
+              <a:rPr lang="en-US" sz="1800" dirty="0">
+                <a:solidFill>
+                  <a:srgbClr val="C00000"/>
+                </a:solidFill>
+                <a:hlinkClick r:id="rId2"/>
+              </a:rPr>
+              <a:t>https://linuxhint.com/route-add-command-linux/#:~:text=The%20command%20you%20are%20looking,chosen%20routing%20method%20explained%20below</a:t>
+            </a:r>
+            <a:r>
+              <a:rPr lang="en-US" sz="1800" dirty="0">
+                <a:solidFill>
+                  <a:srgbClr val="C00000"/>
+                </a:solidFill>
+              </a:rPr>
+              <a:t>.</a:t>
+            </a:r>
+          </a:p>
+          <a:p>
+            <a:pPr marL="342900" indent="-342900" algn="l">
+              <a:buClr>
+                <a:srgbClr val="0070C0"/>
+              </a:buClr>
+              <a:buSzPct val="80000"/>
+              <a:buFont typeface="Wingdings" pitchFamily="2" charset="2"/>
+              <a:buChar char="u"/>
+            </a:pPr>
+            <a:r>
+              <a:rPr lang="en-US" sz="1800" dirty="0">
+                <a:solidFill>
+                  <a:srgbClr val="444444"/>
+                </a:solidFill>
+              </a:rPr>
+              <a:t>The network devices allow connectivity between two networks is called “</a:t>
+            </a:r>
+            <a:r>
+              <a:rPr lang="en-US" sz="1800" b="1" dirty="0">
+                <a:solidFill>
+                  <a:srgbClr val="444444"/>
+                </a:solidFill>
+              </a:rPr>
+              <a:t>gateways</a:t>
+            </a:r>
+            <a:r>
+              <a:rPr lang="en-US" sz="1800" dirty="0">
+                <a:solidFill>
+                  <a:srgbClr val="444444"/>
+                </a:solidFill>
+              </a:rPr>
+              <a:t>”. </a:t>
+            </a:r>
+          </a:p>
+          <a:p>
+            <a:pPr marL="342900" indent="-342900" algn="l">
+              <a:buClr>
+                <a:srgbClr val="0070C0"/>
+              </a:buClr>
+              <a:buSzPct val="80000"/>
+              <a:buFont typeface="Wingdings" pitchFamily="2" charset="2"/>
+              <a:buChar char="u"/>
+            </a:pPr>
+            <a:r>
+              <a:rPr lang="en-US" sz="1800" dirty="0">
+                <a:solidFill>
+                  <a:srgbClr val="444444"/>
+                </a:solidFill>
+              </a:rPr>
+              <a:t>Gateways must have two network cards, each connected to the networks we want to connect between them.</a:t>
+            </a:r>
+          </a:p>
+          <a:p>
+            <a:pPr marL="342900" indent="-342900" algn="l">
+              <a:buClr>
+                <a:srgbClr val="0070C0"/>
+              </a:buClr>
+              <a:buSzPct val="80000"/>
+              <a:buFont typeface="Wingdings" pitchFamily="2" charset="2"/>
+              <a:buChar char="u"/>
+            </a:pPr>
+            <a:r>
+              <a:rPr lang="en-US" sz="1800" b="0" i="0" dirty="0">
+                <a:solidFill>
+                  <a:srgbClr val="444444"/>
+                </a:solidFill>
+                <a:effectLst/>
+              </a:rPr>
+              <a:t>If a client from the NETWORK 2 wants to connect to NETWORK 1 (Inverse), it also will be required to add the inverse route or path (including its router but without including the </a:t>
+            </a:r>
+            <a:r>
+              <a:rPr lang="en-US" sz="1800" b="1" i="0" dirty="0">
+                <a:solidFill>
+                  <a:srgbClr val="444444"/>
+                </a:solidFill>
+                <a:effectLst/>
+              </a:rPr>
+              <a:t>NETWORK 1</a:t>
+            </a:r>
+            <a:r>
+              <a:rPr lang="en-US" sz="1800" b="0" i="0" dirty="0">
+                <a:solidFill>
+                  <a:srgbClr val="444444"/>
+                </a:solidFill>
+                <a:effectLst/>
+              </a:rPr>
+              <a:t> router, which is already connected to </a:t>
+            </a:r>
+            <a:r>
+              <a:rPr lang="en-US" sz="1800" b="1" i="0" dirty="0">
+                <a:solidFill>
+                  <a:srgbClr val="444444"/>
+                </a:solidFill>
+                <a:effectLst/>
+              </a:rPr>
+              <a:t>NETWORK 1</a:t>
+            </a:r>
+            <a:r>
+              <a:rPr lang="en-US" sz="1800" b="0" i="0" dirty="0">
+                <a:solidFill>
+                  <a:srgbClr val="444444"/>
+                </a:solidFill>
+                <a:effectLst/>
+              </a:rPr>
+              <a:t>).</a:t>
+            </a:r>
+          </a:p>
+          <a:p>
+            <a:pPr marL="342900" indent="-342900" algn="l">
+              <a:buClr>
+                <a:srgbClr val="0070C0"/>
+              </a:buClr>
+              <a:buSzPct val="80000"/>
+              <a:buFont typeface="Wingdings" pitchFamily="2" charset="2"/>
+              <a:buChar char="u"/>
+            </a:pPr>
+            <a:endParaRPr lang="en-US" sz="1800" dirty="0">
+              <a:solidFill>
+                <a:srgbClr val="444444"/>
+              </a:solidFill>
+            </a:endParaRPr>
+          </a:p>
+        </p:txBody>
+      </p:sp>
+      <p:sp>
+        <p:nvSpPr>
+          <p:cNvPr id="4" name="標題 1"/>
+          <p:cNvSpPr txBox="1">
+            <a:spLocks/>
+          </p:cNvSpPr>
+          <p:nvPr/>
+        </p:nvSpPr>
+        <p:spPr>
+          <a:xfrm>
+            <a:off x="0" y="764704"/>
+            <a:ext cx="9144000" cy="360040"/>
+          </a:xfrm>
+          <a:prstGeom prst="rect">
+            <a:avLst/>
+          </a:prstGeom>
+          <a:gradFill flip="none" rotWithShape="1">
+            <a:gsLst>
+              <a:gs pos="0">
+                <a:srgbClr val="00B0F0">
+                  <a:shade val="30000"/>
+                  <a:satMod val="115000"/>
+                </a:srgbClr>
+              </a:gs>
+              <a:gs pos="50000">
+                <a:srgbClr val="00B0F0">
+                  <a:shade val="67500"/>
+                  <a:satMod val="115000"/>
+                </a:srgbClr>
+              </a:gs>
+              <a:gs pos="100000">
+                <a:srgbClr val="00B0F0">
+                  <a:shade val="100000"/>
+                  <a:satMod val="115000"/>
+                </a:srgbClr>
+              </a:gs>
+            </a:gsLst>
+            <a:path path="circle">
+              <a:fillToRect t="100000" r="100000"/>
+            </a:path>
+            <a:tileRect l="-100000" b="-100000"/>
+          </a:gradFill>
+        </p:spPr>
+        <p:txBody>
+          <a:bodyPr vert="horz" lIns="91440" tIns="45720" rIns="91440" bIns="45720" rtlCol="0" anchor="ctr">
+            <a:normAutofit/>
+          </a:bodyPr>
+          <a:lstStyle/>
+          <a:p>
+            <a:pPr lvl="0">
+              <a:spcBef>
+                <a:spcPct val="0"/>
+              </a:spcBef>
+            </a:pPr>
+            <a:r>
+              <a:rPr lang="en-US" sz="1600" dirty="0"/>
+              <a:t>https://www.youtube.com/watch?v=UWg3ORRRF60</a:t>
+            </a:r>
+            <a:endParaRPr kumimoji="0" lang="zh-TW" altLang="en-US" sz="1600" b="0" i="0" u="none" strike="noStrike" kern="1200" cap="none" spc="0" normalizeH="0" baseline="0" noProof="0" dirty="0">
+              <a:ln>
+                <a:noFill/>
+              </a:ln>
+              <a:solidFill>
+                <a:schemeClr val="tx1"/>
+              </a:solidFill>
+              <a:effectLst/>
+              <a:uLnTx/>
+              <a:uFillTx/>
+              <a:latin typeface="+mj-lt"/>
+              <a:ea typeface="+mj-ea"/>
+              <a:cs typeface="+mj-cs"/>
+            </a:endParaRPr>
+          </a:p>
+        </p:txBody>
+      </p:sp>
+      <p:sp>
+        <p:nvSpPr>
+          <p:cNvPr id="5" name="日期版面配置區 4"/>
+          <p:cNvSpPr>
+            <a:spLocks noGrp="1"/>
+          </p:cNvSpPr>
+          <p:nvPr>
+            <p:ph type="dt" sz="half" idx="10"/>
+          </p:nvPr>
+        </p:nvSpPr>
+        <p:spPr/>
+        <p:txBody>
+          <a:bodyPr/>
+          <a:lstStyle/>
+          <a:p>
+            <a:fld id="{A4F910E6-8D00-4BAF-8C48-9688E0B449D3}" type="datetime1">
+              <a:rPr lang="zh-TW" altLang="en-US" smtClean="0"/>
+              <a:pPr/>
+              <a:t>2022/11/19</a:t>
+            </a:fld>
+            <a:endParaRPr lang="zh-TW" altLang="en-US"/>
+          </a:p>
+        </p:txBody>
+      </p:sp>
+      <p:sp>
+        <p:nvSpPr>
+          <p:cNvPr id="6" name="投影片編號版面配置區 5"/>
+          <p:cNvSpPr>
+            <a:spLocks noGrp="1"/>
+          </p:cNvSpPr>
+          <p:nvPr>
+            <p:ph type="sldNum" sz="quarter" idx="12"/>
+          </p:nvPr>
+        </p:nvSpPr>
+        <p:spPr/>
+        <p:txBody>
+          <a:bodyPr/>
+          <a:lstStyle/>
+          <a:p>
+            <a:fld id="{E4D7E63D-91F2-4366-A2C4-1B00C9E2590E}" type="slidenum">
+              <a:rPr lang="zh-TW" altLang="en-US" smtClean="0"/>
+              <a:pPr/>
+              <a:t>19</a:t>
+            </a:fld>
+            <a:endParaRPr lang="zh-TW" altLang="en-US"/>
+          </a:p>
+        </p:txBody>
+      </p:sp>
+      <p:pic>
+        <p:nvPicPr>
+          <p:cNvPr id="1026" name="Picture 2">
+            <a:extLst>
+              <a:ext uri="{FF2B5EF4-FFF2-40B4-BE49-F238E27FC236}">
+                <a16:creationId xmlns:a16="http://schemas.microsoft.com/office/drawing/2014/main" id="{D72EB7DB-8631-F2B8-A771-B60385F33AFD}"/>
+              </a:ext>
+            </a:extLst>
+          </p:cNvPr>
+          <p:cNvPicPr>
+            <a:picLocks noChangeAspect="1" noChangeArrowheads="1"/>
+          </p:cNvPicPr>
+          <p:nvPr/>
+        </p:nvPicPr>
+        <p:blipFill>
+          <a:blip r:embed="rId3">
+            <a:extLst>
+              <a:ext uri="{28A0092B-C50C-407E-A947-70E740481C1C}">
+                <a14:useLocalDpi xmlns:a14="http://schemas.microsoft.com/office/drawing/2010/main" val="0"/>
+              </a:ext>
+            </a:extLst>
+          </a:blip>
+          <a:srcRect/>
+          <a:stretch>
+            <a:fillRect/>
+          </a:stretch>
+        </p:blipFill>
+        <p:spPr bwMode="auto">
+          <a:xfrm>
+            <a:off x="6084168" y="4453070"/>
+            <a:ext cx="2808311" cy="1914098"/>
+          </a:xfrm>
+          <a:prstGeom prst="rect">
+            <a:avLst/>
+          </a:prstGeom>
+          <a:noFill/>
+          <a:ln>
+            <a:solidFill>
+              <a:srgbClr val="C00000"/>
+            </a:solidFill>
+          </a:ln>
+          <a:extLst>
+            <a:ext uri="{909E8E84-426E-40DD-AFC4-6F175D3DCCD1}">
+              <a14:hiddenFill xmlns:a14="http://schemas.microsoft.com/office/drawing/2010/main">
+                <a:solidFill>
+                  <a:srgbClr val="FFFFFF"/>
+                </a:solidFill>
+              </a14:hiddenFill>
+            </a:ext>
+          </a:extLst>
+        </p:spPr>
+      </p:pic>
+      <p:sp>
+        <p:nvSpPr>
+          <p:cNvPr id="8" name="副標題 2">
+            <a:extLst>
+              <a:ext uri="{FF2B5EF4-FFF2-40B4-BE49-F238E27FC236}">
+                <a16:creationId xmlns:a16="http://schemas.microsoft.com/office/drawing/2014/main" id="{4B1C97DA-E6EA-9C41-FA5A-9FB826C07DC0}"/>
+              </a:ext>
+            </a:extLst>
+          </p:cNvPr>
+          <p:cNvSpPr txBox="1">
+            <a:spLocks/>
+          </p:cNvSpPr>
+          <p:nvPr/>
+        </p:nvSpPr>
+        <p:spPr>
+          <a:xfrm>
+            <a:off x="310304" y="4537175"/>
+            <a:ext cx="5579071" cy="1556121"/>
+          </a:xfrm>
+          <a:prstGeom prst="rect">
+            <a:avLst/>
+          </a:prstGeom>
+          <a:ln>
+            <a:solidFill>
+              <a:srgbClr val="C00000"/>
+            </a:solidFill>
+          </a:ln>
+        </p:spPr>
+        <p:txBody>
+          <a:bodyPr vert="horz" lIns="91440" tIns="45720" rIns="91440" bIns="45720" rtlCol="0">
+            <a:noAutofit/>
+          </a:bodyPr>
+          <a:lstStyle>
+            <a:lvl1pPr marL="0" indent="0" algn="ctr" defTabSz="914400" rtl="0" eaLnBrk="1" latinLnBrk="0" hangingPunct="1">
+              <a:spcBef>
+                <a:spcPct val="20000"/>
+              </a:spcBef>
+              <a:buFont typeface="Arial" pitchFamily="34" charset="0"/>
+              <a:buNone/>
+              <a:defRPr sz="3200" kern="1200">
+                <a:solidFill>
+                  <a:schemeClr val="tx1">
+                    <a:tint val="75000"/>
+                  </a:schemeClr>
+                </a:solidFill>
+                <a:latin typeface="+mn-lt"/>
+                <a:ea typeface="+mn-ea"/>
+                <a:cs typeface="+mn-cs"/>
+              </a:defRPr>
+            </a:lvl1pPr>
+            <a:lvl2pPr marL="457200" indent="0" algn="ctr" defTabSz="914400" rtl="0" eaLnBrk="1" latinLnBrk="0" hangingPunct="1">
+              <a:spcBef>
+                <a:spcPct val="20000"/>
+              </a:spcBef>
+              <a:buFont typeface="Arial" pitchFamily="34" charset="0"/>
+              <a:buNone/>
+              <a:defRPr sz="2800" kern="1200">
+                <a:solidFill>
+                  <a:schemeClr val="tx1">
+                    <a:tint val="75000"/>
+                  </a:schemeClr>
+                </a:solidFill>
+                <a:latin typeface="+mn-lt"/>
+                <a:ea typeface="+mn-ea"/>
+                <a:cs typeface="+mn-cs"/>
+              </a:defRPr>
+            </a:lvl2pPr>
+            <a:lvl3pPr marL="914400" indent="0" algn="ctr" defTabSz="914400" rtl="0" eaLnBrk="1" latinLnBrk="0" hangingPunct="1">
+              <a:spcBef>
+                <a:spcPct val="20000"/>
+              </a:spcBef>
+              <a:buFont typeface="Arial" pitchFamily="34" charset="0"/>
+              <a:buNone/>
+              <a:defRPr sz="2400" kern="1200">
+                <a:solidFill>
+                  <a:schemeClr val="tx1">
+                    <a:tint val="75000"/>
+                  </a:schemeClr>
+                </a:solidFill>
+                <a:latin typeface="+mn-lt"/>
+                <a:ea typeface="+mn-ea"/>
+                <a:cs typeface="+mn-cs"/>
+              </a:defRPr>
+            </a:lvl3pPr>
+            <a:lvl4pPr marL="1371600" indent="0" algn="ctr" defTabSz="914400" rtl="0" eaLnBrk="1" latinLnBrk="0" hangingPunct="1">
+              <a:spcBef>
+                <a:spcPct val="20000"/>
+              </a:spcBef>
+              <a:buFont typeface="Arial" pitchFamily="34" charset="0"/>
+              <a:buNone/>
+              <a:defRPr sz="2000" kern="1200">
+                <a:solidFill>
+                  <a:schemeClr val="tx1">
+                    <a:tint val="75000"/>
+                  </a:schemeClr>
+                </a:solidFill>
+                <a:latin typeface="+mn-lt"/>
+                <a:ea typeface="+mn-ea"/>
+                <a:cs typeface="+mn-cs"/>
+              </a:defRPr>
+            </a:lvl4pPr>
+            <a:lvl5pPr marL="1828800" indent="0" algn="ctr" defTabSz="914400" rtl="0" eaLnBrk="1" latinLnBrk="0" hangingPunct="1">
+              <a:spcBef>
+                <a:spcPct val="20000"/>
+              </a:spcBef>
+              <a:buFont typeface="Arial" pitchFamily="34" charset="0"/>
+              <a:buNone/>
+              <a:defRPr sz="2000" kern="1200">
+                <a:solidFill>
+                  <a:schemeClr val="tx1">
+                    <a:tint val="75000"/>
+                  </a:schemeClr>
+                </a:solidFill>
+                <a:latin typeface="+mn-lt"/>
+                <a:ea typeface="+mn-ea"/>
+                <a:cs typeface="+mn-cs"/>
+              </a:defRPr>
+            </a:lvl5pPr>
+            <a:lvl6pPr marL="2286000" indent="0" algn="ctr" defTabSz="914400" rtl="0" eaLnBrk="1" latinLnBrk="0" hangingPunct="1">
+              <a:spcBef>
+                <a:spcPct val="20000"/>
+              </a:spcBef>
+              <a:buFont typeface="Arial" pitchFamily="34" charset="0"/>
+              <a:buNone/>
+              <a:defRPr sz="2000" kern="1200">
+                <a:solidFill>
+                  <a:schemeClr val="tx1">
+                    <a:tint val="75000"/>
+                  </a:schemeClr>
+                </a:solidFill>
+                <a:latin typeface="+mn-lt"/>
+                <a:ea typeface="+mn-ea"/>
+                <a:cs typeface="+mn-cs"/>
+              </a:defRPr>
+            </a:lvl6pPr>
+            <a:lvl7pPr marL="2743200" indent="0" algn="ctr" defTabSz="914400" rtl="0" eaLnBrk="1" latinLnBrk="0" hangingPunct="1">
+              <a:spcBef>
+                <a:spcPct val="20000"/>
+              </a:spcBef>
+              <a:buFont typeface="Arial" pitchFamily="34" charset="0"/>
+              <a:buNone/>
+              <a:defRPr sz="2000" kern="1200">
+                <a:solidFill>
+                  <a:schemeClr val="tx1">
+                    <a:tint val="75000"/>
+                  </a:schemeClr>
+                </a:solidFill>
+                <a:latin typeface="+mn-lt"/>
+                <a:ea typeface="+mn-ea"/>
+                <a:cs typeface="+mn-cs"/>
+              </a:defRPr>
+            </a:lvl7pPr>
+            <a:lvl8pPr marL="3200400" indent="0" algn="ctr" defTabSz="914400" rtl="0" eaLnBrk="1" latinLnBrk="0" hangingPunct="1">
+              <a:spcBef>
+                <a:spcPct val="20000"/>
+              </a:spcBef>
+              <a:buFont typeface="Arial" pitchFamily="34" charset="0"/>
+              <a:buNone/>
+              <a:defRPr sz="2000" kern="1200">
+                <a:solidFill>
+                  <a:schemeClr val="tx1">
+                    <a:tint val="75000"/>
+                  </a:schemeClr>
+                </a:solidFill>
+                <a:latin typeface="+mn-lt"/>
+                <a:ea typeface="+mn-ea"/>
+                <a:cs typeface="+mn-cs"/>
+              </a:defRPr>
+            </a:lvl8pPr>
+            <a:lvl9pPr marL="3657600" indent="0" algn="ctr" defTabSz="914400" rtl="0" eaLnBrk="1" latinLnBrk="0" hangingPunct="1">
+              <a:spcBef>
+                <a:spcPct val="20000"/>
+              </a:spcBef>
+              <a:buFont typeface="Arial" pitchFamily="34" charset="0"/>
+              <a:buNone/>
+              <a:defRPr sz="2000" kern="1200">
+                <a:solidFill>
+                  <a:schemeClr val="tx1">
+                    <a:tint val="75000"/>
+                  </a:schemeClr>
+                </a:solidFill>
+                <a:latin typeface="+mn-lt"/>
+                <a:ea typeface="+mn-ea"/>
+                <a:cs typeface="+mn-cs"/>
+              </a:defRPr>
+            </a:lvl9pPr>
+          </a:lstStyle>
+          <a:p>
+            <a:pPr marL="342900" indent="-342900" algn="l">
+              <a:buClr>
+                <a:srgbClr val="0070C0"/>
+              </a:buClr>
+              <a:buSzPct val="80000"/>
+              <a:buFont typeface="Wingdings" pitchFamily="2" charset="2"/>
+              <a:buChar char="u"/>
+            </a:pPr>
+            <a:r>
+              <a:rPr lang="en-US" sz="1800" b="0" i="0" dirty="0">
+                <a:solidFill>
+                  <a:srgbClr val="444444"/>
+                </a:solidFill>
+                <a:effectLst/>
+              </a:rPr>
+              <a:t>Static routes are the fastest and safest routing method. </a:t>
+            </a:r>
+          </a:p>
+          <a:p>
+            <a:pPr marL="342900" indent="-342900" algn="l">
+              <a:buClr>
+                <a:srgbClr val="0070C0"/>
+              </a:buClr>
+              <a:buSzPct val="80000"/>
+              <a:buFont typeface="Wingdings" pitchFamily="2" charset="2"/>
+              <a:buChar char="u"/>
+            </a:pPr>
+            <a:r>
+              <a:rPr lang="en-US" sz="1800" b="0" i="0" dirty="0">
+                <a:solidFill>
+                  <a:srgbClr val="444444"/>
+                </a:solidFill>
+                <a:effectLst/>
+              </a:rPr>
+              <a:t>It is fast because clients provide routing devices the full path, while routers must learn them by themselves in other methods.</a:t>
+            </a:r>
+            <a:endParaRPr lang="en-US" sz="1800" dirty="0">
+              <a:solidFill>
+                <a:srgbClr val="444444"/>
+              </a:solidFill>
+            </a:endParaRPr>
+          </a:p>
+        </p:txBody>
+      </p:sp>
+    </p:spTree>
+    <p:extLst>
+      <p:ext uri="{BB962C8B-B14F-4D97-AF65-F5344CB8AC3E}">
+        <p14:creationId xmlns:p14="http://schemas.microsoft.com/office/powerpoint/2010/main" val="2344001703"/>
+      </p:ext>
+    </p:extLst>
+  </p:cSld>
+  <p:clrMapOvr>
+    <a:masterClrMapping/>
+  </p:clrMapOvr>
+</p:sld>
+</file>
+
+<file path=ppt/slides/slide2.xml><?xml version="1.0" encoding="utf-8"?>
+<p:sld xmlns:a="http://schemas.openxmlformats.org/drawingml/2006/main" xmlns:r="http://schemas.openxmlformats.org/officeDocument/2006/relationships" xmlns:p="http://schemas.openxmlformats.org/presentationml/2006/main">
+  <p:cSld>
+    <p:spTree>
+      <p:nvGrpSpPr>
+        <p:cNvPr id="1" name=""/>
+        <p:cNvGrpSpPr/>
+        <p:nvPr/>
+      </p:nvGrpSpPr>
+      <p:grpSpPr>
+        <a:xfrm>
+          <a:off x="0" y="0"/>
+          <a:ext cx="0" cy="0"/>
+          <a:chOff x="0" y="0"/>
+          <a:chExt cx="0" cy="0"/>
+        </a:xfrm>
+      </p:grpSpPr>
+      <p:sp>
+        <p:nvSpPr>
+          <p:cNvPr id="2" name="標題 1"/>
+          <p:cNvSpPr>
+            <a:spLocks noGrp="1"/>
+          </p:cNvSpPr>
+          <p:nvPr>
+            <p:ph type="ctrTitle"/>
+          </p:nvPr>
+        </p:nvSpPr>
+        <p:spPr>
+          <a:xfrm>
+            <a:off x="0" y="1"/>
+            <a:ext cx="9144000" cy="764704"/>
+          </a:xfrm>
+          <a:gradFill flip="none" rotWithShape="1">
+            <a:gsLst>
+              <a:gs pos="0">
+                <a:srgbClr val="C00000">
+                  <a:shade val="30000"/>
+                  <a:satMod val="115000"/>
+                </a:srgbClr>
+              </a:gs>
+              <a:gs pos="50000">
+                <a:srgbClr val="C00000">
+                  <a:shade val="67500"/>
+                  <a:satMod val="115000"/>
+                </a:srgbClr>
+              </a:gs>
+              <a:gs pos="100000">
+                <a:srgbClr val="C00000">
+                  <a:shade val="100000"/>
+                  <a:satMod val="115000"/>
+                </a:srgbClr>
+              </a:gs>
+            </a:gsLst>
+            <a:path path="circle">
+              <a:fillToRect t="100000" r="100000"/>
+            </a:path>
+            <a:tileRect l="-100000" b="-100000"/>
+          </a:gradFill>
+        </p:spPr>
+        <p:txBody>
+          <a:bodyPr>
+            <a:normAutofit/>
+          </a:bodyPr>
+          <a:lstStyle/>
+          <a:p>
+            <a:pPr algn="l"/>
+            <a:r>
+              <a:rPr lang="en-US" altLang="zh-TW" sz="4400" b="1" dirty="0">
+                <a:solidFill>
+                  <a:srgbClr val="FFFF00"/>
+                </a:solidFill>
+              </a:rPr>
+              <a:t>0 Install Kubernetes: Introduction</a:t>
+            </a:r>
+            <a:endParaRPr lang="zh-TW" altLang="en-US" b="1" dirty="0">
+              <a:solidFill>
+                <a:srgbClr val="FFFF00"/>
+              </a:solidFill>
+            </a:endParaRPr>
+          </a:p>
+        </p:txBody>
+      </p:sp>
+      <p:sp>
+        <p:nvSpPr>
+          <p:cNvPr id="3" name="副標題 2"/>
+          <p:cNvSpPr>
+            <a:spLocks noGrp="1"/>
+          </p:cNvSpPr>
+          <p:nvPr>
+            <p:ph type="subTitle" idx="1"/>
+          </p:nvPr>
+        </p:nvSpPr>
+        <p:spPr>
+          <a:xfrm>
+            <a:off x="491331" y="1224078"/>
+            <a:ext cx="5808861" cy="2204921"/>
+          </a:xfrm>
+          <a:ln>
+            <a:solidFill>
+              <a:srgbClr val="C00000"/>
+            </a:solidFill>
+          </a:ln>
+        </p:spPr>
+        <p:txBody>
+          <a:bodyPr>
+            <a:noAutofit/>
+          </a:bodyPr>
+          <a:lstStyle/>
+          <a:p>
+            <a:pPr marL="342900" indent="-342900" algn="l">
+              <a:buClr>
+                <a:srgbClr val="0070C0"/>
+              </a:buClr>
+              <a:buSzPct val="80000"/>
+              <a:buFont typeface="Wingdings" pitchFamily="2" charset="2"/>
+              <a:buChar char="u"/>
+            </a:pPr>
+            <a:r>
+              <a:rPr lang="en-US" sz="1800" b="1" i="0" dirty="0">
+                <a:solidFill>
+                  <a:schemeClr val="tx1"/>
+                </a:solidFill>
+                <a:effectLst/>
+              </a:rPr>
+              <a:t>Install Kubernetes: Introduction</a:t>
+            </a:r>
+          </a:p>
+          <a:p>
+            <a:pPr marL="342900" indent="-342900" algn="l">
+              <a:buClr>
+                <a:srgbClr val="0070C0"/>
+              </a:buClr>
+              <a:buSzPct val="80000"/>
+              <a:buFont typeface="Wingdings" pitchFamily="2" charset="2"/>
+              <a:buChar char="u"/>
+            </a:pPr>
+            <a:r>
+              <a:rPr lang="en-US" sz="1800" b="0" i="0" dirty="0">
+                <a:solidFill>
+                  <a:srgbClr val="000000"/>
+                </a:solidFill>
+                <a:effectLst/>
+              </a:rPr>
+              <a:t>The </a:t>
+            </a:r>
+            <a:r>
+              <a:rPr lang="en-US" sz="1800" dirty="0">
+                <a:solidFill>
+                  <a:srgbClr val="000000"/>
+                </a:solidFill>
+              </a:rPr>
+              <a:t>installation includes the followings:</a:t>
+            </a:r>
+            <a:endParaRPr lang="en-US" sz="1800" b="0" i="0" dirty="0">
+              <a:solidFill>
+                <a:srgbClr val="000000"/>
+              </a:solidFill>
+              <a:effectLst/>
+            </a:endParaRPr>
+          </a:p>
+          <a:p>
+            <a:pPr marL="342900" indent="-342900" algn="l">
+              <a:buClr>
+                <a:srgbClr val="0070C0"/>
+              </a:buClr>
+              <a:buSzPct val="80000"/>
+              <a:buFont typeface="Wingdings" pitchFamily="2" charset="2"/>
+              <a:buChar char="u"/>
+            </a:pPr>
+            <a:r>
+              <a:rPr lang="en-US" sz="1800" dirty="0">
+                <a:solidFill>
+                  <a:srgbClr val="000000"/>
+                </a:solidFill>
+              </a:rPr>
+              <a:t>1. At Both Master and Slave Nodes: </a:t>
+            </a:r>
+            <a:r>
+              <a:rPr lang="en-US" sz="1800" b="0" i="0" dirty="0">
+                <a:solidFill>
+                  <a:srgbClr val="000000"/>
+                </a:solidFill>
+                <a:effectLst/>
+              </a:rPr>
+              <a:t>five steps (1.1-1.5) to install Kubernetes</a:t>
+            </a:r>
+            <a:endParaRPr lang="en-US" sz="1800" dirty="0">
+              <a:solidFill>
+                <a:srgbClr val="000000"/>
+              </a:solidFill>
+            </a:endParaRPr>
+          </a:p>
+          <a:p>
+            <a:pPr marL="342900" indent="-342900" algn="l">
+              <a:buClr>
+                <a:srgbClr val="0070C0"/>
+              </a:buClr>
+              <a:buSzPct val="80000"/>
+              <a:buFont typeface="Wingdings" pitchFamily="2" charset="2"/>
+              <a:buChar char="u"/>
+            </a:pPr>
+            <a:r>
+              <a:rPr lang="en-US" sz="1800" b="0" i="0" dirty="0">
+                <a:solidFill>
+                  <a:srgbClr val="000000"/>
+                </a:solidFill>
+                <a:effectLst/>
+              </a:rPr>
+              <a:t>2. Master Node: </a:t>
+            </a:r>
+            <a:r>
+              <a:rPr lang="en-US" sz="1800" dirty="0">
+                <a:solidFill>
+                  <a:srgbClr val="000000"/>
+                </a:solidFill>
+              </a:rPr>
+              <a:t>three commands (2.1-2.3) to bring up the cluster.</a:t>
+            </a:r>
+          </a:p>
+          <a:p>
+            <a:pPr marL="342900" indent="-342900" algn="l">
+              <a:buClr>
+                <a:srgbClr val="0070C0"/>
+              </a:buClr>
+              <a:buSzPct val="80000"/>
+              <a:buFont typeface="Wingdings" pitchFamily="2" charset="2"/>
+              <a:buChar char="u"/>
+            </a:pPr>
+            <a:r>
+              <a:rPr lang="en-US" sz="1800" dirty="0">
+                <a:solidFill>
+                  <a:srgbClr val="000000"/>
+                </a:solidFill>
+              </a:rPr>
+              <a:t>3. Slave Node:  one command (3.1) to join the cluster.</a:t>
+            </a:r>
+            <a:endParaRPr lang="en-US" sz="1800" b="0" i="0" dirty="0">
+              <a:solidFill>
+                <a:srgbClr val="000000"/>
+              </a:solidFill>
+              <a:effectLst/>
+            </a:endParaRPr>
+          </a:p>
+        </p:txBody>
+      </p:sp>
+      <p:sp>
+        <p:nvSpPr>
+          <p:cNvPr id="4" name="標題 1"/>
+          <p:cNvSpPr txBox="1">
+            <a:spLocks/>
+          </p:cNvSpPr>
+          <p:nvPr/>
+        </p:nvSpPr>
+        <p:spPr>
+          <a:xfrm>
+            <a:off x="0" y="764704"/>
+            <a:ext cx="9144000" cy="360040"/>
+          </a:xfrm>
+          <a:prstGeom prst="rect">
+            <a:avLst/>
+          </a:prstGeom>
+          <a:gradFill flip="none" rotWithShape="1">
+            <a:gsLst>
+              <a:gs pos="0">
+                <a:srgbClr val="00B0F0">
+                  <a:shade val="30000"/>
+                  <a:satMod val="115000"/>
+                </a:srgbClr>
+              </a:gs>
+              <a:gs pos="50000">
+                <a:srgbClr val="00B0F0">
+                  <a:shade val="67500"/>
+                  <a:satMod val="115000"/>
+                </a:srgbClr>
+              </a:gs>
+              <a:gs pos="100000">
+                <a:srgbClr val="00B0F0">
+                  <a:shade val="100000"/>
+                  <a:satMod val="115000"/>
+                </a:srgbClr>
+              </a:gs>
+            </a:gsLst>
+            <a:path path="circle">
+              <a:fillToRect t="100000" r="100000"/>
+            </a:path>
+            <a:tileRect l="-100000" b="-100000"/>
+          </a:gradFill>
+        </p:spPr>
+        <p:txBody>
+          <a:bodyPr vert="horz" lIns="91440" tIns="45720" rIns="91440" bIns="45720" rtlCol="0" anchor="ctr">
+            <a:normAutofit/>
+          </a:bodyPr>
+          <a:lstStyle/>
+          <a:p>
+            <a:pPr lvl="0">
+              <a:spcBef>
+                <a:spcPct val="0"/>
+              </a:spcBef>
+            </a:pPr>
+            <a:r>
+              <a:rPr lang="en-US" sz="1600" dirty="0"/>
+              <a:t>https://www.youtube.com/watch?v=UWg3ORRRF60</a:t>
+            </a:r>
+            <a:endParaRPr kumimoji="0" lang="zh-TW" altLang="en-US" sz="1600" b="0" i="0" u="none" strike="noStrike" kern="1200" cap="none" spc="0" normalizeH="0" baseline="0" noProof="0" dirty="0">
+              <a:ln>
+                <a:noFill/>
+              </a:ln>
+              <a:solidFill>
+                <a:schemeClr val="tx1"/>
+              </a:solidFill>
+              <a:effectLst/>
+              <a:uLnTx/>
+              <a:uFillTx/>
+              <a:latin typeface="+mj-lt"/>
+              <a:ea typeface="+mj-ea"/>
+              <a:cs typeface="+mj-cs"/>
+            </a:endParaRPr>
+          </a:p>
+        </p:txBody>
+      </p:sp>
+      <p:sp>
+        <p:nvSpPr>
+          <p:cNvPr id="5" name="日期版面配置區 4"/>
+          <p:cNvSpPr>
+            <a:spLocks noGrp="1"/>
+          </p:cNvSpPr>
+          <p:nvPr>
+            <p:ph type="dt" sz="half" idx="10"/>
+          </p:nvPr>
+        </p:nvSpPr>
+        <p:spPr/>
+        <p:txBody>
+          <a:bodyPr/>
+          <a:lstStyle/>
+          <a:p>
+            <a:fld id="{A4F910E6-8D00-4BAF-8C48-9688E0B449D3}" type="datetime1">
+              <a:rPr lang="zh-TW" altLang="en-US" smtClean="0"/>
+              <a:pPr/>
+              <a:t>2022/11/19</a:t>
             </a:fld>
             <a:endParaRPr lang="zh-TW" altLang="en-US"/>
           </a:p>
@@ -6414,7 +10620,7 @@
 </p:sld>
 </file>
 
-<file path=ppt/slides/slide3.xml><?xml version="1.0" encoding="utf-8"?>
+<file path=ppt/slides/slide20.xml><?xml version="1.0" encoding="utf-8"?>
 <p:sld xmlns:a="http://schemas.openxmlformats.org/drawingml/2006/main" xmlns:r="http://schemas.openxmlformats.org/officeDocument/2006/relationships" xmlns:p="http://schemas.openxmlformats.org/presentationml/2006/main">
   <p:cSld>
     <p:spTree>
@@ -6486,7 +10692,7 @@
                   <a:srgbClr val="FFFF00"/>
                 </a:solidFill>
               </a:rPr>
-              <a:t>0 Install Kubernetes: Introduction</a:t>
+              <a:t>0.2 Communication between Routers</a:t>
             </a:r>
             <a:endParaRPr lang="zh-TW" altLang="en-US" b="1" dirty="0">
               <a:solidFill>
@@ -6508,8 +10714,8 @@
         </p:nvSpPr>
         <p:spPr>
           <a:xfrm>
-            <a:off x="491331" y="1224079"/>
-            <a:ext cx="8329141" cy="692753"/>
+            <a:off x="299418" y="1353624"/>
+            <a:ext cx="8593061" cy="2939472"/>
           </a:xfrm>
           <a:ln>
             <a:solidFill>
@@ -6532,13 +10738,12 @@
               <a:buChar char="u"/>
             </a:pPr>
             <a:r>
-              <a:rPr lang="en-US" sz="1800" b="1" i="0" dirty="0">
-                <a:solidFill>
-                  <a:schemeClr val="tx1"/>
-                </a:solidFill>
-                <a:effectLst/>
-              </a:rPr>
-              <a:t>Install Kubernetes: Introduction</a:t>
+              <a:rPr lang="en-US" sz="1800" b="1" dirty="0">
+                <a:solidFill>
+                  <a:srgbClr val="C00000"/>
+                </a:solidFill>
+              </a:rPr>
+              <a:t>Route add: Create a Route between Two Routers</a:t>
             </a:r>
           </a:p>
           <a:p>
@@ -6551,13 +10756,81 @@
               <a:buChar char="u"/>
             </a:pPr>
             <a:r>
+              <a:rPr lang="en-US" sz="1800" dirty="0">
+                <a:solidFill>
+                  <a:srgbClr val="C00000"/>
+                </a:solidFill>
+                <a:hlinkClick r:id="rId2"/>
+              </a:rPr>
+              <a:t>https://linuxhint.com/route-add-command-linux/#:~:text=The%20command%20you%20are%20looking,chosen%20routing%20method%20explained%20below</a:t>
+            </a:r>
+            <a:r>
+              <a:rPr lang="en-US" sz="1800" dirty="0">
+                <a:solidFill>
+                  <a:srgbClr val="C00000"/>
+                </a:solidFill>
+              </a:rPr>
+              <a:t>.</a:t>
+            </a:r>
+          </a:p>
+          <a:p>
+            <a:pPr marL="342900" indent="-342900" algn="l">
+              <a:buClr>
+                <a:srgbClr val="0070C0"/>
+              </a:buClr>
+              <a:buSzPct val="80000"/>
+              <a:buFont typeface="Wingdings" pitchFamily="2" charset="2"/>
+              <a:buChar char="u"/>
+            </a:pPr>
+            <a:r>
               <a:rPr lang="en-US" sz="1800" b="0" i="0" dirty="0">
                 <a:solidFill>
-                  <a:srgbClr val="000000"/>
+                  <a:srgbClr val="444444"/>
                 </a:solidFill>
                 <a:effectLst/>
-              </a:rPr>
-              <a:t>We install commands on both master and slave.</a:t>
+                <a:latin typeface="Arimo"/>
+              </a:rPr>
+              <a:t>And it is safe because sysadmins hold full knowledge of the network topology, and packets go precisely through the defined route (Path).</a:t>
+            </a:r>
+          </a:p>
+          <a:p>
+            <a:pPr marL="342900" indent="-342900" algn="l">
+              <a:buClr>
+                <a:srgbClr val="0070C0"/>
+              </a:buClr>
+              <a:buSzPct val="80000"/>
+              <a:buFont typeface="Wingdings" pitchFamily="2" charset="2"/>
+              <a:buChar char="u"/>
+            </a:pPr>
+            <a:r>
+              <a:rPr lang="en-US" sz="1800" b="0" i="0" dirty="0">
+                <a:solidFill>
+                  <a:srgbClr val="444444"/>
+                </a:solidFill>
+                <a:effectLst/>
+                <a:latin typeface="Arimo"/>
+              </a:rPr>
+              <a:t>The most significant disadvantage of static routing is that each client must be configured manually, which is not practical for big networks.</a:t>
+            </a:r>
+          </a:p>
+          <a:p>
+            <a:pPr marL="342900" indent="-342900" algn="l">
+              <a:buClr>
+                <a:srgbClr val="0070C0"/>
+              </a:buClr>
+              <a:buSzPct val="80000"/>
+              <a:buFont typeface="Wingdings" pitchFamily="2" charset="2"/>
+              <a:buChar char="u"/>
+            </a:pPr>
+            <a:r>
+              <a:rPr lang="en-US" sz="1800" b="0" i="0" dirty="0">
+                <a:solidFill>
+                  <a:srgbClr val="444444"/>
+                </a:solidFill>
+                <a:effectLst/>
+                <a:latin typeface="Arimo"/>
+              </a:rPr>
+              <a:t>It is called “static” because each client predefines routes.</a:t>
             </a:r>
           </a:p>
         </p:txBody>
@@ -6655,7 +10928,2839 @@
             <a:fld id="{A4F910E6-8D00-4BAF-8C48-9688E0B449D3}" type="datetime1">
               <a:rPr lang="zh-TW" altLang="en-US" smtClean="0"/>
               <a:pPr/>
-              <a:t>2022/11/17</a:t>
+              <a:t>2022/11/19</a:t>
+            </a:fld>
+            <a:endParaRPr lang="zh-TW" altLang="en-US"/>
+          </a:p>
+        </p:txBody>
+      </p:sp>
+      <p:sp>
+        <p:nvSpPr>
+          <p:cNvPr id="6" name="投影片編號版面配置區 5"/>
+          <p:cNvSpPr>
+            <a:spLocks noGrp="1"/>
+          </p:cNvSpPr>
+          <p:nvPr>
+            <p:ph type="sldNum" sz="quarter" idx="12"/>
+          </p:nvPr>
+        </p:nvSpPr>
+        <p:spPr/>
+        <p:txBody>
+          <a:bodyPr/>
+          <a:lstStyle/>
+          <a:p>
+            <a:fld id="{E4D7E63D-91F2-4366-A2C4-1B00C9E2590E}" type="slidenum">
+              <a:rPr lang="zh-TW" altLang="en-US" smtClean="0"/>
+              <a:pPr/>
+              <a:t>20</a:t>
+            </a:fld>
+            <a:endParaRPr lang="zh-TW" altLang="en-US"/>
+          </a:p>
+        </p:txBody>
+      </p:sp>
+      <p:pic>
+        <p:nvPicPr>
+          <p:cNvPr id="1026" name="Picture 2">
+            <a:extLst>
+              <a:ext uri="{FF2B5EF4-FFF2-40B4-BE49-F238E27FC236}">
+                <a16:creationId xmlns:a16="http://schemas.microsoft.com/office/drawing/2014/main" id="{D72EB7DB-8631-F2B8-A771-B60385F33AFD}"/>
+              </a:ext>
+            </a:extLst>
+          </p:cNvPr>
+          <p:cNvPicPr>
+            <a:picLocks noChangeAspect="1" noChangeArrowheads="1"/>
+          </p:cNvPicPr>
+          <p:nvPr/>
+        </p:nvPicPr>
+        <p:blipFill>
+          <a:blip r:embed="rId3">
+            <a:extLst>
+              <a:ext uri="{28A0092B-C50C-407E-A947-70E740481C1C}">
+                <a14:useLocalDpi xmlns:a14="http://schemas.microsoft.com/office/drawing/2010/main" val="0"/>
+              </a:ext>
+            </a:extLst>
+          </a:blip>
+          <a:srcRect/>
+          <a:stretch>
+            <a:fillRect/>
+          </a:stretch>
+        </p:blipFill>
+        <p:spPr bwMode="auto">
+          <a:xfrm>
+            <a:off x="3635896" y="4194831"/>
+            <a:ext cx="3681131" cy="2508997"/>
+          </a:xfrm>
+          <a:prstGeom prst="rect">
+            <a:avLst/>
+          </a:prstGeom>
+          <a:noFill/>
+          <a:ln>
+            <a:solidFill>
+              <a:srgbClr val="C00000"/>
+            </a:solidFill>
+          </a:ln>
+          <a:extLst>
+            <a:ext uri="{909E8E84-426E-40DD-AFC4-6F175D3DCCD1}">
+              <a14:hiddenFill xmlns:a14="http://schemas.microsoft.com/office/drawing/2010/main">
+                <a:solidFill>
+                  <a:srgbClr val="FFFFFF"/>
+                </a:solidFill>
+              </a14:hiddenFill>
+            </a:ext>
+          </a:extLst>
+        </p:spPr>
+      </p:pic>
+    </p:spTree>
+    <p:extLst>
+      <p:ext uri="{BB962C8B-B14F-4D97-AF65-F5344CB8AC3E}">
+        <p14:creationId xmlns:p14="http://schemas.microsoft.com/office/powerpoint/2010/main" val="4287015040"/>
+      </p:ext>
+    </p:extLst>
+  </p:cSld>
+  <p:clrMapOvr>
+    <a:masterClrMapping/>
+  </p:clrMapOvr>
+</p:sld>
+</file>
+
+<file path=ppt/slides/slide21.xml><?xml version="1.0" encoding="utf-8"?>
+<p:sld xmlns:a="http://schemas.openxmlformats.org/drawingml/2006/main" xmlns:r="http://schemas.openxmlformats.org/officeDocument/2006/relationships" xmlns:p="http://schemas.openxmlformats.org/presentationml/2006/main">
+  <p:cSld>
+    <p:spTree>
+      <p:nvGrpSpPr>
+        <p:cNvPr id="1" name=""/>
+        <p:cNvGrpSpPr/>
+        <p:nvPr/>
+      </p:nvGrpSpPr>
+      <p:grpSpPr>
+        <a:xfrm>
+          <a:off x="0" y="0"/>
+          <a:ext cx="0" cy="0"/>
+          <a:chOff x="0" y="0"/>
+          <a:chExt cx="0" cy="0"/>
+        </a:xfrm>
+      </p:grpSpPr>
+      <p:sp>
+        <p:nvSpPr>
+          <p:cNvPr id="2" name="標題 1"/>
+          <p:cNvSpPr>
+            <a:spLocks noGrp="1"/>
+          </p:cNvSpPr>
+          <p:nvPr>
+            <p:ph type="ctrTitle"/>
+          </p:nvPr>
+        </p:nvSpPr>
+        <p:spPr>
+          <a:xfrm>
+            <a:off x="0" y="1"/>
+            <a:ext cx="9144000" cy="764704"/>
+          </a:xfrm>
+          <a:gradFill flip="none" rotWithShape="1">
+            <a:gsLst>
+              <a:gs pos="0">
+                <a:srgbClr val="C00000">
+                  <a:shade val="30000"/>
+                  <a:satMod val="115000"/>
+                </a:srgbClr>
+              </a:gs>
+              <a:gs pos="50000">
+                <a:srgbClr val="C00000">
+                  <a:shade val="67500"/>
+                  <a:satMod val="115000"/>
+                </a:srgbClr>
+              </a:gs>
+              <a:gs pos="100000">
+                <a:srgbClr val="C00000">
+                  <a:shade val="100000"/>
+                  <a:satMod val="115000"/>
+                </a:srgbClr>
+              </a:gs>
+            </a:gsLst>
+            <a:path path="circle">
+              <a:fillToRect t="100000" r="100000"/>
+            </a:path>
+            <a:tileRect l="-100000" b="-100000"/>
+          </a:gradFill>
+        </p:spPr>
+        <p:txBody>
+          <a:bodyPr>
+            <a:normAutofit/>
+          </a:bodyPr>
+          <a:lstStyle/>
+          <a:p>
+            <a:pPr algn="l"/>
+            <a:r>
+              <a:rPr lang="en-US" altLang="zh-TW" sz="4400" b="1" dirty="0">
+                <a:solidFill>
+                  <a:srgbClr val="FFFF00"/>
+                </a:solidFill>
+              </a:rPr>
+              <a:t>0.1 Cluster</a:t>
+            </a:r>
+            <a:endParaRPr lang="zh-TW" altLang="en-US" b="1" dirty="0">
+              <a:solidFill>
+                <a:srgbClr val="FFFF00"/>
+              </a:solidFill>
+            </a:endParaRPr>
+          </a:p>
+        </p:txBody>
+      </p:sp>
+      <p:sp>
+        <p:nvSpPr>
+          <p:cNvPr id="3" name="副標題 2"/>
+          <p:cNvSpPr>
+            <a:spLocks noGrp="1"/>
+          </p:cNvSpPr>
+          <p:nvPr>
+            <p:ph type="subTitle" idx="1"/>
+          </p:nvPr>
+        </p:nvSpPr>
+        <p:spPr>
+          <a:xfrm>
+            <a:off x="234370" y="1255920"/>
+            <a:ext cx="4193613" cy="938202"/>
+          </a:xfrm>
+          <a:ln>
+            <a:solidFill>
+              <a:srgbClr val="C00000"/>
+            </a:solidFill>
+          </a:ln>
+        </p:spPr>
+        <p:txBody>
+          <a:bodyPr>
+            <a:noAutofit/>
+          </a:bodyPr>
+          <a:lstStyle/>
+          <a:p>
+            <a:pPr marL="342900" indent="-342900" algn="l">
+              <a:buClr>
+                <a:srgbClr val="0070C0"/>
+              </a:buClr>
+              <a:buSzPct val="80000"/>
+              <a:buFont typeface="Wingdings" pitchFamily="2" charset="2"/>
+              <a:buChar char="u"/>
+            </a:pPr>
+            <a:r>
+              <a:rPr lang="en-US" sz="1800" b="1" dirty="0">
+                <a:solidFill>
+                  <a:srgbClr val="C00000"/>
+                </a:solidFill>
+              </a:rPr>
+              <a:t>Knode 1 (Window Machine): ipconfig</a:t>
+            </a:r>
+          </a:p>
+          <a:p>
+            <a:pPr marL="342900" indent="-342900" algn="l">
+              <a:buClr>
+                <a:srgbClr val="0070C0"/>
+              </a:buClr>
+              <a:buSzPct val="80000"/>
+              <a:buFont typeface="Wingdings" pitchFamily="2" charset="2"/>
+              <a:buChar char="u"/>
+            </a:pPr>
+            <a:r>
+              <a:rPr lang="en-US" sz="1800" dirty="0">
+                <a:solidFill>
+                  <a:schemeClr val="tx1"/>
+                </a:solidFill>
+              </a:rPr>
+              <a:t>IP address: 192.168.1.2</a:t>
+            </a:r>
+          </a:p>
+          <a:p>
+            <a:pPr marL="342900" indent="-342900" algn="l">
+              <a:buClr>
+                <a:srgbClr val="0070C0"/>
+              </a:buClr>
+              <a:buSzPct val="80000"/>
+              <a:buFont typeface="Wingdings" pitchFamily="2" charset="2"/>
+              <a:buChar char="u"/>
+            </a:pPr>
+            <a:r>
+              <a:rPr lang="en-US" sz="1800" dirty="0">
+                <a:solidFill>
+                  <a:schemeClr val="tx1"/>
+                </a:solidFill>
+              </a:rPr>
+              <a:t>G</a:t>
+            </a:r>
+            <a:r>
+              <a:rPr lang="en-US" sz="1800" i="0" dirty="0">
+                <a:solidFill>
+                  <a:schemeClr val="tx1"/>
+                </a:solidFill>
+                <a:effectLst/>
+              </a:rPr>
+              <a:t>ateway: 192.168.1.1</a:t>
+            </a:r>
+            <a:endParaRPr lang="en-US" sz="1800" b="1" i="0" dirty="0">
+              <a:solidFill>
+                <a:srgbClr val="C00000"/>
+              </a:solidFill>
+              <a:effectLst/>
+            </a:endParaRPr>
+          </a:p>
+          <a:p>
+            <a:pPr marL="342900" indent="-342900" algn="l">
+              <a:buClr>
+                <a:srgbClr val="0070C0"/>
+              </a:buClr>
+              <a:buSzPct val="80000"/>
+              <a:buFont typeface="Wingdings" pitchFamily="2" charset="2"/>
+              <a:buChar char="u"/>
+            </a:pPr>
+            <a:endParaRPr lang="en-US" sz="1800" b="1" i="0" dirty="0">
+              <a:solidFill>
+                <a:srgbClr val="C00000"/>
+              </a:solidFill>
+              <a:effectLst/>
+            </a:endParaRPr>
+          </a:p>
+        </p:txBody>
+      </p:sp>
+      <p:sp>
+        <p:nvSpPr>
+          <p:cNvPr id="4" name="標題 1"/>
+          <p:cNvSpPr txBox="1">
+            <a:spLocks/>
+          </p:cNvSpPr>
+          <p:nvPr/>
+        </p:nvSpPr>
+        <p:spPr>
+          <a:xfrm>
+            <a:off x="0" y="764704"/>
+            <a:ext cx="9144000" cy="360040"/>
+          </a:xfrm>
+          <a:prstGeom prst="rect">
+            <a:avLst/>
+          </a:prstGeom>
+          <a:gradFill flip="none" rotWithShape="1">
+            <a:gsLst>
+              <a:gs pos="0">
+                <a:srgbClr val="00B0F0">
+                  <a:shade val="30000"/>
+                  <a:satMod val="115000"/>
+                </a:srgbClr>
+              </a:gs>
+              <a:gs pos="50000">
+                <a:srgbClr val="00B0F0">
+                  <a:shade val="67500"/>
+                  <a:satMod val="115000"/>
+                </a:srgbClr>
+              </a:gs>
+              <a:gs pos="100000">
+                <a:srgbClr val="00B0F0">
+                  <a:shade val="100000"/>
+                  <a:satMod val="115000"/>
+                </a:srgbClr>
+              </a:gs>
+            </a:gsLst>
+            <a:path path="circle">
+              <a:fillToRect t="100000" r="100000"/>
+            </a:path>
+            <a:tileRect l="-100000" b="-100000"/>
+          </a:gradFill>
+        </p:spPr>
+        <p:txBody>
+          <a:bodyPr vert="horz" lIns="91440" tIns="45720" rIns="91440" bIns="45720" rtlCol="0" anchor="ctr">
+            <a:normAutofit/>
+          </a:bodyPr>
+          <a:lstStyle/>
+          <a:p>
+            <a:pPr lvl="0">
+              <a:spcBef>
+                <a:spcPct val="0"/>
+              </a:spcBef>
+            </a:pPr>
+            <a:r>
+              <a:rPr lang="en-US" sz="1600" dirty="0"/>
+              <a:t>https://www.youtube.com/watch?v=UWg3ORRRF60</a:t>
+            </a:r>
+            <a:endParaRPr kumimoji="0" lang="zh-TW" altLang="en-US" sz="1600" b="0" i="0" u="none" strike="noStrike" kern="1200" cap="none" spc="0" normalizeH="0" baseline="0" noProof="0" dirty="0">
+              <a:ln>
+                <a:noFill/>
+              </a:ln>
+              <a:solidFill>
+                <a:schemeClr val="tx1"/>
+              </a:solidFill>
+              <a:effectLst/>
+              <a:uLnTx/>
+              <a:uFillTx/>
+              <a:latin typeface="+mj-lt"/>
+              <a:ea typeface="+mj-ea"/>
+              <a:cs typeface="+mj-cs"/>
+            </a:endParaRPr>
+          </a:p>
+        </p:txBody>
+      </p:sp>
+      <p:sp>
+        <p:nvSpPr>
+          <p:cNvPr id="5" name="日期版面配置區 4"/>
+          <p:cNvSpPr>
+            <a:spLocks noGrp="1"/>
+          </p:cNvSpPr>
+          <p:nvPr>
+            <p:ph type="dt" sz="half" idx="10"/>
+          </p:nvPr>
+        </p:nvSpPr>
+        <p:spPr/>
+        <p:txBody>
+          <a:bodyPr/>
+          <a:lstStyle/>
+          <a:p>
+            <a:fld id="{A4F910E6-8D00-4BAF-8C48-9688E0B449D3}" type="datetime1">
+              <a:rPr lang="zh-TW" altLang="en-US" smtClean="0"/>
+              <a:pPr/>
+              <a:t>2022/11/19</a:t>
+            </a:fld>
+            <a:endParaRPr lang="zh-TW" altLang="en-US"/>
+          </a:p>
+        </p:txBody>
+      </p:sp>
+      <p:sp>
+        <p:nvSpPr>
+          <p:cNvPr id="6" name="投影片編號版面配置區 5"/>
+          <p:cNvSpPr>
+            <a:spLocks noGrp="1"/>
+          </p:cNvSpPr>
+          <p:nvPr>
+            <p:ph type="sldNum" sz="quarter" idx="12"/>
+          </p:nvPr>
+        </p:nvSpPr>
+        <p:spPr/>
+        <p:txBody>
+          <a:bodyPr/>
+          <a:lstStyle/>
+          <a:p>
+            <a:fld id="{E4D7E63D-91F2-4366-A2C4-1B00C9E2590E}" type="slidenum">
+              <a:rPr lang="zh-TW" altLang="en-US" smtClean="0"/>
+              <a:pPr/>
+              <a:t>21</a:t>
+            </a:fld>
+            <a:endParaRPr lang="zh-TW" altLang="en-US"/>
+          </a:p>
+        </p:txBody>
+      </p:sp>
+      <p:pic>
+        <p:nvPicPr>
+          <p:cNvPr id="9" name="Picture 8">
+            <a:extLst>
+              <a:ext uri="{FF2B5EF4-FFF2-40B4-BE49-F238E27FC236}">
+                <a16:creationId xmlns:a16="http://schemas.microsoft.com/office/drawing/2014/main" id="{C98485F3-668F-FB52-9135-3E3EAD337532}"/>
+              </a:ext>
+            </a:extLst>
+          </p:cNvPr>
+          <p:cNvPicPr>
+            <a:picLocks noChangeAspect="1"/>
+          </p:cNvPicPr>
+          <p:nvPr/>
+        </p:nvPicPr>
+        <p:blipFill>
+          <a:blip r:embed="rId2"/>
+          <a:stretch>
+            <a:fillRect/>
+          </a:stretch>
+        </p:blipFill>
+        <p:spPr>
+          <a:xfrm>
+            <a:off x="575402" y="2210073"/>
+            <a:ext cx="3292241" cy="4306059"/>
+          </a:xfrm>
+          <a:prstGeom prst="rect">
+            <a:avLst/>
+          </a:prstGeom>
+          <a:ln>
+            <a:solidFill>
+              <a:srgbClr val="C00000"/>
+            </a:solidFill>
+          </a:ln>
+        </p:spPr>
+      </p:pic>
+      <p:pic>
+        <p:nvPicPr>
+          <p:cNvPr id="8" name="Picture 7">
+            <a:extLst>
+              <a:ext uri="{FF2B5EF4-FFF2-40B4-BE49-F238E27FC236}">
+                <a16:creationId xmlns:a16="http://schemas.microsoft.com/office/drawing/2014/main" id="{54F30C3B-28F2-C279-F0E2-2CF476C17686}"/>
+              </a:ext>
+            </a:extLst>
+          </p:cNvPr>
+          <p:cNvPicPr>
+            <a:picLocks noChangeAspect="1"/>
+          </p:cNvPicPr>
+          <p:nvPr/>
+        </p:nvPicPr>
+        <p:blipFill>
+          <a:blip r:embed="rId3"/>
+          <a:stretch>
+            <a:fillRect/>
+          </a:stretch>
+        </p:blipFill>
+        <p:spPr>
+          <a:xfrm>
+            <a:off x="4812156" y="2321813"/>
+            <a:ext cx="3482088" cy="4162228"/>
+          </a:xfrm>
+          <a:prstGeom prst="rect">
+            <a:avLst/>
+          </a:prstGeom>
+          <a:ln>
+            <a:solidFill>
+              <a:srgbClr val="C00000"/>
+            </a:solidFill>
+          </a:ln>
+        </p:spPr>
+      </p:pic>
+      <p:sp>
+        <p:nvSpPr>
+          <p:cNvPr id="12" name="副標題 2">
+            <a:extLst>
+              <a:ext uri="{FF2B5EF4-FFF2-40B4-BE49-F238E27FC236}">
+                <a16:creationId xmlns:a16="http://schemas.microsoft.com/office/drawing/2014/main" id="{1E7C42A0-8E25-D060-89B2-B1BD7BE8F363}"/>
+              </a:ext>
+            </a:extLst>
+          </p:cNvPr>
+          <p:cNvSpPr txBox="1">
+            <a:spLocks/>
+          </p:cNvSpPr>
+          <p:nvPr/>
+        </p:nvSpPr>
+        <p:spPr>
+          <a:xfrm>
+            <a:off x="4499992" y="1255920"/>
+            <a:ext cx="4644008" cy="985237"/>
+          </a:xfrm>
+          <a:prstGeom prst="rect">
+            <a:avLst/>
+          </a:prstGeom>
+          <a:ln>
+            <a:solidFill>
+              <a:srgbClr val="C00000"/>
+            </a:solidFill>
+          </a:ln>
+        </p:spPr>
+        <p:txBody>
+          <a:bodyPr vert="horz" lIns="91440" tIns="45720" rIns="91440" bIns="45720" rtlCol="0">
+            <a:noAutofit/>
+          </a:bodyPr>
+          <a:lstStyle>
+            <a:lvl1pPr marL="0" indent="0" algn="ctr" defTabSz="914400" rtl="0" eaLnBrk="1" latinLnBrk="0" hangingPunct="1">
+              <a:spcBef>
+                <a:spcPct val="20000"/>
+              </a:spcBef>
+              <a:buFont typeface="Arial" pitchFamily="34" charset="0"/>
+              <a:buNone/>
+              <a:defRPr sz="3200" kern="1200">
+                <a:solidFill>
+                  <a:schemeClr val="tx1">
+                    <a:tint val="75000"/>
+                  </a:schemeClr>
+                </a:solidFill>
+                <a:latin typeface="+mn-lt"/>
+                <a:ea typeface="+mn-ea"/>
+                <a:cs typeface="+mn-cs"/>
+              </a:defRPr>
+            </a:lvl1pPr>
+            <a:lvl2pPr marL="457200" indent="0" algn="ctr" defTabSz="914400" rtl="0" eaLnBrk="1" latinLnBrk="0" hangingPunct="1">
+              <a:spcBef>
+                <a:spcPct val="20000"/>
+              </a:spcBef>
+              <a:buFont typeface="Arial" pitchFamily="34" charset="0"/>
+              <a:buNone/>
+              <a:defRPr sz="2800" kern="1200">
+                <a:solidFill>
+                  <a:schemeClr val="tx1">
+                    <a:tint val="75000"/>
+                  </a:schemeClr>
+                </a:solidFill>
+                <a:latin typeface="+mn-lt"/>
+                <a:ea typeface="+mn-ea"/>
+                <a:cs typeface="+mn-cs"/>
+              </a:defRPr>
+            </a:lvl2pPr>
+            <a:lvl3pPr marL="914400" indent="0" algn="ctr" defTabSz="914400" rtl="0" eaLnBrk="1" latinLnBrk="0" hangingPunct="1">
+              <a:spcBef>
+                <a:spcPct val="20000"/>
+              </a:spcBef>
+              <a:buFont typeface="Arial" pitchFamily="34" charset="0"/>
+              <a:buNone/>
+              <a:defRPr sz="2400" kern="1200">
+                <a:solidFill>
+                  <a:schemeClr val="tx1">
+                    <a:tint val="75000"/>
+                  </a:schemeClr>
+                </a:solidFill>
+                <a:latin typeface="+mn-lt"/>
+                <a:ea typeface="+mn-ea"/>
+                <a:cs typeface="+mn-cs"/>
+              </a:defRPr>
+            </a:lvl3pPr>
+            <a:lvl4pPr marL="1371600" indent="0" algn="ctr" defTabSz="914400" rtl="0" eaLnBrk="1" latinLnBrk="0" hangingPunct="1">
+              <a:spcBef>
+                <a:spcPct val="20000"/>
+              </a:spcBef>
+              <a:buFont typeface="Arial" pitchFamily="34" charset="0"/>
+              <a:buNone/>
+              <a:defRPr sz="2000" kern="1200">
+                <a:solidFill>
+                  <a:schemeClr val="tx1">
+                    <a:tint val="75000"/>
+                  </a:schemeClr>
+                </a:solidFill>
+                <a:latin typeface="+mn-lt"/>
+                <a:ea typeface="+mn-ea"/>
+                <a:cs typeface="+mn-cs"/>
+              </a:defRPr>
+            </a:lvl4pPr>
+            <a:lvl5pPr marL="1828800" indent="0" algn="ctr" defTabSz="914400" rtl="0" eaLnBrk="1" latinLnBrk="0" hangingPunct="1">
+              <a:spcBef>
+                <a:spcPct val="20000"/>
+              </a:spcBef>
+              <a:buFont typeface="Arial" pitchFamily="34" charset="0"/>
+              <a:buNone/>
+              <a:defRPr sz="2000" kern="1200">
+                <a:solidFill>
+                  <a:schemeClr val="tx1">
+                    <a:tint val="75000"/>
+                  </a:schemeClr>
+                </a:solidFill>
+                <a:latin typeface="+mn-lt"/>
+                <a:ea typeface="+mn-ea"/>
+                <a:cs typeface="+mn-cs"/>
+              </a:defRPr>
+            </a:lvl5pPr>
+            <a:lvl6pPr marL="2286000" indent="0" algn="ctr" defTabSz="914400" rtl="0" eaLnBrk="1" latinLnBrk="0" hangingPunct="1">
+              <a:spcBef>
+                <a:spcPct val="20000"/>
+              </a:spcBef>
+              <a:buFont typeface="Arial" pitchFamily="34" charset="0"/>
+              <a:buNone/>
+              <a:defRPr sz="2000" kern="1200">
+                <a:solidFill>
+                  <a:schemeClr val="tx1">
+                    <a:tint val="75000"/>
+                  </a:schemeClr>
+                </a:solidFill>
+                <a:latin typeface="+mn-lt"/>
+                <a:ea typeface="+mn-ea"/>
+                <a:cs typeface="+mn-cs"/>
+              </a:defRPr>
+            </a:lvl6pPr>
+            <a:lvl7pPr marL="2743200" indent="0" algn="ctr" defTabSz="914400" rtl="0" eaLnBrk="1" latinLnBrk="0" hangingPunct="1">
+              <a:spcBef>
+                <a:spcPct val="20000"/>
+              </a:spcBef>
+              <a:buFont typeface="Arial" pitchFamily="34" charset="0"/>
+              <a:buNone/>
+              <a:defRPr sz="2000" kern="1200">
+                <a:solidFill>
+                  <a:schemeClr val="tx1">
+                    <a:tint val="75000"/>
+                  </a:schemeClr>
+                </a:solidFill>
+                <a:latin typeface="+mn-lt"/>
+                <a:ea typeface="+mn-ea"/>
+                <a:cs typeface="+mn-cs"/>
+              </a:defRPr>
+            </a:lvl7pPr>
+            <a:lvl8pPr marL="3200400" indent="0" algn="ctr" defTabSz="914400" rtl="0" eaLnBrk="1" latinLnBrk="0" hangingPunct="1">
+              <a:spcBef>
+                <a:spcPct val="20000"/>
+              </a:spcBef>
+              <a:buFont typeface="Arial" pitchFamily="34" charset="0"/>
+              <a:buNone/>
+              <a:defRPr sz="2000" kern="1200">
+                <a:solidFill>
+                  <a:schemeClr val="tx1">
+                    <a:tint val="75000"/>
+                  </a:schemeClr>
+                </a:solidFill>
+                <a:latin typeface="+mn-lt"/>
+                <a:ea typeface="+mn-ea"/>
+                <a:cs typeface="+mn-cs"/>
+              </a:defRPr>
+            </a:lvl8pPr>
+            <a:lvl9pPr marL="3657600" indent="0" algn="ctr" defTabSz="914400" rtl="0" eaLnBrk="1" latinLnBrk="0" hangingPunct="1">
+              <a:spcBef>
+                <a:spcPct val="20000"/>
+              </a:spcBef>
+              <a:buFont typeface="Arial" pitchFamily="34" charset="0"/>
+              <a:buNone/>
+              <a:defRPr sz="2000" kern="1200">
+                <a:solidFill>
+                  <a:schemeClr val="tx1">
+                    <a:tint val="75000"/>
+                  </a:schemeClr>
+                </a:solidFill>
+                <a:latin typeface="+mn-lt"/>
+                <a:ea typeface="+mn-ea"/>
+                <a:cs typeface="+mn-cs"/>
+              </a:defRPr>
+            </a:lvl9pPr>
+          </a:lstStyle>
+          <a:p>
+            <a:pPr marL="342900" indent="-342900" algn="l">
+              <a:buClr>
+                <a:srgbClr val="0070C0"/>
+              </a:buClr>
+              <a:buSzPct val="80000"/>
+              <a:buFont typeface="Wingdings" pitchFamily="2" charset="2"/>
+              <a:buChar char="u"/>
+            </a:pPr>
+            <a:r>
+              <a:rPr lang="en-US" sz="1800" b="1" dirty="0">
+                <a:solidFill>
+                  <a:srgbClr val="C00000"/>
+                </a:solidFill>
+              </a:rPr>
+              <a:t>Knode 2 (Window Machine): ipconfig</a:t>
+            </a:r>
+          </a:p>
+          <a:p>
+            <a:pPr marL="342900" indent="-342900" algn="l">
+              <a:buClr>
+                <a:srgbClr val="0070C0"/>
+              </a:buClr>
+              <a:buSzPct val="80000"/>
+              <a:buFont typeface="Wingdings" pitchFamily="2" charset="2"/>
+              <a:buChar char="u"/>
+            </a:pPr>
+            <a:r>
+              <a:rPr lang="en-US" sz="1800" dirty="0">
+                <a:solidFill>
+                  <a:schemeClr val="tx1"/>
+                </a:solidFill>
+              </a:rPr>
+              <a:t>IP address: 192.168.0.17</a:t>
+            </a:r>
+          </a:p>
+          <a:p>
+            <a:pPr marL="342900" indent="-342900" algn="l">
+              <a:buClr>
+                <a:srgbClr val="0070C0"/>
+              </a:buClr>
+              <a:buSzPct val="80000"/>
+              <a:buFont typeface="Wingdings" pitchFamily="2" charset="2"/>
+              <a:buChar char="u"/>
+            </a:pPr>
+            <a:r>
+              <a:rPr lang="en-US" sz="1800" dirty="0">
+                <a:solidFill>
+                  <a:schemeClr val="tx1"/>
+                </a:solidFill>
+              </a:rPr>
+              <a:t>Gateway: 192.168.0.1 </a:t>
+            </a:r>
+            <a:endParaRPr lang="en-US" sz="1800" dirty="0">
+              <a:solidFill>
+                <a:srgbClr val="C00000"/>
+              </a:solidFill>
+            </a:endParaRPr>
+          </a:p>
+          <a:p>
+            <a:pPr marL="342900" indent="-342900" algn="l">
+              <a:buClr>
+                <a:srgbClr val="0070C0"/>
+              </a:buClr>
+              <a:buSzPct val="80000"/>
+              <a:buFont typeface="Wingdings" pitchFamily="2" charset="2"/>
+              <a:buChar char="u"/>
+            </a:pPr>
+            <a:endParaRPr lang="en-US" sz="1800" b="1" dirty="0">
+              <a:solidFill>
+                <a:srgbClr val="C00000"/>
+              </a:solidFill>
+            </a:endParaRPr>
+          </a:p>
+        </p:txBody>
+      </p:sp>
+    </p:spTree>
+    <p:extLst>
+      <p:ext uri="{BB962C8B-B14F-4D97-AF65-F5344CB8AC3E}">
+        <p14:creationId xmlns:p14="http://schemas.microsoft.com/office/powerpoint/2010/main" val="826257952"/>
+      </p:ext>
+    </p:extLst>
+  </p:cSld>
+  <p:clrMapOvr>
+    <a:masterClrMapping/>
+  </p:clrMapOvr>
+</p:sld>
+</file>
+
+<file path=ppt/slides/slide22.xml><?xml version="1.0" encoding="utf-8"?>
+<p:sld xmlns:a="http://schemas.openxmlformats.org/drawingml/2006/main" xmlns:r="http://schemas.openxmlformats.org/officeDocument/2006/relationships" xmlns:p="http://schemas.openxmlformats.org/presentationml/2006/main">
+  <p:cSld>
+    <p:spTree>
+      <p:nvGrpSpPr>
+        <p:cNvPr id="1" name=""/>
+        <p:cNvGrpSpPr/>
+        <p:nvPr/>
+      </p:nvGrpSpPr>
+      <p:grpSpPr>
+        <a:xfrm>
+          <a:off x="0" y="0"/>
+          <a:ext cx="0" cy="0"/>
+          <a:chOff x="0" y="0"/>
+          <a:chExt cx="0" cy="0"/>
+        </a:xfrm>
+      </p:grpSpPr>
+      <p:sp>
+        <p:nvSpPr>
+          <p:cNvPr id="2" name="標題 1"/>
+          <p:cNvSpPr>
+            <a:spLocks noGrp="1"/>
+          </p:cNvSpPr>
+          <p:nvPr>
+            <p:ph type="ctrTitle"/>
+          </p:nvPr>
+        </p:nvSpPr>
+        <p:spPr>
+          <a:xfrm>
+            <a:off x="0" y="1"/>
+            <a:ext cx="9144000" cy="764704"/>
+          </a:xfrm>
+          <a:gradFill flip="none" rotWithShape="1">
+            <a:gsLst>
+              <a:gs pos="0">
+                <a:srgbClr val="C00000">
+                  <a:shade val="30000"/>
+                  <a:satMod val="115000"/>
+                </a:srgbClr>
+              </a:gs>
+              <a:gs pos="50000">
+                <a:srgbClr val="C00000">
+                  <a:shade val="67500"/>
+                  <a:satMod val="115000"/>
+                </a:srgbClr>
+              </a:gs>
+              <a:gs pos="100000">
+                <a:srgbClr val="C00000">
+                  <a:shade val="100000"/>
+                  <a:satMod val="115000"/>
+                </a:srgbClr>
+              </a:gs>
+            </a:gsLst>
+            <a:path path="circle">
+              <a:fillToRect t="100000" r="100000"/>
+            </a:path>
+            <a:tileRect l="-100000" b="-100000"/>
+          </a:gradFill>
+        </p:spPr>
+        <p:txBody>
+          <a:bodyPr>
+            <a:normAutofit/>
+          </a:bodyPr>
+          <a:lstStyle/>
+          <a:p>
+            <a:pPr algn="l"/>
+            <a:r>
+              <a:rPr lang="en-US" altLang="zh-TW" sz="4400" b="1" dirty="0">
+                <a:solidFill>
+                  <a:srgbClr val="FFFF00"/>
+                </a:solidFill>
+              </a:rPr>
+              <a:t>0.1 Cluster</a:t>
+            </a:r>
+            <a:endParaRPr lang="zh-TW" altLang="en-US" b="1" dirty="0">
+              <a:solidFill>
+                <a:srgbClr val="FFFF00"/>
+              </a:solidFill>
+            </a:endParaRPr>
+          </a:p>
+        </p:txBody>
+      </p:sp>
+      <p:sp>
+        <p:nvSpPr>
+          <p:cNvPr id="3" name="副標題 2"/>
+          <p:cNvSpPr>
+            <a:spLocks noGrp="1"/>
+          </p:cNvSpPr>
+          <p:nvPr>
+            <p:ph type="subTitle" idx="1"/>
+          </p:nvPr>
+        </p:nvSpPr>
+        <p:spPr>
+          <a:xfrm>
+            <a:off x="234370" y="1255919"/>
+            <a:ext cx="4193613" cy="2607290"/>
+          </a:xfrm>
+          <a:ln>
+            <a:solidFill>
+              <a:srgbClr val="C00000"/>
+            </a:solidFill>
+          </a:ln>
+        </p:spPr>
+        <p:txBody>
+          <a:bodyPr>
+            <a:noAutofit/>
+          </a:bodyPr>
+          <a:lstStyle/>
+          <a:p>
+            <a:pPr marL="342900" indent="-342900" algn="l">
+              <a:buClr>
+                <a:srgbClr val="0070C0"/>
+              </a:buClr>
+              <a:buSzPct val="80000"/>
+              <a:buFont typeface="Wingdings" pitchFamily="2" charset="2"/>
+              <a:buChar char="u"/>
+            </a:pPr>
+            <a:r>
+              <a:rPr lang="en-US" sz="1800" b="1" dirty="0">
+                <a:solidFill>
+                  <a:srgbClr val="C00000"/>
+                </a:solidFill>
+              </a:rPr>
+              <a:t>Knode 1 (Window Machine): ipconfig</a:t>
+            </a:r>
+          </a:p>
+          <a:p>
+            <a:pPr marL="342900" indent="-342900" algn="l">
+              <a:buClr>
+                <a:srgbClr val="0070C0"/>
+              </a:buClr>
+              <a:buSzPct val="80000"/>
+              <a:buFont typeface="Wingdings" pitchFamily="2" charset="2"/>
+              <a:buChar char="u"/>
+            </a:pPr>
+            <a:r>
+              <a:rPr lang="en-US" sz="1800" dirty="0">
+                <a:solidFill>
+                  <a:schemeClr val="tx1"/>
+                </a:solidFill>
+              </a:rPr>
+              <a:t>IP address: 192.168.1.2</a:t>
+            </a:r>
+          </a:p>
+          <a:p>
+            <a:pPr marL="342900" indent="-342900" algn="l">
+              <a:buClr>
+                <a:srgbClr val="0070C0"/>
+              </a:buClr>
+              <a:buSzPct val="80000"/>
+              <a:buFont typeface="Wingdings" pitchFamily="2" charset="2"/>
+              <a:buChar char="u"/>
+            </a:pPr>
+            <a:r>
+              <a:rPr lang="en-US" sz="1800" dirty="0">
+                <a:solidFill>
+                  <a:schemeClr val="tx1"/>
+                </a:solidFill>
+              </a:rPr>
+              <a:t>G</a:t>
+            </a:r>
+            <a:r>
+              <a:rPr lang="en-US" sz="1800" i="0" dirty="0">
+                <a:solidFill>
+                  <a:schemeClr val="tx1"/>
+                </a:solidFill>
+                <a:effectLst/>
+              </a:rPr>
+              <a:t>ateway: 192.168.1.1</a:t>
+            </a:r>
+          </a:p>
+          <a:p>
+            <a:pPr marL="342900" indent="-342900" algn="l">
+              <a:buClr>
+                <a:srgbClr val="0070C0"/>
+              </a:buClr>
+              <a:buSzPct val="80000"/>
+              <a:buFont typeface="Wingdings" pitchFamily="2" charset="2"/>
+              <a:buChar char="u"/>
+            </a:pPr>
+            <a:r>
+              <a:rPr lang="en-US" sz="1800" dirty="0">
+                <a:solidFill>
+                  <a:schemeClr val="tx1"/>
+                </a:solidFill>
+              </a:rPr>
+              <a:t>&gt; route add 192.168.1.0 MASK 255.255.255.0 192.168.0.1</a:t>
+            </a:r>
+            <a:endParaRPr lang="en-US" sz="1800" i="0" dirty="0">
+              <a:solidFill>
+                <a:srgbClr val="C00000"/>
+              </a:solidFill>
+              <a:effectLst/>
+            </a:endParaRPr>
+          </a:p>
+          <a:p>
+            <a:pPr marL="342900" indent="-342900" algn="l">
+              <a:buClr>
+                <a:srgbClr val="0070C0"/>
+              </a:buClr>
+              <a:buSzPct val="80000"/>
+              <a:buFont typeface="Wingdings" pitchFamily="2" charset="2"/>
+              <a:buChar char="u"/>
+            </a:pPr>
+            <a:r>
+              <a:rPr lang="en-US" sz="1800" i="0" dirty="0">
+                <a:solidFill>
+                  <a:schemeClr val="tx1"/>
+                </a:solidFill>
+                <a:effectLst/>
+              </a:rPr>
+              <a:t>Note:</a:t>
+            </a:r>
+          </a:p>
+          <a:p>
+            <a:pPr marL="342900" indent="-342900" algn="l">
+              <a:buClr>
+                <a:srgbClr val="0070C0"/>
+              </a:buClr>
+              <a:buSzPct val="80000"/>
+              <a:buFont typeface="Wingdings" pitchFamily="2" charset="2"/>
+              <a:buChar char="u"/>
+            </a:pPr>
+            <a:r>
+              <a:rPr lang="en-US" sz="1800" dirty="0">
+                <a:solidFill>
+                  <a:schemeClr val="tx1"/>
+                </a:solidFill>
+              </a:rPr>
+              <a:t>How to choose destination?</a:t>
+            </a:r>
+          </a:p>
+          <a:p>
+            <a:pPr marL="342900" indent="-342900" algn="l">
+              <a:buClr>
+                <a:srgbClr val="0070C0"/>
+              </a:buClr>
+              <a:buSzPct val="80000"/>
+              <a:buFont typeface="Wingdings" pitchFamily="2" charset="2"/>
+              <a:buChar char="u"/>
+            </a:pPr>
+            <a:r>
+              <a:rPr lang="en-US" sz="1800" i="0" dirty="0">
+                <a:solidFill>
+                  <a:schemeClr val="tx1"/>
+                </a:solidFill>
+                <a:effectLst/>
+              </a:rPr>
+              <a:t>Use 193.268.1.x (x exclude 2).</a:t>
+            </a:r>
+          </a:p>
+        </p:txBody>
+      </p:sp>
+      <p:sp>
+        <p:nvSpPr>
+          <p:cNvPr id="4" name="標題 1"/>
+          <p:cNvSpPr txBox="1">
+            <a:spLocks/>
+          </p:cNvSpPr>
+          <p:nvPr/>
+        </p:nvSpPr>
+        <p:spPr>
+          <a:xfrm>
+            <a:off x="0" y="764704"/>
+            <a:ext cx="9144000" cy="360040"/>
+          </a:xfrm>
+          <a:prstGeom prst="rect">
+            <a:avLst/>
+          </a:prstGeom>
+          <a:gradFill flip="none" rotWithShape="1">
+            <a:gsLst>
+              <a:gs pos="0">
+                <a:srgbClr val="00B0F0">
+                  <a:shade val="30000"/>
+                  <a:satMod val="115000"/>
+                </a:srgbClr>
+              </a:gs>
+              <a:gs pos="50000">
+                <a:srgbClr val="00B0F0">
+                  <a:shade val="67500"/>
+                  <a:satMod val="115000"/>
+                </a:srgbClr>
+              </a:gs>
+              <a:gs pos="100000">
+                <a:srgbClr val="00B0F0">
+                  <a:shade val="100000"/>
+                  <a:satMod val="115000"/>
+                </a:srgbClr>
+              </a:gs>
+            </a:gsLst>
+            <a:path path="circle">
+              <a:fillToRect t="100000" r="100000"/>
+            </a:path>
+            <a:tileRect l="-100000" b="-100000"/>
+          </a:gradFill>
+        </p:spPr>
+        <p:txBody>
+          <a:bodyPr vert="horz" lIns="91440" tIns="45720" rIns="91440" bIns="45720" rtlCol="0" anchor="ctr">
+            <a:normAutofit/>
+          </a:bodyPr>
+          <a:lstStyle/>
+          <a:p>
+            <a:pPr lvl="0">
+              <a:spcBef>
+                <a:spcPct val="0"/>
+              </a:spcBef>
+            </a:pPr>
+            <a:r>
+              <a:rPr lang="en-US" sz="1600" dirty="0"/>
+              <a:t>https://www.youtube.com/watch?v=UWg3ORRRF60</a:t>
+            </a:r>
+            <a:endParaRPr kumimoji="0" lang="zh-TW" altLang="en-US" sz="1600" b="0" i="0" u="none" strike="noStrike" kern="1200" cap="none" spc="0" normalizeH="0" baseline="0" noProof="0" dirty="0">
+              <a:ln>
+                <a:noFill/>
+              </a:ln>
+              <a:solidFill>
+                <a:schemeClr val="tx1"/>
+              </a:solidFill>
+              <a:effectLst/>
+              <a:uLnTx/>
+              <a:uFillTx/>
+              <a:latin typeface="+mj-lt"/>
+              <a:ea typeface="+mj-ea"/>
+              <a:cs typeface="+mj-cs"/>
+            </a:endParaRPr>
+          </a:p>
+        </p:txBody>
+      </p:sp>
+      <p:sp>
+        <p:nvSpPr>
+          <p:cNvPr id="5" name="日期版面配置區 4"/>
+          <p:cNvSpPr>
+            <a:spLocks noGrp="1"/>
+          </p:cNvSpPr>
+          <p:nvPr>
+            <p:ph type="dt" sz="half" idx="10"/>
+          </p:nvPr>
+        </p:nvSpPr>
+        <p:spPr/>
+        <p:txBody>
+          <a:bodyPr/>
+          <a:lstStyle/>
+          <a:p>
+            <a:fld id="{A4F910E6-8D00-4BAF-8C48-9688E0B449D3}" type="datetime1">
+              <a:rPr lang="zh-TW" altLang="en-US" smtClean="0"/>
+              <a:pPr/>
+              <a:t>2022/11/19</a:t>
+            </a:fld>
+            <a:endParaRPr lang="zh-TW" altLang="en-US"/>
+          </a:p>
+        </p:txBody>
+      </p:sp>
+      <p:sp>
+        <p:nvSpPr>
+          <p:cNvPr id="6" name="投影片編號版面配置區 5"/>
+          <p:cNvSpPr>
+            <a:spLocks noGrp="1"/>
+          </p:cNvSpPr>
+          <p:nvPr>
+            <p:ph type="sldNum" sz="quarter" idx="12"/>
+          </p:nvPr>
+        </p:nvSpPr>
+        <p:spPr/>
+        <p:txBody>
+          <a:bodyPr/>
+          <a:lstStyle/>
+          <a:p>
+            <a:fld id="{E4D7E63D-91F2-4366-A2C4-1B00C9E2590E}" type="slidenum">
+              <a:rPr lang="zh-TW" altLang="en-US" smtClean="0"/>
+              <a:pPr/>
+              <a:t>22</a:t>
+            </a:fld>
+            <a:endParaRPr lang="zh-TW" altLang="en-US"/>
+          </a:p>
+        </p:txBody>
+      </p:sp>
+      <p:pic>
+        <p:nvPicPr>
+          <p:cNvPr id="9" name="Picture 8">
+            <a:extLst>
+              <a:ext uri="{FF2B5EF4-FFF2-40B4-BE49-F238E27FC236}">
+                <a16:creationId xmlns:a16="http://schemas.microsoft.com/office/drawing/2014/main" id="{C98485F3-668F-FB52-9135-3E3EAD337532}"/>
+              </a:ext>
+            </a:extLst>
+          </p:cNvPr>
+          <p:cNvPicPr>
+            <a:picLocks noChangeAspect="1"/>
+          </p:cNvPicPr>
+          <p:nvPr/>
+        </p:nvPicPr>
+        <p:blipFill>
+          <a:blip r:embed="rId2"/>
+          <a:stretch>
+            <a:fillRect/>
+          </a:stretch>
+        </p:blipFill>
+        <p:spPr>
+          <a:xfrm>
+            <a:off x="1694421" y="3863209"/>
+            <a:ext cx="2185316" cy="2858266"/>
+          </a:xfrm>
+          <a:prstGeom prst="rect">
+            <a:avLst/>
+          </a:prstGeom>
+          <a:ln>
+            <a:solidFill>
+              <a:srgbClr val="C00000"/>
+            </a:solidFill>
+          </a:ln>
+        </p:spPr>
+      </p:pic>
+      <p:pic>
+        <p:nvPicPr>
+          <p:cNvPr id="8" name="Picture 7">
+            <a:extLst>
+              <a:ext uri="{FF2B5EF4-FFF2-40B4-BE49-F238E27FC236}">
+                <a16:creationId xmlns:a16="http://schemas.microsoft.com/office/drawing/2014/main" id="{54F30C3B-28F2-C279-F0E2-2CF476C17686}"/>
+              </a:ext>
+            </a:extLst>
+          </p:cNvPr>
+          <p:cNvPicPr>
+            <a:picLocks noChangeAspect="1"/>
+          </p:cNvPicPr>
+          <p:nvPr/>
+        </p:nvPicPr>
+        <p:blipFill>
+          <a:blip r:embed="rId3"/>
+          <a:stretch>
+            <a:fillRect/>
+          </a:stretch>
+        </p:blipFill>
+        <p:spPr>
+          <a:xfrm>
+            <a:off x="6108926" y="3871875"/>
+            <a:ext cx="2185316" cy="2612164"/>
+          </a:xfrm>
+          <a:prstGeom prst="rect">
+            <a:avLst/>
+          </a:prstGeom>
+          <a:ln>
+            <a:solidFill>
+              <a:srgbClr val="C00000"/>
+            </a:solidFill>
+          </a:ln>
+        </p:spPr>
+      </p:pic>
+      <p:sp>
+        <p:nvSpPr>
+          <p:cNvPr id="12" name="副標題 2">
+            <a:extLst>
+              <a:ext uri="{FF2B5EF4-FFF2-40B4-BE49-F238E27FC236}">
+                <a16:creationId xmlns:a16="http://schemas.microsoft.com/office/drawing/2014/main" id="{1E7C42A0-8E25-D060-89B2-B1BD7BE8F363}"/>
+              </a:ext>
+            </a:extLst>
+          </p:cNvPr>
+          <p:cNvSpPr txBox="1">
+            <a:spLocks/>
+          </p:cNvSpPr>
+          <p:nvPr/>
+        </p:nvSpPr>
+        <p:spPr>
+          <a:xfrm>
+            <a:off x="4499992" y="1255919"/>
+            <a:ext cx="4644008" cy="2607289"/>
+          </a:xfrm>
+          <a:prstGeom prst="rect">
+            <a:avLst/>
+          </a:prstGeom>
+          <a:ln>
+            <a:solidFill>
+              <a:srgbClr val="C00000"/>
+            </a:solidFill>
+          </a:ln>
+        </p:spPr>
+        <p:txBody>
+          <a:bodyPr vert="horz" lIns="91440" tIns="45720" rIns="91440" bIns="45720" rtlCol="0">
+            <a:noAutofit/>
+          </a:bodyPr>
+          <a:lstStyle>
+            <a:lvl1pPr marL="0" indent="0" algn="ctr" defTabSz="914400" rtl="0" eaLnBrk="1" latinLnBrk="0" hangingPunct="1">
+              <a:spcBef>
+                <a:spcPct val="20000"/>
+              </a:spcBef>
+              <a:buFont typeface="Arial" pitchFamily="34" charset="0"/>
+              <a:buNone/>
+              <a:defRPr sz="3200" kern="1200">
+                <a:solidFill>
+                  <a:schemeClr val="tx1">
+                    <a:tint val="75000"/>
+                  </a:schemeClr>
+                </a:solidFill>
+                <a:latin typeface="+mn-lt"/>
+                <a:ea typeface="+mn-ea"/>
+                <a:cs typeface="+mn-cs"/>
+              </a:defRPr>
+            </a:lvl1pPr>
+            <a:lvl2pPr marL="457200" indent="0" algn="ctr" defTabSz="914400" rtl="0" eaLnBrk="1" latinLnBrk="0" hangingPunct="1">
+              <a:spcBef>
+                <a:spcPct val="20000"/>
+              </a:spcBef>
+              <a:buFont typeface="Arial" pitchFamily="34" charset="0"/>
+              <a:buNone/>
+              <a:defRPr sz="2800" kern="1200">
+                <a:solidFill>
+                  <a:schemeClr val="tx1">
+                    <a:tint val="75000"/>
+                  </a:schemeClr>
+                </a:solidFill>
+                <a:latin typeface="+mn-lt"/>
+                <a:ea typeface="+mn-ea"/>
+                <a:cs typeface="+mn-cs"/>
+              </a:defRPr>
+            </a:lvl2pPr>
+            <a:lvl3pPr marL="914400" indent="0" algn="ctr" defTabSz="914400" rtl="0" eaLnBrk="1" latinLnBrk="0" hangingPunct="1">
+              <a:spcBef>
+                <a:spcPct val="20000"/>
+              </a:spcBef>
+              <a:buFont typeface="Arial" pitchFamily="34" charset="0"/>
+              <a:buNone/>
+              <a:defRPr sz="2400" kern="1200">
+                <a:solidFill>
+                  <a:schemeClr val="tx1">
+                    <a:tint val="75000"/>
+                  </a:schemeClr>
+                </a:solidFill>
+                <a:latin typeface="+mn-lt"/>
+                <a:ea typeface="+mn-ea"/>
+                <a:cs typeface="+mn-cs"/>
+              </a:defRPr>
+            </a:lvl3pPr>
+            <a:lvl4pPr marL="1371600" indent="0" algn="ctr" defTabSz="914400" rtl="0" eaLnBrk="1" latinLnBrk="0" hangingPunct="1">
+              <a:spcBef>
+                <a:spcPct val="20000"/>
+              </a:spcBef>
+              <a:buFont typeface="Arial" pitchFamily="34" charset="0"/>
+              <a:buNone/>
+              <a:defRPr sz="2000" kern="1200">
+                <a:solidFill>
+                  <a:schemeClr val="tx1">
+                    <a:tint val="75000"/>
+                  </a:schemeClr>
+                </a:solidFill>
+                <a:latin typeface="+mn-lt"/>
+                <a:ea typeface="+mn-ea"/>
+                <a:cs typeface="+mn-cs"/>
+              </a:defRPr>
+            </a:lvl4pPr>
+            <a:lvl5pPr marL="1828800" indent="0" algn="ctr" defTabSz="914400" rtl="0" eaLnBrk="1" latinLnBrk="0" hangingPunct="1">
+              <a:spcBef>
+                <a:spcPct val="20000"/>
+              </a:spcBef>
+              <a:buFont typeface="Arial" pitchFamily="34" charset="0"/>
+              <a:buNone/>
+              <a:defRPr sz="2000" kern="1200">
+                <a:solidFill>
+                  <a:schemeClr val="tx1">
+                    <a:tint val="75000"/>
+                  </a:schemeClr>
+                </a:solidFill>
+                <a:latin typeface="+mn-lt"/>
+                <a:ea typeface="+mn-ea"/>
+                <a:cs typeface="+mn-cs"/>
+              </a:defRPr>
+            </a:lvl5pPr>
+            <a:lvl6pPr marL="2286000" indent="0" algn="ctr" defTabSz="914400" rtl="0" eaLnBrk="1" latinLnBrk="0" hangingPunct="1">
+              <a:spcBef>
+                <a:spcPct val="20000"/>
+              </a:spcBef>
+              <a:buFont typeface="Arial" pitchFamily="34" charset="0"/>
+              <a:buNone/>
+              <a:defRPr sz="2000" kern="1200">
+                <a:solidFill>
+                  <a:schemeClr val="tx1">
+                    <a:tint val="75000"/>
+                  </a:schemeClr>
+                </a:solidFill>
+                <a:latin typeface="+mn-lt"/>
+                <a:ea typeface="+mn-ea"/>
+                <a:cs typeface="+mn-cs"/>
+              </a:defRPr>
+            </a:lvl6pPr>
+            <a:lvl7pPr marL="2743200" indent="0" algn="ctr" defTabSz="914400" rtl="0" eaLnBrk="1" latinLnBrk="0" hangingPunct="1">
+              <a:spcBef>
+                <a:spcPct val="20000"/>
+              </a:spcBef>
+              <a:buFont typeface="Arial" pitchFamily="34" charset="0"/>
+              <a:buNone/>
+              <a:defRPr sz="2000" kern="1200">
+                <a:solidFill>
+                  <a:schemeClr val="tx1">
+                    <a:tint val="75000"/>
+                  </a:schemeClr>
+                </a:solidFill>
+                <a:latin typeface="+mn-lt"/>
+                <a:ea typeface="+mn-ea"/>
+                <a:cs typeface="+mn-cs"/>
+              </a:defRPr>
+            </a:lvl7pPr>
+            <a:lvl8pPr marL="3200400" indent="0" algn="ctr" defTabSz="914400" rtl="0" eaLnBrk="1" latinLnBrk="0" hangingPunct="1">
+              <a:spcBef>
+                <a:spcPct val="20000"/>
+              </a:spcBef>
+              <a:buFont typeface="Arial" pitchFamily="34" charset="0"/>
+              <a:buNone/>
+              <a:defRPr sz="2000" kern="1200">
+                <a:solidFill>
+                  <a:schemeClr val="tx1">
+                    <a:tint val="75000"/>
+                  </a:schemeClr>
+                </a:solidFill>
+                <a:latin typeface="+mn-lt"/>
+                <a:ea typeface="+mn-ea"/>
+                <a:cs typeface="+mn-cs"/>
+              </a:defRPr>
+            </a:lvl8pPr>
+            <a:lvl9pPr marL="3657600" indent="0" algn="ctr" defTabSz="914400" rtl="0" eaLnBrk="1" latinLnBrk="0" hangingPunct="1">
+              <a:spcBef>
+                <a:spcPct val="20000"/>
+              </a:spcBef>
+              <a:buFont typeface="Arial" pitchFamily="34" charset="0"/>
+              <a:buNone/>
+              <a:defRPr sz="2000" kern="1200">
+                <a:solidFill>
+                  <a:schemeClr val="tx1">
+                    <a:tint val="75000"/>
+                  </a:schemeClr>
+                </a:solidFill>
+                <a:latin typeface="+mn-lt"/>
+                <a:ea typeface="+mn-ea"/>
+                <a:cs typeface="+mn-cs"/>
+              </a:defRPr>
+            </a:lvl9pPr>
+          </a:lstStyle>
+          <a:p>
+            <a:pPr marL="342900" indent="-342900" algn="l">
+              <a:buClr>
+                <a:srgbClr val="0070C0"/>
+              </a:buClr>
+              <a:buSzPct val="80000"/>
+              <a:buFont typeface="Wingdings" pitchFamily="2" charset="2"/>
+              <a:buChar char="u"/>
+            </a:pPr>
+            <a:r>
+              <a:rPr lang="en-US" sz="1800" b="1" dirty="0">
+                <a:solidFill>
+                  <a:srgbClr val="C00000"/>
+                </a:solidFill>
+              </a:rPr>
+              <a:t>Knode 2 (Window Machine): ipconfig</a:t>
+            </a:r>
+          </a:p>
+          <a:p>
+            <a:pPr marL="342900" indent="-342900" algn="l">
+              <a:buClr>
+                <a:srgbClr val="0070C0"/>
+              </a:buClr>
+              <a:buSzPct val="80000"/>
+              <a:buFont typeface="Wingdings" pitchFamily="2" charset="2"/>
+              <a:buChar char="u"/>
+            </a:pPr>
+            <a:r>
+              <a:rPr lang="en-US" sz="1800" dirty="0">
+                <a:solidFill>
+                  <a:schemeClr val="tx1"/>
+                </a:solidFill>
+              </a:rPr>
+              <a:t>IP address: 192.168.0.17</a:t>
+            </a:r>
+          </a:p>
+          <a:p>
+            <a:pPr marL="342900" indent="-342900" algn="l">
+              <a:buClr>
+                <a:srgbClr val="0070C0"/>
+              </a:buClr>
+              <a:buSzPct val="80000"/>
+              <a:buFont typeface="Wingdings" pitchFamily="2" charset="2"/>
+              <a:buChar char="u"/>
+            </a:pPr>
+            <a:r>
+              <a:rPr lang="en-US" sz="1800" dirty="0">
+                <a:solidFill>
+                  <a:schemeClr val="tx1"/>
+                </a:solidFill>
+              </a:rPr>
+              <a:t>Gateway: 192.168.0.1 </a:t>
+            </a:r>
+          </a:p>
+          <a:p>
+            <a:pPr marL="342900" indent="-342900" algn="l">
+              <a:buClr>
+                <a:srgbClr val="0070C0"/>
+              </a:buClr>
+              <a:buSzPct val="80000"/>
+              <a:buFont typeface="Wingdings" pitchFamily="2" charset="2"/>
+              <a:buChar char="u"/>
+            </a:pPr>
+            <a:r>
+              <a:rPr lang="en-US" sz="1800" dirty="0">
+                <a:solidFill>
+                  <a:schemeClr val="tx1"/>
+                </a:solidFill>
+              </a:rPr>
+              <a:t>&gt; route add 192.168.1.0 MASK 255.255.255.0 192.168.0.1</a:t>
+            </a:r>
+            <a:endParaRPr lang="en-US" sz="1800" dirty="0">
+              <a:solidFill>
+                <a:srgbClr val="C00000"/>
+              </a:solidFill>
+            </a:endParaRPr>
+          </a:p>
+          <a:p>
+            <a:pPr marL="342900" indent="-342900" algn="l">
+              <a:buClr>
+                <a:srgbClr val="0070C0"/>
+              </a:buClr>
+              <a:buSzPct val="80000"/>
+              <a:buFont typeface="Wingdings" pitchFamily="2" charset="2"/>
+              <a:buChar char="u"/>
+            </a:pPr>
+            <a:r>
+              <a:rPr lang="en-US" sz="1800" i="0" dirty="0">
+                <a:solidFill>
+                  <a:schemeClr val="tx1"/>
+                </a:solidFill>
+                <a:effectLst/>
+              </a:rPr>
+              <a:t>Note:</a:t>
+            </a:r>
+          </a:p>
+          <a:p>
+            <a:pPr marL="342900" indent="-342900" algn="l">
+              <a:buClr>
+                <a:srgbClr val="0070C0"/>
+              </a:buClr>
+              <a:buSzPct val="80000"/>
+              <a:buFont typeface="Wingdings" pitchFamily="2" charset="2"/>
+              <a:buChar char="u"/>
+            </a:pPr>
+            <a:r>
+              <a:rPr lang="en-US" sz="1800" dirty="0">
+                <a:solidFill>
+                  <a:schemeClr val="tx1"/>
+                </a:solidFill>
+              </a:rPr>
+              <a:t>How to choose destination?</a:t>
+            </a:r>
+          </a:p>
+          <a:p>
+            <a:pPr marL="342900" indent="-342900" algn="l">
+              <a:buClr>
+                <a:srgbClr val="0070C0"/>
+              </a:buClr>
+              <a:buSzPct val="80000"/>
+              <a:buFont typeface="Wingdings" pitchFamily="2" charset="2"/>
+              <a:buChar char="u"/>
+            </a:pPr>
+            <a:r>
+              <a:rPr lang="en-US" sz="1800" i="0" dirty="0">
+                <a:solidFill>
+                  <a:schemeClr val="tx1"/>
+                </a:solidFill>
+                <a:effectLst/>
+              </a:rPr>
+              <a:t>Use 193.268.0.x (x exclude 17).</a:t>
+            </a:r>
+          </a:p>
+          <a:p>
+            <a:pPr marL="342900" indent="-342900" algn="l">
+              <a:buClr>
+                <a:srgbClr val="0070C0"/>
+              </a:buClr>
+              <a:buSzPct val="80000"/>
+              <a:buFont typeface="Wingdings" pitchFamily="2" charset="2"/>
+              <a:buChar char="u"/>
+            </a:pPr>
+            <a:endParaRPr lang="en-US" sz="1800" b="1" dirty="0">
+              <a:solidFill>
+                <a:srgbClr val="C00000"/>
+              </a:solidFill>
+            </a:endParaRPr>
+          </a:p>
+        </p:txBody>
+      </p:sp>
+      <p:sp>
+        <p:nvSpPr>
+          <p:cNvPr id="7" name="Rectangle 6">
+            <a:extLst>
+              <a:ext uri="{FF2B5EF4-FFF2-40B4-BE49-F238E27FC236}">
+                <a16:creationId xmlns:a16="http://schemas.microsoft.com/office/drawing/2014/main" id="{A146F826-D669-700D-0578-1454BFBAFAF4}"/>
+              </a:ext>
+            </a:extLst>
+          </p:cNvPr>
+          <p:cNvSpPr/>
+          <p:nvPr/>
+        </p:nvSpPr>
+        <p:spPr>
+          <a:xfrm>
+            <a:off x="5796136" y="1988840"/>
+            <a:ext cx="1224136" cy="216024"/>
+          </a:xfrm>
+          <a:prstGeom prst="rect">
+            <a:avLst/>
+          </a:prstGeom>
+          <a:noFill/>
+          <a:ln>
+            <a:solidFill>
+              <a:srgbClr val="C00000"/>
+            </a:solidFill>
+          </a:ln>
+        </p:spPr>
+        <p:style>
+          <a:lnRef idx="2">
+            <a:schemeClr val="accent1">
+              <a:shade val="50000"/>
+            </a:schemeClr>
+          </a:lnRef>
+          <a:fillRef idx="1">
+            <a:schemeClr val="accent1"/>
+          </a:fillRef>
+          <a:effectRef idx="0">
+            <a:schemeClr val="accent1"/>
+          </a:effectRef>
+          <a:fontRef idx="minor">
+            <a:schemeClr val="lt1"/>
+          </a:fontRef>
+        </p:style>
+        <p:txBody>
+          <a:bodyPr rtlCol="0" anchor="ctr"/>
+          <a:lstStyle/>
+          <a:p>
+            <a:pPr algn="ctr"/>
+            <a:endParaRPr lang="en-US"/>
+          </a:p>
+        </p:txBody>
+      </p:sp>
+      <p:sp>
+        <p:nvSpPr>
+          <p:cNvPr id="10" name="Rectangle 9">
+            <a:extLst>
+              <a:ext uri="{FF2B5EF4-FFF2-40B4-BE49-F238E27FC236}">
+                <a16:creationId xmlns:a16="http://schemas.microsoft.com/office/drawing/2014/main" id="{BFDADC64-4D52-F48E-FE7A-FFCEA4AF1938}"/>
+              </a:ext>
+            </a:extLst>
+          </p:cNvPr>
+          <p:cNvSpPr/>
+          <p:nvPr/>
+        </p:nvSpPr>
+        <p:spPr>
+          <a:xfrm>
+            <a:off x="2051720" y="2564904"/>
+            <a:ext cx="1224136" cy="288032"/>
+          </a:xfrm>
+          <a:prstGeom prst="rect">
+            <a:avLst/>
+          </a:prstGeom>
+          <a:noFill/>
+          <a:ln>
+            <a:solidFill>
+              <a:srgbClr val="C00000"/>
+            </a:solidFill>
+          </a:ln>
+        </p:spPr>
+        <p:style>
+          <a:lnRef idx="2">
+            <a:schemeClr val="accent1">
+              <a:shade val="50000"/>
+            </a:schemeClr>
+          </a:lnRef>
+          <a:fillRef idx="1">
+            <a:schemeClr val="accent1"/>
+          </a:fillRef>
+          <a:effectRef idx="0">
+            <a:schemeClr val="accent1"/>
+          </a:effectRef>
+          <a:fontRef idx="minor">
+            <a:schemeClr val="lt1"/>
+          </a:fontRef>
+        </p:style>
+        <p:txBody>
+          <a:bodyPr rtlCol="0" anchor="ctr"/>
+          <a:lstStyle/>
+          <a:p>
+            <a:pPr algn="ctr"/>
+            <a:endParaRPr lang="en-US"/>
+          </a:p>
+        </p:txBody>
+      </p:sp>
+      <p:cxnSp>
+        <p:nvCxnSpPr>
+          <p:cNvPr id="13" name="Straight Arrow Connector 12">
+            <a:extLst>
+              <a:ext uri="{FF2B5EF4-FFF2-40B4-BE49-F238E27FC236}">
+                <a16:creationId xmlns:a16="http://schemas.microsoft.com/office/drawing/2014/main" id="{82C38A47-7355-1980-209A-78377084D1EF}"/>
+              </a:ext>
+            </a:extLst>
+          </p:cNvPr>
+          <p:cNvCxnSpPr>
+            <a:stCxn id="7" idx="1"/>
+            <a:endCxn id="10" idx="3"/>
+          </p:cNvCxnSpPr>
+          <p:nvPr/>
+        </p:nvCxnSpPr>
+        <p:spPr>
+          <a:xfrm flipH="1">
+            <a:off x="3275856" y="2096852"/>
+            <a:ext cx="2520280" cy="612068"/>
+          </a:xfrm>
+          <a:prstGeom prst="straightConnector1">
+            <a:avLst/>
+          </a:prstGeom>
+          <a:ln>
+            <a:tailEnd type="triangle"/>
+          </a:ln>
+        </p:spPr>
+        <p:style>
+          <a:lnRef idx="1">
+            <a:schemeClr val="accent2"/>
+          </a:lnRef>
+          <a:fillRef idx="0">
+            <a:schemeClr val="accent2"/>
+          </a:fillRef>
+          <a:effectRef idx="0">
+            <a:schemeClr val="accent2"/>
+          </a:effectRef>
+          <a:fontRef idx="minor">
+            <a:schemeClr val="tx1"/>
+          </a:fontRef>
+        </p:style>
+      </p:cxnSp>
+      <p:sp>
+        <p:nvSpPr>
+          <p:cNvPr id="14" name="Rectangle 13">
+            <a:extLst>
+              <a:ext uri="{FF2B5EF4-FFF2-40B4-BE49-F238E27FC236}">
+                <a16:creationId xmlns:a16="http://schemas.microsoft.com/office/drawing/2014/main" id="{F7FF471B-5ACA-C270-57FF-87025388E3F2}"/>
+              </a:ext>
+            </a:extLst>
+          </p:cNvPr>
+          <p:cNvSpPr/>
+          <p:nvPr/>
+        </p:nvSpPr>
+        <p:spPr>
+          <a:xfrm>
+            <a:off x="6317342" y="2564904"/>
+            <a:ext cx="1224136" cy="288032"/>
+          </a:xfrm>
+          <a:prstGeom prst="rect">
+            <a:avLst/>
+          </a:prstGeom>
+          <a:noFill/>
+          <a:ln>
+            <a:solidFill>
+              <a:srgbClr val="C00000"/>
+            </a:solidFill>
+          </a:ln>
+        </p:spPr>
+        <p:style>
+          <a:lnRef idx="2">
+            <a:schemeClr val="accent1">
+              <a:shade val="50000"/>
+            </a:schemeClr>
+          </a:lnRef>
+          <a:fillRef idx="1">
+            <a:schemeClr val="accent1"/>
+          </a:fillRef>
+          <a:effectRef idx="0">
+            <a:schemeClr val="accent1"/>
+          </a:effectRef>
+          <a:fontRef idx="minor">
+            <a:schemeClr val="lt1"/>
+          </a:fontRef>
+        </p:style>
+        <p:txBody>
+          <a:bodyPr rtlCol="0" anchor="ctr"/>
+          <a:lstStyle/>
+          <a:p>
+            <a:pPr algn="ctr"/>
+            <a:endParaRPr lang="en-US"/>
+          </a:p>
+        </p:txBody>
+      </p:sp>
+      <p:sp>
+        <p:nvSpPr>
+          <p:cNvPr id="15" name="Rectangle 14">
+            <a:extLst>
+              <a:ext uri="{FF2B5EF4-FFF2-40B4-BE49-F238E27FC236}">
+                <a16:creationId xmlns:a16="http://schemas.microsoft.com/office/drawing/2014/main" id="{B90D63D2-20C5-99B7-8B89-E02AED8ABF31}"/>
+              </a:ext>
+            </a:extLst>
+          </p:cNvPr>
+          <p:cNvSpPr/>
+          <p:nvPr/>
+        </p:nvSpPr>
+        <p:spPr>
+          <a:xfrm>
+            <a:off x="1530514" y="1938243"/>
+            <a:ext cx="1313294" cy="288032"/>
+          </a:xfrm>
+          <a:prstGeom prst="rect">
+            <a:avLst/>
+          </a:prstGeom>
+          <a:noFill/>
+          <a:ln>
+            <a:solidFill>
+              <a:srgbClr val="C00000"/>
+            </a:solidFill>
+          </a:ln>
+        </p:spPr>
+        <p:style>
+          <a:lnRef idx="2">
+            <a:schemeClr val="accent1">
+              <a:shade val="50000"/>
+            </a:schemeClr>
+          </a:lnRef>
+          <a:fillRef idx="1">
+            <a:schemeClr val="accent1"/>
+          </a:fillRef>
+          <a:effectRef idx="0">
+            <a:schemeClr val="accent1"/>
+          </a:effectRef>
+          <a:fontRef idx="minor">
+            <a:schemeClr val="lt1"/>
+          </a:fontRef>
+        </p:style>
+        <p:txBody>
+          <a:bodyPr rtlCol="0" anchor="ctr"/>
+          <a:lstStyle/>
+          <a:p>
+            <a:pPr algn="ctr"/>
+            <a:endParaRPr lang="en-US"/>
+          </a:p>
+        </p:txBody>
+      </p:sp>
+      <p:cxnSp>
+        <p:nvCxnSpPr>
+          <p:cNvPr id="17" name="Straight Arrow Connector 16">
+            <a:extLst>
+              <a:ext uri="{FF2B5EF4-FFF2-40B4-BE49-F238E27FC236}">
+                <a16:creationId xmlns:a16="http://schemas.microsoft.com/office/drawing/2014/main" id="{3E3EA7B3-1E65-2AC1-B188-C4EDEC8F300E}"/>
+              </a:ext>
+            </a:extLst>
+          </p:cNvPr>
+          <p:cNvCxnSpPr>
+            <a:endCxn id="14" idx="1"/>
+          </p:cNvCxnSpPr>
+          <p:nvPr/>
+        </p:nvCxnSpPr>
+        <p:spPr>
+          <a:xfrm>
+            <a:off x="2843808" y="2073690"/>
+            <a:ext cx="3473534" cy="635230"/>
+          </a:xfrm>
+          <a:prstGeom prst="straightConnector1">
+            <a:avLst/>
+          </a:prstGeom>
+          <a:ln>
+            <a:tailEnd type="triangle"/>
+          </a:ln>
+        </p:spPr>
+        <p:style>
+          <a:lnRef idx="1">
+            <a:schemeClr val="accent2"/>
+          </a:lnRef>
+          <a:fillRef idx="0">
+            <a:schemeClr val="accent2"/>
+          </a:fillRef>
+          <a:effectRef idx="0">
+            <a:schemeClr val="accent2"/>
+          </a:effectRef>
+          <a:fontRef idx="minor">
+            <a:schemeClr val="tx1"/>
+          </a:fontRef>
+        </p:style>
+      </p:cxnSp>
+    </p:spTree>
+    <p:extLst>
+      <p:ext uri="{BB962C8B-B14F-4D97-AF65-F5344CB8AC3E}">
+        <p14:creationId xmlns:p14="http://schemas.microsoft.com/office/powerpoint/2010/main" val="4287409420"/>
+      </p:ext>
+    </p:extLst>
+  </p:cSld>
+  <p:clrMapOvr>
+    <a:masterClrMapping/>
+  </p:clrMapOvr>
+</p:sld>
+</file>
+
+<file path=ppt/slides/slide23.xml><?xml version="1.0" encoding="utf-8"?>
+<p:sld xmlns:a="http://schemas.openxmlformats.org/drawingml/2006/main" xmlns:r="http://schemas.openxmlformats.org/officeDocument/2006/relationships" xmlns:p="http://schemas.openxmlformats.org/presentationml/2006/main">
+  <p:cSld>
+    <p:spTree>
+      <p:nvGrpSpPr>
+        <p:cNvPr id="1" name=""/>
+        <p:cNvGrpSpPr/>
+        <p:nvPr/>
+      </p:nvGrpSpPr>
+      <p:grpSpPr>
+        <a:xfrm>
+          <a:off x="0" y="0"/>
+          <a:ext cx="0" cy="0"/>
+          <a:chOff x="0" y="0"/>
+          <a:chExt cx="0" cy="0"/>
+        </a:xfrm>
+      </p:grpSpPr>
+      <p:sp>
+        <p:nvSpPr>
+          <p:cNvPr id="2" name="標題 1"/>
+          <p:cNvSpPr>
+            <a:spLocks noGrp="1"/>
+          </p:cNvSpPr>
+          <p:nvPr>
+            <p:ph type="ctrTitle"/>
+          </p:nvPr>
+        </p:nvSpPr>
+        <p:spPr>
+          <a:xfrm>
+            <a:off x="0" y="1"/>
+            <a:ext cx="9144000" cy="764704"/>
+          </a:xfrm>
+          <a:gradFill flip="none" rotWithShape="1">
+            <a:gsLst>
+              <a:gs pos="0">
+                <a:srgbClr val="C00000">
+                  <a:shade val="30000"/>
+                  <a:satMod val="115000"/>
+                </a:srgbClr>
+              </a:gs>
+              <a:gs pos="50000">
+                <a:srgbClr val="C00000">
+                  <a:shade val="67500"/>
+                  <a:satMod val="115000"/>
+                </a:srgbClr>
+              </a:gs>
+              <a:gs pos="100000">
+                <a:srgbClr val="C00000">
+                  <a:shade val="100000"/>
+                  <a:satMod val="115000"/>
+                </a:srgbClr>
+              </a:gs>
+            </a:gsLst>
+            <a:path path="circle">
+              <a:fillToRect t="100000" r="100000"/>
+            </a:path>
+            <a:tileRect l="-100000" b="-100000"/>
+          </a:gradFill>
+        </p:spPr>
+        <p:txBody>
+          <a:bodyPr>
+            <a:normAutofit/>
+          </a:bodyPr>
+          <a:lstStyle/>
+          <a:p>
+            <a:pPr algn="l"/>
+            <a:r>
+              <a:rPr lang="en-US" altLang="zh-TW" sz="4400" b="1" dirty="0">
+                <a:solidFill>
+                  <a:srgbClr val="FFFF00"/>
+                </a:solidFill>
+              </a:rPr>
+              <a:t>0.1 Cluster</a:t>
+            </a:r>
+            <a:endParaRPr lang="zh-TW" altLang="en-US" b="1" dirty="0">
+              <a:solidFill>
+                <a:srgbClr val="FFFF00"/>
+              </a:solidFill>
+            </a:endParaRPr>
+          </a:p>
+        </p:txBody>
+      </p:sp>
+      <p:sp>
+        <p:nvSpPr>
+          <p:cNvPr id="3" name="副標題 2"/>
+          <p:cNvSpPr>
+            <a:spLocks noGrp="1"/>
+          </p:cNvSpPr>
+          <p:nvPr>
+            <p:ph type="subTitle" idx="1"/>
+          </p:nvPr>
+        </p:nvSpPr>
+        <p:spPr>
+          <a:xfrm>
+            <a:off x="299419" y="1353624"/>
+            <a:ext cx="4416598" cy="995256"/>
+          </a:xfrm>
+          <a:ln>
+            <a:solidFill>
+              <a:srgbClr val="C00000"/>
+            </a:solidFill>
+          </a:ln>
+        </p:spPr>
+        <p:txBody>
+          <a:bodyPr>
+            <a:noAutofit/>
+          </a:bodyPr>
+          <a:lstStyle/>
+          <a:p>
+            <a:pPr marL="342900" indent="-342900" algn="l">
+              <a:buClr>
+                <a:srgbClr val="0070C0"/>
+              </a:buClr>
+              <a:buSzPct val="80000"/>
+              <a:buFont typeface="Wingdings" pitchFamily="2" charset="2"/>
+              <a:buChar char="u"/>
+            </a:pPr>
+            <a:r>
+              <a:rPr lang="en-US" sz="1800" b="1" dirty="0">
+                <a:solidFill>
+                  <a:srgbClr val="C00000"/>
+                </a:solidFill>
+              </a:rPr>
+              <a:t>Ping new route 192.168.1.1 from Knode1 to Knode2</a:t>
+            </a:r>
+          </a:p>
+          <a:p>
+            <a:pPr marL="342900" indent="-342900" algn="l">
+              <a:buClr>
+                <a:srgbClr val="0070C0"/>
+              </a:buClr>
+              <a:buSzPct val="80000"/>
+              <a:buFont typeface="Wingdings" pitchFamily="2" charset="2"/>
+              <a:buChar char="u"/>
+            </a:pPr>
+            <a:r>
+              <a:rPr lang="en-US" sz="1800" i="0" dirty="0">
+                <a:solidFill>
+                  <a:schemeClr val="tx1"/>
+                </a:solidFill>
+                <a:effectLst/>
+              </a:rPr>
+              <a:t>&gt; ping 192.168.1.1</a:t>
+            </a:r>
+          </a:p>
+        </p:txBody>
+      </p:sp>
+      <p:sp>
+        <p:nvSpPr>
+          <p:cNvPr id="4" name="標題 1"/>
+          <p:cNvSpPr txBox="1">
+            <a:spLocks/>
+          </p:cNvSpPr>
+          <p:nvPr/>
+        </p:nvSpPr>
+        <p:spPr>
+          <a:xfrm>
+            <a:off x="0" y="764704"/>
+            <a:ext cx="9144000" cy="360040"/>
+          </a:xfrm>
+          <a:prstGeom prst="rect">
+            <a:avLst/>
+          </a:prstGeom>
+          <a:gradFill flip="none" rotWithShape="1">
+            <a:gsLst>
+              <a:gs pos="0">
+                <a:srgbClr val="00B0F0">
+                  <a:shade val="30000"/>
+                  <a:satMod val="115000"/>
+                </a:srgbClr>
+              </a:gs>
+              <a:gs pos="50000">
+                <a:srgbClr val="00B0F0">
+                  <a:shade val="67500"/>
+                  <a:satMod val="115000"/>
+                </a:srgbClr>
+              </a:gs>
+              <a:gs pos="100000">
+                <a:srgbClr val="00B0F0">
+                  <a:shade val="100000"/>
+                  <a:satMod val="115000"/>
+                </a:srgbClr>
+              </a:gs>
+            </a:gsLst>
+            <a:path path="circle">
+              <a:fillToRect t="100000" r="100000"/>
+            </a:path>
+            <a:tileRect l="-100000" b="-100000"/>
+          </a:gradFill>
+        </p:spPr>
+        <p:txBody>
+          <a:bodyPr vert="horz" lIns="91440" tIns="45720" rIns="91440" bIns="45720" rtlCol="0" anchor="ctr">
+            <a:normAutofit/>
+          </a:bodyPr>
+          <a:lstStyle/>
+          <a:p>
+            <a:pPr lvl="0">
+              <a:spcBef>
+                <a:spcPct val="0"/>
+              </a:spcBef>
+            </a:pPr>
+            <a:r>
+              <a:rPr lang="en-US" sz="1600" dirty="0"/>
+              <a:t>https://www.youtube.com/watch?v=UWg3ORRRF60</a:t>
+            </a:r>
+            <a:endParaRPr kumimoji="0" lang="zh-TW" altLang="en-US" sz="1600" b="0" i="0" u="none" strike="noStrike" kern="1200" cap="none" spc="0" normalizeH="0" baseline="0" noProof="0" dirty="0">
+              <a:ln>
+                <a:noFill/>
+              </a:ln>
+              <a:solidFill>
+                <a:schemeClr val="tx1"/>
+              </a:solidFill>
+              <a:effectLst/>
+              <a:uLnTx/>
+              <a:uFillTx/>
+              <a:latin typeface="+mj-lt"/>
+              <a:ea typeface="+mj-ea"/>
+              <a:cs typeface="+mj-cs"/>
+            </a:endParaRPr>
+          </a:p>
+        </p:txBody>
+      </p:sp>
+      <p:sp>
+        <p:nvSpPr>
+          <p:cNvPr id="5" name="日期版面配置區 4"/>
+          <p:cNvSpPr>
+            <a:spLocks noGrp="1"/>
+          </p:cNvSpPr>
+          <p:nvPr>
+            <p:ph type="dt" sz="half" idx="10"/>
+          </p:nvPr>
+        </p:nvSpPr>
+        <p:spPr/>
+        <p:txBody>
+          <a:bodyPr/>
+          <a:lstStyle/>
+          <a:p>
+            <a:fld id="{A4F910E6-8D00-4BAF-8C48-9688E0B449D3}" type="datetime1">
+              <a:rPr lang="zh-TW" altLang="en-US" smtClean="0"/>
+              <a:pPr/>
+              <a:t>2022/11/19</a:t>
+            </a:fld>
+            <a:endParaRPr lang="zh-TW" altLang="en-US"/>
+          </a:p>
+        </p:txBody>
+      </p:sp>
+      <p:sp>
+        <p:nvSpPr>
+          <p:cNvPr id="6" name="投影片編號版面配置區 5"/>
+          <p:cNvSpPr>
+            <a:spLocks noGrp="1"/>
+          </p:cNvSpPr>
+          <p:nvPr>
+            <p:ph type="sldNum" sz="quarter" idx="12"/>
+          </p:nvPr>
+        </p:nvSpPr>
+        <p:spPr/>
+        <p:txBody>
+          <a:bodyPr/>
+          <a:lstStyle/>
+          <a:p>
+            <a:fld id="{E4D7E63D-91F2-4366-A2C4-1B00C9E2590E}" type="slidenum">
+              <a:rPr lang="zh-TW" altLang="en-US" smtClean="0"/>
+              <a:pPr/>
+              <a:t>23</a:t>
+            </a:fld>
+            <a:endParaRPr lang="zh-TW" altLang="en-US"/>
+          </a:p>
+        </p:txBody>
+      </p:sp>
+      <p:sp>
+        <p:nvSpPr>
+          <p:cNvPr id="10" name="Rectangle 9">
+            <a:extLst>
+              <a:ext uri="{FF2B5EF4-FFF2-40B4-BE49-F238E27FC236}">
+                <a16:creationId xmlns:a16="http://schemas.microsoft.com/office/drawing/2014/main" id="{F7C907B7-5A76-47F6-AD56-C6CAF63DDE6A}"/>
+              </a:ext>
+            </a:extLst>
+          </p:cNvPr>
+          <p:cNvSpPr/>
+          <p:nvPr/>
+        </p:nvSpPr>
+        <p:spPr>
+          <a:xfrm>
+            <a:off x="4355976" y="6093296"/>
+            <a:ext cx="4176464" cy="263053"/>
+          </a:xfrm>
+          <a:prstGeom prst="rect">
+            <a:avLst/>
+          </a:prstGeom>
+          <a:noFill/>
+          <a:ln>
+            <a:solidFill>
+              <a:srgbClr val="C00000"/>
+            </a:solidFill>
+          </a:ln>
+        </p:spPr>
+        <p:style>
+          <a:lnRef idx="2">
+            <a:schemeClr val="accent1">
+              <a:shade val="50000"/>
+            </a:schemeClr>
+          </a:lnRef>
+          <a:fillRef idx="1">
+            <a:schemeClr val="accent1"/>
+          </a:fillRef>
+          <a:effectRef idx="0">
+            <a:schemeClr val="accent1"/>
+          </a:effectRef>
+          <a:fontRef idx="minor">
+            <a:schemeClr val="lt1"/>
+          </a:fontRef>
+        </p:style>
+        <p:txBody>
+          <a:bodyPr rtlCol="0" anchor="ctr"/>
+          <a:lstStyle/>
+          <a:p>
+            <a:pPr algn="ctr"/>
+            <a:endParaRPr lang="en-US"/>
+          </a:p>
+        </p:txBody>
+      </p:sp>
+      <p:pic>
+        <p:nvPicPr>
+          <p:cNvPr id="9" name="Picture 8">
+            <a:extLst>
+              <a:ext uri="{FF2B5EF4-FFF2-40B4-BE49-F238E27FC236}">
+                <a16:creationId xmlns:a16="http://schemas.microsoft.com/office/drawing/2014/main" id="{9A79154D-1366-01B6-DBF4-331AF85C9669}"/>
+              </a:ext>
+            </a:extLst>
+          </p:cNvPr>
+          <p:cNvPicPr>
+            <a:picLocks noChangeAspect="1"/>
+          </p:cNvPicPr>
+          <p:nvPr/>
+        </p:nvPicPr>
+        <p:blipFill>
+          <a:blip r:embed="rId2"/>
+          <a:stretch>
+            <a:fillRect/>
+          </a:stretch>
+        </p:blipFill>
+        <p:spPr>
+          <a:xfrm>
+            <a:off x="307817" y="2624222"/>
+            <a:ext cx="4264183" cy="2178350"/>
+          </a:xfrm>
+          <a:prstGeom prst="rect">
+            <a:avLst/>
+          </a:prstGeom>
+          <a:ln>
+            <a:solidFill>
+              <a:srgbClr val="C00000"/>
+            </a:solidFill>
+          </a:ln>
+        </p:spPr>
+      </p:pic>
+      <p:sp>
+        <p:nvSpPr>
+          <p:cNvPr id="12" name="副標題 2">
+            <a:extLst>
+              <a:ext uri="{FF2B5EF4-FFF2-40B4-BE49-F238E27FC236}">
+                <a16:creationId xmlns:a16="http://schemas.microsoft.com/office/drawing/2014/main" id="{9ACE567A-C772-1C6A-0963-DF35FCA9435E}"/>
+              </a:ext>
+            </a:extLst>
+          </p:cNvPr>
+          <p:cNvSpPr txBox="1">
+            <a:spLocks/>
+          </p:cNvSpPr>
+          <p:nvPr/>
+        </p:nvSpPr>
+        <p:spPr>
+          <a:xfrm>
+            <a:off x="4989471" y="1353624"/>
+            <a:ext cx="3950014" cy="923248"/>
+          </a:xfrm>
+          <a:prstGeom prst="rect">
+            <a:avLst/>
+          </a:prstGeom>
+          <a:ln>
+            <a:solidFill>
+              <a:srgbClr val="C00000"/>
+            </a:solidFill>
+          </a:ln>
+        </p:spPr>
+        <p:txBody>
+          <a:bodyPr vert="horz" lIns="91440" tIns="45720" rIns="91440" bIns="45720" rtlCol="0">
+            <a:noAutofit/>
+          </a:bodyPr>
+          <a:lstStyle>
+            <a:lvl1pPr marL="0" indent="0" algn="ctr" defTabSz="914400" rtl="0" eaLnBrk="1" latinLnBrk="0" hangingPunct="1">
+              <a:spcBef>
+                <a:spcPct val="20000"/>
+              </a:spcBef>
+              <a:buFont typeface="Arial" pitchFamily="34" charset="0"/>
+              <a:buNone/>
+              <a:defRPr sz="3200" kern="1200">
+                <a:solidFill>
+                  <a:schemeClr val="tx1">
+                    <a:tint val="75000"/>
+                  </a:schemeClr>
+                </a:solidFill>
+                <a:latin typeface="+mn-lt"/>
+                <a:ea typeface="+mn-ea"/>
+                <a:cs typeface="+mn-cs"/>
+              </a:defRPr>
+            </a:lvl1pPr>
+            <a:lvl2pPr marL="457200" indent="0" algn="ctr" defTabSz="914400" rtl="0" eaLnBrk="1" latinLnBrk="0" hangingPunct="1">
+              <a:spcBef>
+                <a:spcPct val="20000"/>
+              </a:spcBef>
+              <a:buFont typeface="Arial" pitchFamily="34" charset="0"/>
+              <a:buNone/>
+              <a:defRPr sz="2800" kern="1200">
+                <a:solidFill>
+                  <a:schemeClr val="tx1">
+                    <a:tint val="75000"/>
+                  </a:schemeClr>
+                </a:solidFill>
+                <a:latin typeface="+mn-lt"/>
+                <a:ea typeface="+mn-ea"/>
+                <a:cs typeface="+mn-cs"/>
+              </a:defRPr>
+            </a:lvl2pPr>
+            <a:lvl3pPr marL="914400" indent="0" algn="ctr" defTabSz="914400" rtl="0" eaLnBrk="1" latinLnBrk="0" hangingPunct="1">
+              <a:spcBef>
+                <a:spcPct val="20000"/>
+              </a:spcBef>
+              <a:buFont typeface="Arial" pitchFamily="34" charset="0"/>
+              <a:buNone/>
+              <a:defRPr sz="2400" kern="1200">
+                <a:solidFill>
+                  <a:schemeClr val="tx1">
+                    <a:tint val="75000"/>
+                  </a:schemeClr>
+                </a:solidFill>
+                <a:latin typeface="+mn-lt"/>
+                <a:ea typeface="+mn-ea"/>
+                <a:cs typeface="+mn-cs"/>
+              </a:defRPr>
+            </a:lvl3pPr>
+            <a:lvl4pPr marL="1371600" indent="0" algn="ctr" defTabSz="914400" rtl="0" eaLnBrk="1" latinLnBrk="0" hangingPunct="1">
+              <a:spcBef>
+                <a:spcPct val="20000"/>
+              </a:spcBef>
+              <a:buFont typeface="Arial" pitchFamily="34" charset="0"/>
+              <a:buNone/>
+              <a:defRPr sz="2000" kern="1200">
+                <a:solidFill>
+                  <a:schemeClr val="tx1">
+                    <a:tint val="75000"/>
+                  </a:schemeClr>
+                </a:solidFill>
+                <a:latin typeface="+mn-lt"/>
+                <a:ea typeface="+mn-ea"/>
+                <a:cs typeface="+mn-cs"/>
+              </a:defRPr>
+            </a:lvl4pPr>
+            <a:lvl5pPr marL="1828800" indent="0" algn="ctr" defTabSz="914400" rtl="0" eaLnBrk="1" latinLnBrk="0" hangingPunct="1">
+              <a:spcBef>
+                <a:spcPct val="20000"/>
+              </a:spcBef>
+              <a:buFont typeface="Arial" pitchFamily="34" charset="0"/>
+              <a:buNone/>
+              <a:defRPr sz="2000" kern="1200">
+                <a:solidFill>
+                  <a:schemeClr val="tx1">
+                    <a:tint val="75000"/>
+                  </a:schemeClr>
+                </a:solidFill>
+                <a:latin typeface="+mn-lt"/>
+                <a:ea typeface="+mn-ea"/>
+                <a:cs typeface="+mn-cs"/>
+              </a:defRPr>
+            </a:lvl5pPr>
+            <a:lvl6pPr marL="2286000" indent="0" algn="ctr" defTabSz="914400" rtl="0" eaLnBrk="1" latinLnBrk="0" hangingPunct="1">
+              <a:spcBef>
+                <a:spcPct val="20000"/>
+              </a:spcBef>
+              <a:buFont typeface="Arial" pitchFamily="34" charset="0"/>
+              <a:buNone/>
+              <a:defRPr sz="2000" kern="1200">
+                <a:solidFill>
+                  <a:schemeClr val="tx1">
+                    <a:tint val="75000"/>
+                  </a:schemeClr>
+                </a:solidFill>
+                <a:latin typeface="+mn-lt"/>
+                <a:ea typeface="+mn-ea"/>
+                <a:cs typeface="+mn-cs"/>
+              </a:defRPr>
+            </a:lvl6pPr>
+            <a:lvl7pPr marL="2743200" indent="0" algn="ctr" defTabSz="914400" rtl="0" eaLnBrk="1" latinLnBrk="0" hangingPunct="1">
+              <a:spcBef>
+                <a:spcPct val="20000"/>
+              </a:spcBef>
+              <a:buFont typeface="Arial" pitchFamily="34" charset="0"/>
+              <a:buNone/>
+              <a:defRPr sz="2000" kern="1200">
+                <a:solidFill>
+                  <a:schemeClr val="tx1">
+                    <a:tint val="75000"/>
+                  </a:schemeClr>
+                </a:solidFill>
+                <a:latin typeface="+mn-lt"/>
+                <a:ea typeface="+mn-ea"/>
+                <a:cs typeface="+mn-cs"/>
+              </a:defRPr>
+            </a:lvl7pPr>
+            <a:lvl8pPr marL="3200400" indent="0" algn="ctr" defTabSz="914400" rtl="0" eaLnBrk="1" latinLnBrk="0" hangingPunct="1">
+              <a:spcBef>
+                <a:spcPct val="20000"/>
+              </a:spcBef>
+              <a:buFont typeface="Arial" pitchFamily="34" charset="0"/>
+              <a:buNone/>
+              <a:defRPr sz="2000" kern="1200">
+                <a:solidFill>
+                  <a:schemeClr val="tx1">
+                    <a:tint val="75000"/>
+                  </a:schemeClr>
+                </a:solidFill>
+                <a:latin typeface="+mn-lt"/>
+                <a:ea typeface="+mn-ea"/>
+                <a:cs typeface="+mn-cs"/>
+              </a:defRPr>
+            </a:lvl8pPr>
+            <a:lvl9pPr marL="3657600" indent="0" algn="ctr" defTabSz="914400" rtl="0" eaLnBrk="1" latinLnBrk="0" hangingPunct="1">
+              <a:spcBef>
+                <a:spcPct val="20000"/>
+              </a:spcBef>
+              <a:buFont typeface="Arial" pitchFamily="34" charset="0"/>
+              <a:buNone/>
+              <a:defRPr sz="2000" kern="1200">
+                <a:solidFill>
+                  <a:schemeClr val="tx1">
+                    <a:tint val="75000"/>
+                  </a:schemeClr>
+                </a:solidFill>
+                <a:latin typeface="+mn-lt"/>
+                <a:ea typeface="+mn-ea"/>
+                <a:cs typeface="+mn-cs"/>
+              </a:defRPr>
+            </a:lvl9pPr>
+          </a:lstStyle>
+          <a:p>
+            <a:pPr marL="342900" indent="-342900" algn="l">
+              <a:buClr>
+                <a:srgbClr val="0070C0"/>
+              </a:buClr>
+              <a:buSzPct val="80000"/>
+              <a:buFont typeface="Wingdings" pitchFamily="2" charset="2"/>
+              <a:buChar char="u"/>
+            </a:pPr>
+            <a:r>
+              <a:rPr lang="en-US" sz="1800" b="1" dirty="0">
+                <a:solidFill>
+                  <a:srgbClr val="C00000"/>
+                </a:solidFill>
+              </a:rPr>
+              <a:t>Ping new route 192.168.0.0 from Knode1 to Knode2</a:t>
+            </a:r>
+          </a:p>
+          <a:p>
+            <a:pPr marL="342900" indent="-342900" algn="l">
+              <a:buClr>
+                <a:srgbClr val="0070C0"/>
+              </a:buClr>
+              <a:buSzPct val="80000"/>
+              <a:buFont typeface="Wingdings" pitchFamily="2" charset="2"/>
+              <a:buChar char="u"/>
+            </a:pPr>
+            <a:r>
+              <a:rPr lang="en-US" sz="1800" dirty="0">
+                <a:solidFill>
+                  <a:schemeClr val="tx1"/>
+                </a:solidFill>
+              </a:rPr>
+              <a:t>&gt; </a:t>
+            </a:r>
+            <a:r>
+              <a:rPr lang="en-US" sz="1800">
+                <a:solidFill>
+                  <a:schemeClr val="tx1"/>
+                </a:solidFill>
+              </a:rPr>
+              <a:t>ping 192.168.0.0</a:t>
+            </a:r>
+            <a:endParaRPr lang="en-US" sz="1800" dirty="0">
+              <a:solidFill>
+                <a:schemeClr val="tx1"/>
+              </a:solidFill>
+            </a:endParaRPr>
+          </a:p>
+        </p:txBody>
+      </p:sp>
+    </p:spTree>
+    <p:extLst>
+      <p:ext uri="{BB962C8B-B14F-4D97-AF65-F5344CB8AC3E}">
+        <p14:creationId xmlns:p14="http://schemas.microsoft.com/office/powerpoint/2010/main" val="3801564739"/>
+      </p:ext>
+    </p:extLst>
+  </p:cSld>
+  <p:clrMapOvr>
+    <a:masterClrMapping/>
+  </p:clrMapOvr>
+</p:sld>
+</file>
+
+<file path=ppt/slides/slide24.xml><?xml version="1.0" encoding="utf-8"?>
+<p:sld xmlns:a="http://schemas.openxmlformats.org/drawingml/2006/main" xmlns:r="http://schemas.openxmlformats.org/officeDocument/2006/relationships" xmlns:p="http://schemas.openxmlformats.org/presentationml/2006/main">
+  <p:cSld>
+    <p:spTree>
+      <p:nvGrpSpPr>
+        <p:cNvPr id="1" name=""/>
+        <p:cNvGrpSpPr/>
+        <p:nvPr/>
+      </p:nvGrpSpPr>
+      <p:grpSpPr>
+        <a:xfrm>
+          <a:off x="0" y="0"/>
+          <a:ext cx="0" cy="0"/>
+          <a:chOff x="0" y="0"/>
+          <a:chExt cx="0" cy="0"/>
+        </a:xfrm>
+      </p:grpSpPr>
+      <p:sp>
+        <p:nvSpPr>
+          <p:cNvPr id="2" name="標題 1"/>
+          <p:cNvSpPr>
+            <a:spLocks noGrp="1"/>
+          </p:cNvSpPr>
+          <p:nvPr>
+            <p:ph type="ctrTitle"/>
+          </p:nvPr>
+        </p:nvSpPr>
+        <p:spPr>
+          <a:xfrm>
+            <a:off x="0" y="2130425"/>
+            <a:ext cx="9144000" cy="1470025"/>
+          </a:xfrm>
+          <a:gradFill flip="none" rotWithShape="1">
+            <a:gsLst>
+              <a:gs pos="0">
+                <a:srgbClr val="00B0F0">
+                  <a:shade val="30000"/>
+                  <a:satMod val="115000"/>
+                </a:srgbClr>
+              </a:gs>
+              <a:gs pos="50000">
+                <a:srgbClr val="00B0F0">
+                  <a:shade val="67500"/>
+                  <a:satMod val="115000"/>
+                </a:srgbClr>
+              </a:gs>
+              <a:gs pos="100000">
+                <a:srgbClr val="00B0F0">
+                  <a:shade val="100000"/>
+                  <a:satMod val="115000"/>
+                </a:srgbClr>
+              </a:gs>
+            </a:gsLst>
+            <a:path path="circle">
+              <a:fillToRect t="100000" r="100000"/>
+            </a:path>
+            <a:tileRect l="-100000" b="-100000"/>
+          </a:gradFill>
+        </p:spPr>
+        <p:txBody>
+          <a:bodyPr>
+            <a:normAutofit/>
+          </a:bodyPr>
+          <a:lstStyle/>
+          <a:p>
+            <a:r>
+              <a:rPr lang="en-US" altLang="zh-TW" sz="6000" b="1" dirty="0">
+                <a:solidFill>
+                  <a:srgbClr val="FFFF00"/>
+                </a:solidFill>
+              </a:rPr>
+              <a:t>End</a:t>
+            </a:r>
+            <a:endParaRPr lang="zh-TW" altLang="en-US" sz="6000" b="1" dirty="0">
+              <a:solidFill>
+                <a:srgbClr val="FFFF00"/>
+              </a:solidFill>
+            </a:endParaRPr>
+          </a:p>
+        </p:txBody>
+      </p:sp>
+      <p:sp>
+        <p:nvSpPr>
+          <p:cNvPr id="5" name="日期版面配置區 4"/>
+          <p:cNvSpPr>
+            <a:spLocks noGrp="1"/>
+          </p:cNvSpPr>
+          <p:nvPr>
+            <p:ph type="dt" sz="half" idx="10"/>
+          </p:nvPr>
+        </p:nvSpPr>
+        <p:spPr/>
+        <p:txBody>
+          <a:bodyPr/>
+          <a:lstStyle/>
+          <a:p>
+            <a:fld id="{4E46BE27-E923-4EC2-B046-3272AE2A3E5C}" type="datetime1">
+              <a:rPr lang="zh-TW" altLang="en-US" smtClean="0"/>
+              <a:pPr/>
+              <a:t>2022/11/19</a:t>
+            </a:fld>
+            <a:endParaRPr lang="zh-TW" altLang="en-US"/>
+          </a:p>
+        </p:txBody>
+      </p:sp>
+      <p:sp>
+        <p:nvSpPr>
+          <p:cNvPr id="6" name="投影片編號版面配置區 5"/>
+          <p:cNvSpPr>
+            <a:spLocks noGrp="1"/>
+          </p:cNvSpPr>
+          <p:nvPr>
+            <p:ph type="sldNum" sz="quarter" idx="12"/>
+          </p:nvPr>
+        </p:nvSpPr>
+        <p:spPr/>
+        <p:txBody>
+          <a:bodyPr/>
+          <a:lstStyle/>
+          <a:p>
+            <a:fld id="{E4D7E63D-91F2-4366-A2C4-1B00C9E2590E}" type="slidenum">
+              <a:rPr lang="zh-TW" altLang="en-US" smtClean="0"/>
+              <a:pPr/>
+              <a:t>24</a:t>
+            </a:fld>
+            <a:endParaRPr lang="zh-TW" altLang="en-US"/>
+          </a:p>
+        </p:txBody>
+      </p:sp>
+    </p:spTree>
+  </p:cSld>
+  <p:clrMapOvr>
+    <a:masterClrMapping/>
+  </p:clrMapOvr>
+</p:sld>
+</file>
+
+<file path=ppt/slides/slide3.xml><?xml version="1.0" encoding="utf-8"?>
+<p:sld xmlns:a="http://schemas.openxmlformats.org/drawingml/2006/main" xmlns:r="http://schemas.openxmlformats.org/officeDocument/2006/relationships" xmlns:p="http://schemas.openxmlformats.org/presentationml/2006/main">
+  <p:cSld>
+    <p:spTree>
+      <p:nvGrpSpPr>
+        <p:cNvPr id="1" name=""/>
+        <p:cNvGrpSpPr/>
+        <p:nvPr/>
+      </p:nvGrpSpPr>
+      <p:grpSpPr>
+        <a:xfrm>
+          <a:off x="0" y="0"/>
+          <a:ext cx="0" cy="0"/>
+          <a:chOff x="0" y="0"/>
+          <a:chExt cx="0" cy="0"/>
+        </a:xfrm>
+      </p:grpSpPr>
+      <p:sp>
+        <p:nvSpPr>
+          <p:cNvPr id="2" name="標題 1"/>
+          <p:cNvSpPr>
+            <a:spLocks noGrp="1"/>
+          </p:cNvSpPr>
+          <p:nvPr>
+            <p:ph type="ctrTitle"/>
+          </p:nvPr>
+        </p:nvSpPr>
+        <p:spPr>
+          <a:xfrm>
+            <a:off x="0" y="1"/>
+            <a:ext cx="9144000" cy="764704"/>
+          </a:xfrm>
+          <a:gradFill flip="none" rotWithShape="1">
+            <a:gsLst>
+              <a:gs pos="0">
+                <a:srgbClr val="C00000">
+                  <a:shade val="30000"/>
+                  <a:satMod val="115000"/>
+                </a:srgbClr>
+              </a:gs>
+              <a:gs pos="50000">
+                <a:srgbClr val="C00000">
+                  <a:shade val="67500"/>
+                  <a:satMod val="115000"/>
+                </a:srgbClr>
+              </a:gs>
+              <a:gs pos="100000">
+                <a:srgbClr val="C00000">
+                  <a:shade val="100000"/>
+                  <a:satMod val="115000"/>
+                </a:srgbClr>
+              </a:gs>
+            </a:gsLst>
+            <a:path path="circle">
+              <a:fillToRect t="100000" r="100000"/>
+            </a:path>
+            <a:tileRect l="-100000" b="-100000"/>
+          </a:gradFill>
+        </p:spPr>
+        <p:txBody>
+          <a:bodyPr>
+            <a:normAutofit/>
+          </a:bodyPr>
+          <a:lstStyle/>
+          <a:p>
+            <a:pPr algn="l"/>
+            <a:r>
+              <a:rPr lang="en-US" altLang="zh-TW" sz="4400" b="1" dirty="0">
+                <a:solidFill>
+                  <a:srgbClr val="FFFF00"/>
+                </a:solidFill>
+              </a:rPr>
+              <a:t>0 Install Kubernetes: Introduction</a:t>
+            </a:r>
+            <a:endParaRPr lang="zh-TW" altLang="en-US" b="1" dirty="0">
+              <a:solidFill>
+                <a:srgbClr val="FFFF00"/>
+              </a:solidFill>
+            </a:endParaRPr>
+          </a:p>
+        </p:txBody>
+      </p:sp>
+      <p:sp>
+        <p:nvSpPr>
+          <p:cNvPr id="3" name="副標題 2"/>
+          <p:cNvSpPr>
+            <a:spLocks noGrp="1"/>
+          </p:cNvSpPr>
+          <p:nvPr>
+            <p:ph type="subTitle" idx="1"/>
+          </p:nvPr>
+        </p:nvSpPr>
+        <p:spPr>
+          <a:xfrm>
+            <a:off x="491331" y="1224079"/>
+            <a:ext cx="8329141" cy="692753"/>
+          </a:xfrm>
+          <a:ln>
+            <a:solidFill>
+              <a:srgbClr val="C00000"/>
+            </a:solidFill>
+          </a:ln>
+        </p:spPr>
+        <p:txBody>
+          <a:bodyPr>
+            <a:noAutofit/>
+          </a:bodyPr>
+          <a:lstStyle/>
+          <a:p>
+            <a:pPr marL="342900" indent="-342900" algn="l">
+              <a:buClr>
+                <a:srgbClr val="0070C0"/>
+              </a:buClr>
+              <a:buSzPct val="80000"/>
+              <a:buFont typeface="Wingdings" pitchFamily="2" charset="2"/>
+              <a:buChar char="u"/>
+            </a:pPr>
+            <a:r>
+              <a:rPr lang="en-US" sz="1800" b="1" i="0" dirty="0">
+                <a:solidFill>
+                  <a:schemeClr val="tx1"/>
+                </a:solidFill>
+                <a:effectLst/>
+              </a:rPr>
+              <a:t>Install Kubernetes: Introduction</a:t>
+            </a:r>
+          </a:p>
+          <a:p>
+            <a:pPr marL="342900" indent="-342900" algn="l">
+              <a:buClr>
+                <a:srgbClr val="0070C0"/>
+              </a:buClr>
+              <a:buSzPct val="80000"/>
+              <a:buFont typeface="Wingdings" pitchFamily="2" charset="2"/>
+              <a:buChar char="u"/>
+            </a:pPr>
+            <a:r>
+              <a:rPr lang="en-US" sz="1800" b="0" i="0" dirty="0">
+                <a:solidFill>
+                  <a:srgbClr val="000000"/>
+                </a:solidFill>
+                <a:effectLst/>
+              </a:rPr>
+              <a:t>We install commands on both master and slave.</a:t>
+            </a:r>
+          </a:p>
+        </p:txBody>
+      </p:sp>
+      <p:sp>
+        <p:nvSpPr>
+          <p:cNvPr id="4" name="標題 1"/>
+          <p:cNvSpPr txBox="1">
+            <a:spLocks/>
+          </p:cNvSpPr>
+          <p:nvPr/>
+        </p:nvSpPr>
+        <p:spPr>
+          <a:xfrm>
+            <a:off x="0" y="764704"/>
+            <a:ext cx="9144000" cy="360040"/>
+          </a:xfrm>
+          <a:prstGeom prst="rect">
+            <a:avLst/>
+          </a:prstGeom>
+          <a:gradFill flip="none" rotWithShape="1">
+            <a:gsLst>
+              <a:gs pos="0">
+                <a:srgbClr val="00B0F0">
+                  <a:shade val="30000"/>
+                  <a:satMod val="115000"/>
+                </a:srgbClr>
+              </a:gs>
+              <a:gs pos="50000">
+                <a:srgbClr val="00B0F0">
+                  <a:shade val="67500"/>
+                  <a:satMod val="115000"/>
+                </a:srgbClr>
+              </a:gs>
+              <a:gs pos="100000">
+                <a:srgbClr val="00B0F0">
+                  <a:shade val="100000"/>
+                  <a:satMod val="115000"/>
+                </a:srgbClr>
+              </a:gs>
+            </a:gsLst>
+            <a:path path="circle">
+              <a:fillToRect t="100000" r="100000"/>
+            </a:path>
+            <a:tileRect l="-100000" b="-100000"/>
+          </a:gradFill>
+        </p:spPr>
+        <p:txBody>
+          <a:bodyPr vert="horz" lIns="91440" tIns="45720" rIns="91440" bIns="45720" rtlCol="0" anchor="ctr">
+            <a:normAutofit/>
+          </a:bodyPr>
+          <a:lstStyle/>
+          <a:p>
+            <a:pPr lvl="0">
+              <a:spcBef>
+                <a:spcPct val="0"/>
+              </a:spcBef>
+            </a:pPr>
+            <a:r>
+              <a:rPr lang="en-US" sz="1600" dirty="0"/>
+              <a:t>https://www.youtube.com/watch?v=UWg3ORRRF60</a:t>
+            </a:r>
+            <a:endParaRPr kumimoji="0" lang="zh-TW" altLang="en-US" sz="1600" b="0" i="0" u="none" strike="noStrike" kern="1200" cap="none" spc="0" normalizeH="0" baseline="0" noProof="0" dirty="0">
+              <a:ln>
+                <a:noFill/>
+              </a:ln>
+              <a:solidFill>
+                <a:schemeClr val="tx1"/>
+              </a:solidFill>
+              <a:effectLst/>
+              <a:uLnTx/>
+              <a:uFillTx/>
+              <a:latin typeface="+mj-lt"/>
+              <a:ea typeface="+mj-ea"/>
+              <a:cs typeface="+mj-cs"/>
+            </a:endParaRPr>
+          </a:p>
+        </p:txBody>
+      </p:sp>
+      <p:sp>
+        <p:nvSpPr>
+          <p:cNvPr id="5" name="日期版面配置區 4"/>
+          <p:cNvSpPr>
+            <a:spLocks noGrp="1"/>
+          </p:cNvSpPr>
+          <p:nvPr>
+            <p:ph type="dt" sz="half" idx="10"/>
+          </p:nvPr>
+        </p:nvSpPr>
+        <p:spPr/>
+        <p:txBody>
+          <a:bodyPr/>
+          <a:lstStyle/>
+          <a:p>
+            <a:fld id="{A4F910E6-8D00-4BAF-8C48-9688E0B449D3}" type="datetime1">
+              <a:rPr lang="zh-TW" altLang="en-US" smtClean="0"/>
+              <a:pPr/>
+              <a:t>2022/11/19</a:t>
             </a:fld>
             <a:endParaRPr lang="zh-TW" altLang="en-US"/>
           </a:p>
@@ -7318,7 +14423,7 @@
             <a:fld id="{A4F910E6-8D00-4BAF-8C48-9688E0B449D3}" type="datetime1">
               <a:rPr lang="zh-TW" altLang="en-US" smtClean="0"/>
               <a:pPr/>
-              <a:t>2022/11/17</a:t>
+              <a:t>2022/11/19</a:t>
             </a:fld>
             <a:endParaRPr lang="zh-TW" altLang="en-US"/>
           </a:p>
@@ -8015,7 +15120,7 @@
             <a:fld id="{A4F910E6-8D00-4BAF-8C48-9688E0B449D3}" type="datetime1">
               <a:rPr lang="zh-TW" altLang="en-US" smtClean="0"/>
               <a:pPr/>
-              <a:t>2022/11/17</a:t>
+              <a:t>2022/11/19</a:t>
             </a:fld>
             <a:endParaRPr lang="zh-TW" altLang="en-US"/>
           </a:p>
@@ -8728,7 +15833,7 @@
             <a:fld id="{A4F910E6-8D00-4BAF-8C48-9688E0B449D3}" type="datetime1">
               <a:rPr lang="zh-TW" altLang="en-US" smtClean="0"/>
               <a:pPr/>
-              <a:t>2022/11/17</a:t>
+              <a:t>2022/11/19</a:t>
             </a:fld>
             <a:endParaRPr lang="zh-TW" altLang="en-US"/>
           </a:p>
@@ -9454,7 +16559,7 @@
             <a:fld id="{A4F910E6-8D00-4BAF-8C48-9688E0B449D3}" type="datetime1">
               <a:rPr lang="zh-TW" altLang="en-US" smtClean="0"/>
               <a:pPr/>
-              <a:t>2022/11/17</a:t>
+              <a:t>2022/11/19</a:t>
             </a:fld>
             <a:endParaRPr lang="zh-TW" altLang="en-US"/>
           </a:p>
@@ -10172,7 +17277,7 @@
             <a:fld id="{A4F910E6-8D00-4BAF-8C48-9688E0B449D3}" type="datetime1">
               <a:rPr lang="zh-TW" altLang="en-US" smtClean="0"/>
               <a:pPr/>
-              <a:t>2022/11/17</a:t>
+              <a:t>2022/11/19</a:t>
             </a:fld>
             <a:endParaRPr lang="zh-TW" altLang="en-US"/>
           </a:p>
@@ -10940,7 +18045,7 @@
             <a:fld id="{A4F910E6-8D00-4BAF-8C48-9688E0B449D3}" type="datetime1">
               <a:rPr lang="zh-TW" altLang="en-US" smtClean="0"/>
               <a:pPr/>
-              <a:t>2022/11/17</a:t>
+              <a:t>2022/11/19</a:t>
             </a:fld>
             <a:endParaRPr lang="zh-TW" altLang="en-US"/>
           </a:p>
